--- a/spec/Hackathon.pptx
+++ b/spec/Hackathon.pptx
@@ -10,8 +10,9 @@
     <p:sldId id="257" r:id="rId5"/>
     <p:sldId id="258" r:id="rId6"/>
     <p:sldId id="259" r:id="rId7"/>
+    <p:sldId id="260" r:id="rId8"/>
   </p:sldIdLst>
-  <p:sldSz cx="12192000" cy="6858000"/>
+  <p:sldSz cx="10080625" cy="7559675"/>
   <p:notesSz cx="7559675" cy="10691812"/>
 </p:presentation>
 </file>
@@ -67,8 +68,8 @@
         </p:nvSpPr>
         <p:spPr>
           <a:xfrm>
-            <a:off x="609480" y="273600"/>
-            <a:ext cx="10972440" cy="1145160"/>
+            <a:off x="503640" y="301320"/>
+            <a:ext cx="9071640" cy="1262520"/>
           </a:xfrm>
           <a:prstGeom prst="rect">
             <a:avLst/>
@@ -94,8 +95,8 @@
         </p:nvSpPr>
         <p:spPr>
           <a:xfrm>
-            <a:off x="609480" y="1604520"/>
-            <a:ext cx="10728360" cy="1896840"/>
+            <a:off x="503640" y="1768680"/>
+            <a:ext cx="8869680" cy="2090880"/>
           </a:xfrm>
           <a:prstGeom prst="rect">
             <a:avLst/>
@@ -120,8 +121,8 @@
         </p:nvSpPr>
         <p:spPr>
           <a:xfrm>
-            <a:off x="609480" y="3681720"/>
-            <a:ext cx="10728360" cy="1896840"/>
+            <a:off x="503640" y="4058280"/>
+            <a:ext cx="8869680" cy="2090880"/>
           </a:xfrm>
           <a:prstGeom prst="rect">
             <a:avLst/>
@@ -168,8 +169,8 @@
         </p:nvSpPr>
         <p:spPr>
           <a:xfrm>
-            <a:off x="609480" y="273600"/>
-            <a:ext cx="10972440" cy="1145160"/>
+            <a:off x="503640" y="301320"/>
+            <a:ext cx="9071640" cy="1262520"/>
           </a:xfrm>
           <a:prstGeom prst="rect">
             <a:avLst/>
@@ -195,8 +196,8 @@
         </p:nvSpPr>
         <p:spPr>
           <a:xfrm>
-            <a:off x="609480" y="1604520"/>
-            <a:ext cx="5235120" cy="1896840"/>
+            <a:off x="503640" y="1768680"/>
+            <a:ext cx="4327920" cy="2090880"/>
           </a:xfrm>
           <a:prstGeom prst="rect">
             <a:avLst/>
@@ -221,8 +222,8 @@
         </p:nvSpPr>
         <p:spPr>
           <a:xfrm>
-            <a:off x="6106680" y="1604520"/>
-            <a:ext cx="5235120" cy="1896840"/>
+            <a:off x="5048280" y="1768680"/>
+            <a:ext cx="4327920" cy="2090880"/>
           </a:xfrm>
           <a:prstGeom prst="rect">
             <a:avLst/>
@@ -247,8 +248,8 @@
         </p:nvSpPr>
         <p:spPr>
           <a:xfrm>
-            <a:off x="6106680" y="3681720"/>
-            <a:ext cx="5235120" cy="1896840"/>
+            <a:off x="5048280" y="4058280"/>
+            <a:ext cx="4327920" cy="2090880"/>
           </a:xfrm>
           <a:prstGeom prst="rect">
             <a:avLst/>
@@ -273,8 +274,8 @@
         </p:nvSpPr>
         <p:spPr>
           <a:xfrm>
-            <a:off x="609480" y="3681720"/>
-            <a:ext cx="5235120" cy="1896840"/>
+            <a:off x="503640" y="4058280"/>
+            <a:ext cx="4327920" cy="2090880"/>
           </a:xfrm>
           <a:prstGeom prst="rect">
             <a:avLst/>
@@ -321,8 +322,8 @@
         </p:nvSpPr>
         <p:spPr>
           <a:xfrm>
-            <a:off x="609480" y="273600"/>
-            <a:ext cx="10972440" cy="1145160"/>
+            <a:off x="503640" y="301320"/>
+            <a:ext cx="9071640" cy="1262520"/>
           </a:xfrm>
           <a:prstGeom prst="rect">
             <a:avLst/>
@@ -348,8 +349,8 @@
         </p:nvSpPr>
         <p:spPr>
           <a:xfrm>
-            <a:off x="609480" y="1604520"/>
-            <a:ext cx="5235120" cy="1896840"/>
+            <a:off x="503640" y="1768680"/>
+            <a:ext cx="4327920" cy="2090880"/>
           </a:xfrm>
           <a:prstGeom prst="rect">
             <a:avLst/>
@@ -374,8 +375,8 @@
         </p:nvSpPr>
         <p:spPr>
           <a:xfrm>
-            <a:off x="6106680" y="1604520"/>
-            <a:ext cx="5235120" cy="1896840"/>
+            <a:off x="5048280" y="1768680"/>
+            <a:ext cx="4327920" cy="2090880"/>
           </a:xfrm>
           <a:prstGeom prst="rect">
             <a:avLst/>
@@ -444,8 +445,8 @@
         </p:nvSpPr>
         <p:spPr>
           <a:xfrm>
-            <a:off x="609480" y="273600"/>
-            <a:ext cx="10972440" cy="1145160"/>
+            <a:off x="503640" y="301320"/>
+            <a:ext cx="9071640" cy="1262520"/>
           </a:xfrm>
           <a:prstGeom prst="rect">
             <a:avLst/>
@@ -471,8 +472,8 @@
         </p:nvSpPr>
         <p:spPr>
           <a:xfrm>
-            <a:off x="609480" y="1604520"/>
-            <a:ext cx="10728360" cy="3977640"/>
+            <a:off x="503640" y="1768680"/>
+            <a:ext cx="8869680" cy="4384800"/>
           </a:xfrm>
           <a:prstGeom prst="rect">
             <a:avLst/>
@@ -520,8 +521,8 @@
         </p:nvSpPr>
         <p:spPr>
           <a:xfrm>
-            <a:off x="609480" y="273600"/>
-            <a:ext cx="10972440" cy="1145160"/>
+            <a:off x="503640" y="301320"/>
+            <a:ext cx="9071640" cy="1262520"/>
           </a:xfrm>
           <a:prstGeom prst="rect">
             <a:avLst/>
@@ -547,8 +548,8 @@
         </p:nvSpPr>
         <p:spPr>
           <a:xfrm>
-            <a:off x="609480" y="1604520"/>
-            <a:ext cx="10728360" cy="3977280"/>
+            <a:off x="503640" y="1768680"/>
+            <a:ext cx="8869680" cy="4384440"/>
           </a:xfrm>
           <a:prstGeom prst="rect">
             <a:avLst/>
@@ -595,8 +596,8 @@
         </p:nvSpPr>
         <p:spPr>
           <a:xfrm>
-            <a:off x="609480" y="273600"/>
-            <a:ext cx="10972440" cy="1145160"/>
+            <a:off x="503640" y="301320"/>
+            <a:ext cx="9071640" cy="1262520"/>
           </a:xfrm>
           <a:prstGeom prst="rect">
             <a:avLst/>
@@ -622,8 +623,8 @@
         </p:nvSpPr>
         <p:spPr>
           <a:xfrm>
-            <a:off x="609480" y="1604520"/>
-            <a:ext cx="5235120" cy="3977280"/>
+            <a:off x="503640" y="1768680"/>
+            <a:ext cx="4327920" cy="4384440"/>
           </a:xfrm>
           <a:prstGeom prst="rect">
             <a:avLst/>
@@ -648,8 +649,8 @@
         </p:nvSpPr>
         <p:spPr>
           <a:xfrm>
-            <a:off x="6106680" y="1604520"/>
-            <a:ext cx="5235120" cy="3977280"/>
+            <a:off x="5048280" y="1768680"/>
+            <a:ext cx="4327920" cy="4384440"/>
           </a:xfrm>
           <a:prstGeom prst="rect">
             <a:avLst/>
@@ -696,8 +697,8 @@
         </p:nvSpPr>
         <p:spPr>
           <a:xfrm>
-            <a:off x="609480" y="273600"/>
-            <a:ext cx="10972440" cy="1145160"/>
+            <a:off x="503640" y="301320"/>
+            <a:ext cx="9071640" cy="1262520"/>
           </a:xfrm>
           <a:prstGeom prst="rect">
             <a:avLst/>
@@ -745,8 +746,8 @@
         </p:nvSpPr>
         <p:spPr>
           <a:xfrm>
-            <a:off x="609480" y="273600"/>
-            <a:ext cx="10972440" cy="5308200"/>
+            <a:off x="503640" y="301320"/>
+            <a:ext cx="9071640" cy="5851800"/>
           </a:xfrm>
           <a:prstGeom prst="rect">
             <a:avLst/>
@@ -794,8 +795,8 @@
         </p:nvSpPr>
         <p:spPr>
           <a:xfrm>
-            <a:off x="609480" y="273600"/>
-            <a:ext cx="10972440" cy="1145160"/>
+            <a:off x="503640" y="301320"/>
+            <a:ext cx="9071640" cy="1262520"/>
           </a:xfrm>
           <a:prstGeom prst="rect">
             <a:avLst/>
@@ -821,8 +822,8 @@
         </p:nvSpPr>
         <p:spPr>
           <a:xfrm>
-            <a:off x="609480" y="1604520"/>
-            <a:ext cx="5235120" cy="1896840"/>
+            <a:off x="503640" y="1768680"/>
+            <a:ext cx="4327920" cy="2090880"/>
           </a:xfrm>
           <a:prstGeom prst="rect">
             <a:avLst/>
@@ -847,8 +848,8 @@
         </p:nvSpPr>
         <p:spPr>
           <a:xfrm>
-            <a:off x="609480" y="3681720"/>
-            <a:ext cx="5235120" cy="1896840"/>
+            <a:off x="503640" y="4058280"/>
+            <a:ext cx="4327920" cy="2090880"/>
           </a:xfrm>
           <a:prstGeom prst="rect">
             <a:avLst/>
@@ -873,8 +874,8 @@
         </p:nvSpPr>
         <p:spPr>
           <a:xfrm>
-            <a:off x="6106680" y="1604520"/>
-            <a:ext cx="5235120" cy="3977280"/>
+            <a:off x="5048280" y="1768680"/>
+            <a:ext cx="4327920" cy="4384440"/>
           </a:xfrm>
           <a:prstGeom prst="rect">
             <a:avLst/>
@@ -921,8 +922,8 @@
         </p:nvSpPr>
         <p:spPr>
           <a:xfrm>
-            <a:off x="609480" y="273600"/>
-            <a:ext cx="10972440" cy="1145160"/>
+            <a:off x="503640" y="301320"/>
+            <a:ext cx="9071640" cy="1262520"/>
           </a:xfrm>
           <a:prstGeom prst="rect">
             <a:avLst/>
@@ -948,8 +949,8 @@
         </p:nvSpPr>
         <p:spPr>
           <a:xfrm>
-            <a:off x="609480" y="1604520"/>
-            <a:ext cx="10728360" cy="3977640"/>
+            <a:off x="503640" y="1768680"/>
+            <a:ext cx="8869680" cy="4384800"/>
           </a:xfrm>
           <a:prstGeom prst="rect">
             <a:avLst/>
@@ -997,8 +998,8 @@
         </p:nvSpPr>
         <p:spPr>
           <a:xfrm>
-            <a:off x="609480" y="273600"/>
-            <a:ext cx="10972440" cy="1145160"/>
+            <a:off x="503640" y="301320"/>
+            <a:ext cx="9071640" cy="1262520"/>
           </a:xfrm>
           <a:prstGeom prst="rect">
             <a:avLst/>
@@ -1024,8 +1025,8 @@
         </p:nvSpPr>
         <p:spPr>
           <a:xfrm>
-            <a:off x="609480" y="1604520"/>
-            <a:ext cx="5235120" cy="3977280"/>
+            <a:off x="503640" y="1768680"/>
+            <a:ext cx="4327920" cy="4384440"/>
           </a:xfrm>
           <a:prstGeom prst="rect">
             <a:avLst/>
@@ -1050,8 +1051,8 @@
         </p:nvSpPr>
         <p:spPr>
           <a:xfrm>
-            <a:off x="6106680" y="1604520"/>
-            <a:ext cx="5235120" cy="1896840"/>
+            <a:off x="5048280" y="1768680"/>
+            <a:ext cx="4327920" cy="2090880"/>
           </a:xfrm>
           <a:prstGeom prst="rect">
             <a:avLst/>
@@ -1076,8 +1077,8 @@
         </p:nvSpPr>
         <p:spPr>
           <a:xfrm>
-            <a:off x="6106680" y="3681720"/>
-            <a:ext cx="5235120" cy="1896840"/>
+            <a:off x="5048280" y="4058280"/>
+            <a:ext cx="4327920" cy="2090880"/>
           </a:xfrm>
           <a:prstGeom prst="rect">
             <a:avLst/>
@@ -1124,8 +1125,8 @@
         </p:nvSpPr>
         <p:spPr>
           <a:xfrm>
-            <a:off x="609480" y="273600"/>
-            <a:ext cx="10972440" cy="1145160"/>
+            <a:off x="503640" y="301320"/>
+            <a:ext cx="9071640" cy="1262520"/>
           </a:xfrm>
           <a:prstGeom prst="rect">
             <a:avLst/>
@@ -1151,8 +1152,8 @@
         </p:nvSpPr>
         <p:spPr>
           <a:xfrm>
-            <a:off x="609480" y="1604520"/>
-            <a:ext cx="5235120" cy="1896840"/>
+            <a:off x="503640" y="1768680"/>
+            <a:ext cx="4327920" cy="2090880"/>
           </a:xfrm>
           <a:prstGeom prst="rect">
             <a:avLst/>
@@ -1177,8 +1178,8 @@
         </p:nvSpPr>
         <p:spPr>
           <a:xfrm>
-            <a:off x="6106680" y="1604520"/>
-            <a:ext cx="5235120" cy="1896840"/>
+            <a:off x="5048280" y="1768680"/>
+            <a:ext cx="4327920" cy="2090880"/>
           </a:xfrm>
           <a:prstGeom prst="rect">
             <a:avLst/>
@@ -1203,8 +1204,8 @@
         </p:nvSpPr>
         <p:spPr>
           <a:xfrm>
-            <a:off x="609480" y="3681720"/>
-            <a:ext cx="10728000" cy="1896840"/>
+            <a:off x="503640" y="4058280"/>
+            <a:ext cx="8868960" cy="2090880"/>
           </a:xfrm>
           <a:prstGeom prst="rect">
             <a:avLst/>
@@ -1251,8 +1252,8 @@
         </p:nvSpPr>
         <p:spPr>
           <a:xfrm>
-            <a:off x="609480" y="273600"/>
-            <a:ext cx="10972440" cy="1145160"/>
+            <a:off x="503640" y="301320"/>
+            <a:ext cx="9071640" cy="1262520"/>
           </a:xfrm>
           <a:prstGeom prst="rect">
             <a:avLst/>
@@ -1278,8 +1279,8 @@
         </p:nvSpPr>
         <p:spPr>
           <a:xfrm>
-            <a:off x="609480" y="1604520"/>
-            <a:ext cx="10728360" cy="1896840"/>
+            <a:off x="503640" y="1768680"/>
+            <a:ext cx="8869680" cy="2090880"/>
           </a:xfrm>
           <a:prstGeom prst="rect">
             <a:avLst/>
@@ -1304,8 +1305,8 @@
         </p:nvSpPr>
         <p:spPr>
           <a:xfrm>
-            <a:off x="609480" y="3681720"/>
-            <a:ext cx="10728360" cy="1896840"/>
+            <a:off x="503640" y="4058280"/>
+            <a:ext cx="8869680" cy="2090880"/>
           </a:xfrm>
           <a:prstGeom prst="rect">
             <a:avLst/>
@@ -1352,8 +1353,8 @@
         </p:nvSpPr>
         <p:spPr>
           <a:xfrm>
-            <a:off x="609480" y="273600"/>
-            <a:ext cx="10972440" cy="1145160"/>
+            <a:off x="503640" y="301320"/>
+            <a:ext cx="9071640" cy="1262520"/>
           </a:xfrm>
           <a:prstGeom prst="rect">
             <a:avLst/>
@@ -1379,8 +1380,8 @@
         </p:nvSpPr>
         <p:spPr>
           <a:xfrm>
-            <a:off x="609480" y="1604520"/>
-            <a:ext cx="5235120" cy="1896840"/>
+            <a:off x="503640" y="1768680"/>
+            <a:ext cx="4327920" cy="2090880"/>
           </a:xfrm>
           <a:prstGeom prst="rect">
             <a:avLst/>
@@ -1405,8 +1406,8 @@
         </p:nvSpPr>
         <p:spPr>
           <a:xfrm>
-            <a:off x="6106680" y="1604520"/>
-            <a:ext cx="5235120" cy="1896840"/>
+            <a:off x="5048280" y="1768680"/>
+            <a:ext cx="4327920" cy="2090880"/>
           </a:xfrm>
           <a:prstGeom prst="rect">
             <a:avLst/>
@@ -1431,8 +1432,8 @@
         </p:nvSpPr>
         <p:spPr>
           <a:xfrm>
-            <a:off x="6106680" y="3681720"/>
-            <a:ext cx="5235120" cy="1896840"/>
+            <a:off x="5048280" y="4058280"/>
+            <a:ext cx="4327920" cy="2090880"/>
           </a:xfrm>
           <a:prstGeom prst="rect">
             <a:avLst/>
@@ -1457,8 +1458,8 @@
         </p:nvSpPr>
         <p:spPr>
           <a:xfrm>
-            <a:off x="609480" y="3681720"/>
-            <a:ext cx="5235120" cy="1896840"/>
+            <a:off x="503640" y="4058280"/>
+            <a:ext cx="4327920" cy="2090880"/>
           </a:xfrm>
           <a:prstGeom prst="rect">
             <a:avLst/>
@@ -1505,8 +1506,8 @@
         </p:nvSpPr>
         <p:spPr>
           <a:xfrm>
-            <a:off x="609480" y="273600"/>
-            <a:ext cx="10972440" cy="1145160"/>
+            <a:off x="503640" y="301320"/>
+            <a:ext cx="9071640" cy="1262520"/>
           </a:xfrm>
           <a:prstGeom prst="rect">
             <a:avLst/>
@@ -1532,8 +1533,8 @@
         </p:nvSpPr>
         <p:spPr>
           <a:xfrm>
-            <a:off x="609480" y="1604520"/>
-            <a:ext cx="5235120" cy="1896840"/>
+            <a:off x="503640" y="1768680"/>
+            <a:ext cx="4327920" cy="2090880"/>
           </a:xfrm>
           <a:prstGeom prst="rect">
             <a:avLst/>
@@ -1558,8 +1559,8 @@
         </p:nvSpPr>
         <p:spPr>
           <a:xfrm>
-            <a:off x="6106680" y="1604520"/>
-            <a:ext cx="5235120" cy="1896840"/>
+            <a:off x="5048280" y="1768680"/>
+            <a:ext cx="4327920" cy="2090880"/>
           </a:xfrm>
           <a:prstGeom prst="rect">
             <a:avLst/>
@@ -1606,8 +1607,8 @@
         </p:nvSpPr>
         <p:spPr>
           <a:xfrm>
-            <a:off x="609480" y="273600"/>
-            <a:ext cx="10972440" cy="1145160"/>
+            <a:off x="503640" y="301320"/>
+            <a:ext cx="9071640" cy="1262520"/>
           </a:xfrm>
           <a:prstGeom prst="rect">
             <a:avLst/>
@@ -1633,8 +1634,8 @@
         </p:nvSpPr>
         <p:spPr>
           <a:xfrm>
-            <a:off x="609480" y="1604520"/>
-            <a:ext cx="10728360" cy="3977280"/>
+            <a:off x="503640" y="1768680"/>
+            <a:ext cx="8869680" cy="4384440"/>
           </a:xfrm>
           <a:prstGeom prst="rect">
             <a:avLst/>
@@ -1681,8 +1682,8 @@
         </p:nvSpPr>
         <p:spPr>
           <a:xfrm>
-            <a:off x="609480" y="273600"/>
-            <a:ext cx="10972440" cy="1145160"/>
+            <a:off x="503640" y="301320"/>
+            <a:ext cx="9071640" cy="1262520"/>
           </a:xfrm>
           <a:prstGeom prst="rect">
             <a:avLst/>
@@ -1708,8 +1709,8 @@
         </p:nvSpPr>
         <p:spPr>
           <a:xfrm>
-            <a:off x="609480" y="1604520"/>
-            <a:ext cx="5235120" cy="3977280"/>
+            <a:off x="503640" y="1768680"/>
+            <a:ext cx="4327920" cy="4384440"/>
           </a:xfrm>
           <a:prstGeom prst="rect">
             <a:avLst/>
@@ -1734,8 +1735,8 @@
         </p:nvSpPr>
         <p:spPr>
           <a:xfrm>
-            <a:off x="6106680" y="1604520"/>
-            <a:ext cx="5235120" cy="3977280"/>
+            <a:off x="5048280" y="1768680"/>
+            <a:ext cx="4327920" cy="4384440"/>
           </a:xfrm>
           <a:prstGeom prst="rect">
             <a:avLst/>
@@ -1782,8 +1783,8 @@
         </p:nvSpPr>
         <p:spPr>
           <a:xfrm>
-            <a:off x="609480" y="273600"/>
-            <a:ext cx="10972440" cy="1145160"/>
+            <a:off x="503640" y="301320"/>
+            <a:ext cx="9071640" cy="1262520"/>
           </a:xfrm>
           <a:prstGeom prst="rect">
             <a:avLst/>
@@ -1831,8 +1832,8 @@
         </p:nvSpPr>
         <p:spPr>
           <a:xfrm>
-            <a:off x="609480" y="273600"/>
-            <a:ext cx="10972440" cy="5308200"/>
+            <a:off x="503640" y="301320"/>
+            <a:ext cx="9071640" cy="5851800"/>
           </a:xfrm>
           <a:prstGeom prst="rect">
             <a:avLst/>
@@ -1880,8 +1881,8 @@
         </p:nvSpPr>
         <p:spPr>
           <a:xfrm>
-            <a:off x="609480" y="273600"/>
-            <a:ext cx="10972440" cy="1145160"/>
+            <a:off x="503640" y="301320"/>
+            <a:ext cx="9071640" cy="1262520"/>
           </a:xfrm>
           <a:prstGeom prst="rect">
             <a:avLst/>
@@ -1907,8 +1908,8 @@
         </p:nvSpPr>
         <p:spPr>
           <a:xfrm>
-            <a:off x="609480" y="1604520"/>
-            <a:ext cx="5235120" cy="1896840"/>
+            <a:off x="503640" y="1768680"/>
+            <a:ext cx="4327920" cy="2090880"/>
           </a:xfrm>
           <a:prstGeom prst="rect">
             <a:avLst/>
@@ -1933,8 +1934,8 @@
         </p:nvSpPr>
         <p:spPr>
           <a:xfrm>
-            <a:off x="609480" y="3681720"/>
-            <a:ext cx="5235120" cy="1896840"/>
+            <a:off x="503640" y="4058280"/>
+            <a:ext cx="4327920" cy="2090880"/>
           </a:xfrm>
           <a:prstGeom prst="rect">
             <a:avLst/>
@@ -1959,8 +1960,8 @@
         </p:nvSpPr>
         <p:spPr>
           <a:xfrm>
-            <a:off x="6106680" y="1604520"/>
-            <a:ext cx="5235120" cy="3977280"/>
+            <a:off x="5048280" y="1768680"/>
+            <a:ext cx="4327920" cy="4384440"/>
           </a:xfrm>
           <a:prstGeom prst="rect">
             <a:avLst/>
@@ -2007,8 +2008,8 @@
         </p:nvSpPr>
         <p:spPr>
           <a:xfrm>
-            <a:off x="609480" y="273600"/>
-            <a:ext cx="10972440" cy="1145160"/>
+            <a:off x="503640" y="301320"/>
+            <a:ext cx="9071640" cy="1262520"/>
           </a:xfrm>
           <a:prstGeom prst="rect">
             <a:avLst/>
@@ -2034,8 +2035,8 @@
         </p:nvSpPr>
         <p:spPr>
           <a:xfrm>
-            <a:off x="609480" y="1604520"/>
-            <a:ext cx="5235120" cy="3977280"/>
+            <a:off x="503640" y="1768680"/>
+            <a:ext cx="4327920" cy="4384440"/>
           </a:xfrm>
           <a:prstGeom prst="rect">
             <a:avLst/>
@@ -2060,8 +2061,8 @@
         </p:nvSpPr>
         <p:spPr>
           <a:xfrm>
-            <a:off x="6106680" y="1604520"/>
-            <a:ext cx="5235120" cy="1896840"/>
+            <a:off x="5048280" y="1768680"/>
+            <a:ext cx="4327920" cy="2090880"/>
           </a:xfrm>
           <a:prstGeom prst="rect">
             <a:avLst/>
@@ -2086,8 +2087,8 @@
         </p:nvSpPr>
         <p:spPr>
           <a:xfrm>
-            <a:off x="6106680" y="3681720"/>
-            <a:ext cx="5235120" cy="1896840"/>
+            <a:off x="5048280" y="4058280"/>
+            <a:ext cx="4327920" cy="2090880"/>
           </a:xfrm>
           <a:prstGeom prst="rect">
             <a:avLst/>
@@ -2134,8 +2135,8 @@
         </p:nvSpPr>
         <p:spPr>
           <a:xfrm>
-            <a:off x="609480" y="273600"/>
-            <a:ext cx="10972440" cy="1145160"/>
+            <a:off x="503640" y="301320"/>
+            <a:ext cx="9071640" cy="1262520"/>
           </a:xfrm>
           <a:prstGeom prst="rect">
             <a:avLst/>
@@ -2161,8 +2162,8 @@
         </p:nvSpPr>
         <p:spPr>
           <a:xfrm>
-            <a:off x="609480" y="1604520"/>
-            <a:ext cx="5235120" cy="1896840"/>
+            <a:off x="503640" y="1768680"/>
+            <a:ext cx="4327920" cy="2090880"/>
           </a:xfrm>
           <a:prstGeom prst="rect">
             <a:avLst/>
@@ -2187,8 +2188,8 @@
         </p:nvSpPr>
         <p:spPr>
           <a:xfrm>
-            <a:off x="6106680" y="1604520"/>
-            <a:ext cx="5235120" cy="1896840"/>
+            <a:off x="5048280" y="1768680"/>
+            <a:ext cx="4327920" cy="2090880"/>
           </a:xfrm>
           <a:prstGeom prst="rect">
             <a:avLst/>
@@ -2213,8 +2214,8 @@
         </p:nvSpPr>
         <p:spPr>
           <a:xfrm>
-            <a:off x="609480" y="3681720"/>
-            <a:ext cx="10728000" cy="1896840"/>
+            <a:off x="503640" y="4058280"/>
+            <a:ext cx="8868960" cy="2090880"/>
           </a:xfrm>
           <a:prstGeom prst="rect">
             <a:avLst/>
@@ -2270,8 +2271,8 @@
         </p:blipFill>
         <p:spPr>
           <a:xfrm>
-            <a:off x="0" y="5832360"/>
-            <a:ext cx="12191400" cy="1024920"/>
+            <a:off x="0" y="6429240"/>
+            <a:ext cx="10079280" cy="1129320"/>
           </a:xfrm>
           <a:prstGeom prst="rect">
             <a:avLst/>
@@ -2292,8 +2293,8 @@
         </p:blipFill>
         <p:spPr>
           <a:xfrm>
-            <a:off x="1330560" y="1540080"/>
-            <a:ext cx="10057680" cy="3526560"/>
+            <a:off x="991800" y="2165400"/>
+            <a:ext cx="8314920" cy="2766600"/>
           </a:xfrm>
           <a:prstGeom prst="rect">
             <a:avLst/>
@@ -2312,8 +2313,8 @@
         </p:nvSpPr>
         <p:spPr>
           <a:xfrm>
-            <a:off x="838080" y="365040"/>
-            <a:ext cx="10514880" cy="1325160"/>
+            <a:off x="503640" y="301320"/>
+            <a:ext cx="9071280" cy="1262160"/>
           </a:xfrm>
           <a:prstGeom prst="rect">
             <a:avLst/>
@@ -2342,8 +2343,8 @@
         </p:nvSpPr>
         <p:spPr>
           <a:xfrm>
-            <a:off x="609480" y="1604520"/>
-            <a:ext cx="10728360" cy="3977280"/>
+            <a:off x="503640" y="1768680"/>
+            <a:ext cx="8869680" cy="4384080"/>
           </a:xfrm>
           <a:prstGeom prst="rect">
             <a:avLst/>
@@ -2495,8 +2496,8 @@
         </p:blipFill>
         <p:spPr>
           <a:xfrm>
-            <a:off x="0" y="5832360"/>
-            <a:ext cx="12191400" cy="1024920"/>
+            <a:off x="0" y="6429240"/>
+            <a:ext cx="10079280" cy="1129320"/>
           </a:xfrm>
           <a:prstGeom prst="rect">
             <a:avLst/>
@@ -2515,8 +2516,8 @@
         </p:nvSpPr>
         <p:spPr>
           <a:xfrm>
-            <a:off x="609480" y="273600"/>
-            <a:ext cx="10972440" cy="1144800"/>
+            <a:off x="503640" y="301320"/>
+            <a:ext cx="9071640" cy="1262160"/>
           </a:xfrm>
           <a:prstGeom prst="rect">
             <a:avLst/>
@@ -2546,8 +2547,8 @@
         </p:nvSpPr>
         <p:spPr>
           <a:xfrm>
-            <a:off x="609480" y="1604520"/>
-            <a:ext cx="10728360" cy="3977280"/>
+            <a:off x="503640" y="1768680"/>
+            <a:ext cx="8869680" cy="4384440"/>
           </a:xfrm>
           <a:prstGeom prst="rect">
             <a:avLst/>
@@ -2664,6 +2665,13 @@
 <file path=ppt/slides/slide1.xml><?xml version="1.0" encoding="utf-8"?>
 <p:sld xmlns:a="http://schemas.openxmlformats.org/drawingml/2006/main" xmlns:p="http://schemas.openxmlformats.org/presentationml/2006/main" xmlns:r="http://schemas.openxmlformats.org/officeDocument/2006/relationships">
   <p:cSld>
+    <p:bg>
+      <p:bgPr>
+        <a:solidFill>
+          <a:srgbClr val="ffffff"/>
+        </a:solidFill>
+      </p:bgPr>
+    </p:bg>
     <p:spTree>
       <p:nvGrpSpPr>
         <p:cNvPr id="1" name=""/>
@@ -2708,8 +2716,8 @@
         </p:nvSpPr>
         <p:spPr>
           <a:xfrm>
-            <a:off x="838080" y="365040"/>
-            <a:ext cx="10514880" cy="1324800"/>
+            <a:off x="692640" y="402120"/>
+            <a:ext cx="8692920" cy="1460160"/>
           </a:xfrm>
           <a:prstGeom prst="rect">
             <a:avLst/>
@@ -2744,8 +2752,8 @@
         </p:nvSpPr>
         <p:spPr>
           <a:xfrm>
-            <a:off x="838080" y="1825560"/>
-            <a:ext cx="10514880" cy="3791880"/>
+            <a:off x="692640" y="2012400"/>
+            <a:ext cx="8692920" cy="4179600"/>
           </a:xfrm>
           <a:prstGeom prst="rect">
             <a:avLst/>
@@ -2825,7 +2833,7 @@
                 </a:solidFill>
                 <a:latin typeface="Steagal Light"/>
               </a:rPr>
-              <a:t>Highest average profit will win.</a:t>
+              <a:t>Increase your starting cash by solving Challenges.</a:t>
             </a:r>
             <a:endParaRPr/>
           </a:p>
@@ -2844,7 +2852,7 @@
                 </a:solidFill>
                 <a:latin typeface="Steagal Light"/>
               </a:rPr>
-              <a:t>You have 2 hours.</a:t>
+              <a:t>Highest total cash wins!</a:t>
             </a:r>
             <a:endParaRPr/>
           </a:p>
@@ -2852,6 +2860,35 @@
       </p:sp>
     </p:spTree>
   </p:cSld>
+  <p:timing>
+    <p:tnLst>
+      <p:par>
+        <p:cTn dur="indefinite" id="1" nodeType="tmRoot" restart="never">
+          <p:childTnLst>
+            <p:seq>
+              <p:cTn id="2" nodeType="mainSeq">
+                <p:childTnLst/>
+              </p:cTn>
+              <p:prevCondLst>
+                <p:cond delay="0" evt="onPrev">
+                  <p:tgtEl>
+                    <p:sldTgt/>
+                  </p:tgtEl>
+                </p:cond>
+              </p:prevCondLst>
+              <p:nextCondLst>
+                <p:cond delay="0" evt="onNext">
+                  <p:tgtEl>
+                    <p:sldTgt/>
+                  </p:tgtEl>
+                </p:cond>
+              </p:nextCondLst>
+            </p:seq>
+          </p:childTnLst>
+        </p:cTn>
+      </p:par>
+    </p:tnLst>
+  </p:timing>
 </p:sld>
 </file>
 
@@ -2880,8 +2917,8 @@
         </p:nvSpPr>
         <p:spPr>
           <a:xfrm>
-            <a:off x="838080" y="365040"/>
-            <a:ext cx="10514880" cy="1324800"/>
+            <a:off x="692640" y="402120"/>
+            <a:ext cx="8692920" cy="1460160"/>
           </a:xfrm>
           <a:prstGeom prst="rect">
             <a:avLst/>
@@ -2916,8 +2953,8 @@
         </p:nvSpPr>
         <p:spPr>
           <a:xfrm>
-            <a:off x="838080" y="1825560"/>
-            <a:ext cx="11233800" cy="3791880"/>
+            <a:off x="692640" y="2012400"/>
+            <a:ext cx="9287280" cy="4179600"/>
           </a:xfrm>
           <a:prstGeom prst="rect">
             <a:avLst/>
@@ -2974,136 +3011,41 @@
                 <a:spcPct val="90000"/>
               </a:lnSpc>
             </a:pPr>
-            <a:r>
-              <a:rPr lang="en-US" sz="2800">
-                <a:solidFill>
-                  <a:srgbClr val="666666"/>
-                </a:solidFill>
-                <a:latin typeface="Steagal Light"/>
-              </a:rPr>
-              <a:t>src /default package / TestImplementation.java</a:t>
-            </a:r>
-            <a:endParaRPr/>
-          </a:p>
-          <a:p>
-            <a:pPr>
-              <a:buSzPct val="45000"/>
-              <a:buFont typeface="StarSymbol"/>
-              <a:buChar char=""/>
-            </a:pPr>
-            <a:r>
-              <a:rPr lang="en-US" sz="2800">
-                <a:solidFill>
-                  <a:srgbClr val="666666"/>
-                </a:solidFill>
-                <a:latin typeface="Steagal Light"/>
-              </a:rPr>
-              <a:t>Run your algorithm against test data.</a:t>
-            </a:r>
-            <a:endParaRPr/>
-          </a:p>
-          <a:p>
-            <a:pPr>
-              <a:buSzPct val="45000"/>
-              <a:buFont typeface="StarSymbol"/>
-              <a:buChar char=""/>
-            </a:pPr>
-            <a:r>
-              <a:rPr lang="en-US" sz="2800">
-                <a:solidFill>
-                  <a:srgbClr val="666666"/>
-                </a:solidFill>
-                <a:latin typeface="Steagal Light"/>
-              </a:rPr>
-              <a:t>Change the company string to test against different companies.</a:t>
-            </a:r>
-            <a:endParaRPr/>
-          </a:p>
-          <a:p>
-            <a:pPr>
-              <a:lnSpc>
-                <a:spcPct val="90000"/>
-              </a:lnSpc>
-              <a:buSzPct val="45000"/>
-              <a:buFont typeface="StarSymbol"/>
-              <a:buChar char=""/>
-            </a:pPr>
-            <a:r>
-              <a:rPr lang="en-US" sz="2800">
-                <a:solidFill>
-                  <a:srgbClr val="666666"/>
-                </a:solidFill>
-                <a:latin typeface="Steagal Light"/>
-              </a:rPr>
-              <a:t>Available test companies: </a:t>
-            </a:r>
-            <a:r>
-              <a:rPr b="1" lang="en-US" sz="2800">
-                <a:solidFill>
-                  <a:srgbClr val="666666"/>
-                </a:solidFill>
-                <a:latin typeface="Steagal Light"/>
-              </a:rPr>
-              <a:t>Google</a:t>
-            </a:r>
-            <a:r>
-              <a:rPr lang="en-US" sz="2800">
-                <a:solidFill>
-                  <a:srgbClr val="666666"/>
-                </a:solidFill>
-                <a:latin typeface="Steagal Light"/>
-              </a:rPr>
-              <a:t>, </a:t>
-            </a:r>
-            <a:r>
-              <a:rPr b="1" lang="en-US" sz="2800">
-                <a:solidFill>
-                  <a:srgbClr val="666666"/>
-                </a:solidFill>
-                <a:latin typeface="Steagal Light"/>
-              </a:rPr>
-              <a:t>Microsoft</a:t>
-            </a:r>
-            <a:r>
-              <a:rPr lang="en-US" sz="2800">
-                <a:solidFill>
-                  <a:srgbClr val="666666"/>
-                </a:solidFill>
-                <a:latin typeface="Steagal Light"/>
-              </a:rPr>
-              <a:t>, </a:t>
-            </a:r>
-            <a:r>
-              <a:rPr b="1" lang="en-US" sz="2800">
-                <a:solidFill>
-                  <a:srgbClr val="666666"/>
-                </a:solidFill>
-                <a:latin typeface="Steagal Light"/>
-              </a:rPr>
-              <a:t>Netflix</a:t>
-            </a:r>
-            <a:r>
-              <a:rPr lang="en-US" sz="2800">
-                <a:solidFill>
-                  <a:srgbClr val="666666"/>
-                </a:solidFill>
-                <a:latin typeface="Steagal Light"/>
-              </a:rPr>
-              <a:t>.</a:t>
-            </a:r>
-            <a:endParaRPr/>
-          </a:p>
-        </p:txBody>
-      </p:sp>
+            <a:endParaRPr/>
+          </a:p>
+        </p:txBody>
+      </p:sp>
+      <p:pic>
+        <p:nvPicPr>
+          <p:cNvPr descr="" id="75" name=""/>
+          <p:cNvPicPr/>
+          <p:nvPr/>
+        </p:nvPicPr>
+        <p:blipFill>
+          <a:blip r:embed="rId2"/>
+          <a:stretch>
+            <a:fillRect/>
+          </a:stretch>
+        </p:blipFill>
+        <p:spPr>
+          <a:xfrm>
+            <a:off x="2110320" y="2972880"/>
+            <a:ext cx="5593680" cy="3075120"/>
+          </a:xfrm>
+          <a:prstGeom prst="rect">
+            <a:avLst/>
+          </a:prstGeom>
+        </p:spPr>
+      </p:pic>
     </p:spTree>
   </p:cSld>
   <p:timing>
     <p:tnLst>
       <p:par>
-        <p:cTn dur="indefinite" id="1" nodeType="tmRoot" restart="never">
+        <p:cTn dur="indefinite" id="3" nodeType="tmRoot" restart="never">
           <p:childTnLst>
             <p:seq>
-              <p:cTn id="2" nodeType="mainSeq">
+              <p:cTn id="4" nodeType="mainSeq">
                 <p:childTnLst/>
               </p:cTn>
               <p:prevCondLst>
@@ -3148,14 +3090,419 @@
       </p:grpSpPr>
       <p:sp>
         <p:nvSpPr>
-          <p:cNvPr id="75" name="CustomShape 1"/>
+          <p:cNvPr id="76" name="CustomShape 1"/>
           <p:cNvSpPr/>
           <p:nvPr/>
         </p:nvSpPr>
         <p:spPr>
           <a:xfrm>
-            <a:off x="838080" y="365040"/>
-            <a:ext cx="10514880" cy="1324800"/>
+            <a:off x="693000" y="402120"/>
+            <a:ext cx="8692920" cy="1460160"/>
+          </a:xfrm>
+          <a:prstGeom prst="rect">
+            <a:avLst/>
+          </a:prstGeom>
+        </p:spPr>
+        <p:txBody>
+          <a:bodyPr anchor="ctr" bIns="45000" lIns="90000" rIns="90000" tIns="45000"/>
+          <a:p>
+            <a:pPr>
+              <a:lnSpc>
+                <a:spcPct val="90000"/>
+              </a:lnSpc>
+            </a:pPr>
+            <a:r>
+              <a:rPr lang="en-US" sz="4400">
+                <a:solidFill>
+                  <a:srgbClr val="666666"/>
+                </a:solidFill>
+                <a:latin typeface="Steagal Light"/>
+              </a:rPr>
+              <a:t>Writing your solution</a:t>
+            </a:r>
+            <a:endParaRPr/>
+          </a:p>
+        </p:txBody>
+      </p:sp>
+      <p:sp>
+        <p:nvSpPr>
+          <p:cNvPr id="77" name="CustomShape 2"/>
+          <p:cNvSpPr/>
+          <p:nvPr/>
+        </p:nvSpPr>
+        <p:spPr>
+          <a:xfrm>
+            <a:off x="692640" y="2012400"/>
+            <a:ext cx="9287280" cy="4179600"/>
+          </a:xfrm>
+          <a:prstGeom prst="rect">
+            <a:avLst/>
+          </a:prstGeom>
+        </p:spPr>
+        <p:txBody>
+          <a:bodyPr bIns="45000" lIns="90000" rIns="90000" tIns="45000"/>
+          <a:p>
+            <a:pPr>
+              <a:lnSpc>
+                <a:spcPct val="90000"/>
+              </a:lnSpc>
+            </a:pPr>
+            <a:r>
+              <a:rPr lang="en-US" sz="2800">
+                <a:solidFill>
+                  <a:srgbClr val="666666"/>
+                </a:solidFill>
+                <a:latin typeface="Steagal Light"/>
+              </a:rPr>
+              <a:t>Work in src/trading/TradingStrategy.java</a:t>
+            </a:r>
+            <a:endParaRPr/>
+          </a:p>
+          <a:p>
+            <a:pPr>
+              <a:lnSpc>
+                <a:spcPct val="90000"/>
+              </a:lnSpc>
+            </a:pPr>
+            <a:endParaRPr/>
+          </a:p>
+          <a:p>
+            <a:pPr>
+              <a:lnSpc>
+                <a:spcPct val="90000"/>
+              </a:lnSpc>
+            </a:pPr>
+            <a:r>
+              <a:rPr lang="en-US" sz="1600">
+                <a:solidFill>
+                  <a:srgbClr val="666666"/>
+                </a:solidFill>
+                <a:latin typeface="Courier New"/>
+              </a:rPr>
+              <a:t>public DailyOutput makeDailyTrade(DailyInput input) throws … {</a:t>
+            </a:r>
+            <a:endParaRPr/>
+          </a:p>
+          <a:p>
+            <a:pPr>
+              <a:lnSpc>
+                <a:spcPct val="90000"/>
+              </a:lnSpc>
+            </a:pPr>
+            <a:r>
+              <a:rPr lang="en-US" sz="1600">
+                <a:solidFill>
+                  <a:srgbClr val="666666"/>
+                </a:solidFill>
+                <a:latin typeface="Courier New"/>
+              </a:rPr>
+              <a:t>    </a:t>
+            </a:r>
+            <a:r>
+              <a:rPr lang="en-US" sz="1600">
+                <a:solidFill>
+                  <a:srgbClr val="666666"/>
+                </a:solidFill>
+                <a:latin typeface="Courier New"/>
+              </a:rPr>
+              <a:t>DailyOutput output;</a:t>
+            </a:r>
+            <a:endParaRPr/>
+          </a:p>
+          <a:p>
+            <a:pPr>
+              <a:lnSpc>
+                <a:spcPct val="90000"/>
+              </a:lnSpc>
+            </a:pPr>
+            <a:endParaRPr/>
+          </a:p>
+          <a:p>
+            <a:pPr>
+              <a:lnSpc>
+                <a:spcPct val="90000"/>
+              </a:lnSpc>
+            </a:pPr>
+            <a:r>
+              <a:rPr lang="en-US" sz="1600">
+                <a:solidFill>
+                  <a:srgbClr val="666666"/>
+                </a:solidFill>
+                <a:latin typeface="Courier New"/>
+              </a:rPr>
+              <a:t>    </a:t>
+            </a:r>
+            <a:r>
+              <a:rPr lang="en-US" sz="1600">
+                <a:solidFill>
+                  <a:srgbClr val="666666"/>
+                </a:solidFill>
+                <a:latin typeface="Courier New"/>
+              </a:rPr>
+              <a:t>//Alternate between “buy all” and “sell all”</a:t>
+            </a:r>
+            <a:endParaRPr/>
+          </a:p>
+          <a:p>
+            <a:pPr>
+              <a:lnSpc>
+                <a:spcPct val="90000"/>
+              </a:lnSpc>
+            </a:pPr>
+            <a:r>
+              <a:rPr lang="en-US" sz="1600">
+                <a:solidFill>
+                  <a:srgbClr val="666666"/>
+                </a:solidFill>
+                <a:latin typeface="Courier New"/>
+              </a:rPr>
+              <a:t>    </a:t>
+            </a:r>
+            <a:r>
+              <a:rPr lang="en-US" sz="1600">
+                <a:solidFill>
+                  <a:srgbClr val="666666"/>
+                </a:solidFill>
+                <a:latin typeface="Courier New"/>
+              </a:rPr>
+              <a:t>if (input.getDay() % 2 == 0) {</a:t>
+            </a:r>
+            <a:endParaRPr/>
+          </a:p>
+          <a:p>
+            <a:pPr>
+              <a:lnSpc>
+                <a:spcPct val="90000"/>
+              </a:lnSpc>
+            </a:pPr>
+            <a:r>
+              <a:rPr lang="en-US" sz="1600">
+                <a:solidFill>
+                  <a:srgbClr val="666666"/>
+                </a:solidFill>
+                <a:latin typeface="Courier New"/>
+              </a:rPr>
+              <a:t>        </a:t>
+            </a:r>
+            <a:r>
+              <a:rPr lang="en-US" sz="1600">
+                <a:solidFill>
+                  <a:srgbClr val="666666"/>
+                </a:solidFill>
+                <a:latin typeface="Courier New"/>
+              </a:rPr>
+              <a:t>output = tradingManager.buyMaxNumberOfShares(input);</a:t>
+            </a:r>
+            <a:endParaRPr/>
+          </a:p>
+          <a:p>
+            <a:pPr>
+              <a:lnSpc>
+                <a:spcPct val="90000"/>
+              </a:lnSpc>
+            </a:pPr>
+            <a:r>
+              <a:rPr lang="en-US" sz="1600">
+                <a:solidFill>
+                  <a:srgbClr val="666666"/>
+                </a:solidFill>
+                <a:latin typeface="Courier New"/>
+              </a:rPr>
+              <a:t>    </a:t>
+            </a:r>
+            <a:r>
+              <a:rPr lang="en-US" sz="1600">
+                <a:solidFill>
+                  <a:srgbClr val="666666"/>
+                </a:solidFill>
+                <a:latin typeface="Courier New"/>
+              </a:rPr>
+              <a:t>} else {</a:t>
+            </a:r>
+            <a:endParaRPr/>
+          </a:p>
+          <a:p>
+            <a:pPr>
+              <a:lnSpc>
+                <a:spcPct val="90000"/>
+              </a:lnSpc>
+            </a:pPr>
+            <a:r>
+              <a:rPr lang="en-US" sz="1600">
+                <a:solidFill>
+                  <a:srgbClr val="666666"/>
+                </a:solidFill>
+                <a:latin typeface="Courier New"/>
+              </a:rPr>
+              <a:t>        </a:t>
+            </a:r>
+            <a:r>
+              <a:rPr lang="en-US" sz="1600">
+                <a:solidFill>
+                  <a:srgbClr val="666666"/>
+                </a:solidFill>
+                <a:latin typeface="Courier New"/>
+              </a:rPr>
+              <a:t>output = tradingManager.sellAllShares(input);</a:t>
+            </a:r>
+            <a:endParaRPr/>
+          </a:p>
+          <a:p>
+            <a:pPr>
+              <a:lnSpc>
+                <a:spcPct val="90000"/>
+              </a:lnSpc>
+            </a:pPr>
+            <a:r>
+              <a:rPr lang="en-US" sz="1600">
+                <a:solidFill>
+                  <a:srgbClr val="666666"/>
+                </a:solidFill>
+                <a:latin typeface="Courier New"/>
+              </a:rPr>
+              <a:t>    </a:t>
+            </a:r>
+            <a:r>
+              <a:rPr lang="en-US" sz="1600">
+                <a:solidFill>
+                  <a:srgbClr val="666666"/>
+                </a:solidFill>
+                <a:latin typeface="Courier New"/>
+              </a:rPr>
+              <a:t>}</a:t>
+            </a:r>
+            <a:endParaRPr/>
+          </a:p>
+          <a:p>
+            <a:pPr>
+              <a:lnSpc>
+                <a:spcPct val="90000"/>
+              </a:lnSpc>
+            </a:pPr>
+            <a:endParaRPr/>
+          </a:p>
+          <a:p>
+            <a:pPr>
+              <a:lnSpc>
+                <a:spcPct val="90000"/>
+              </a:lnSpc>
+            </a:pPr>
+            <a:r>
+              <a:rPr lang="en-US" sz="1600">
+                <a:solidFill>
+                  <a:srgbClr val="666666"/>
+                </a:solidFill>
+                <a:latin typeface="Courier New"/>
+              </a:rPr>
+              <a:t>    </a:t>
+            </a:r>
+            <a:r>
+              <a:rPr lang="en-US" sz="1600">
+                <a:solidFill>
+                  <a:srgbClr val="666666"/>
+                </a:solidFill>
+                <a:latin typeface="Courier New"/>
+              </a:rPr>
+              <a:t>return output;</a:t>
+            </a:r>
+            <a:endParaRPr/>
+          </a:p>
+          <a:p>
+            <a:pPr>
+              <a:lnSpc>
+                <a:spcPct val="90000"/>
+              </a:lnSpc>
+            </a:pPr>
+            <a:r>
+              <a:rPr lang="en-US" sz="1600">
+                <a:solidFill>
+                  <a:srgbClr val="666666"/>
+                </a:solidFill>
+                <a:latin typeface="Courier New"/>
+              </a:rPr>
+              <a:t>}</a:t>
+            </a:r>
+            <a:endParaRPr/>
+          </a:p>
+          <a:p>
+            <a:pPr>
+              <a:lnSpc>
+                <a:spcPct val="90000"/>
+              </a:lnSpc>
+            </a:pPr>
+            <a:endParaRPr/>
+          </a:p>
+          <a:p>
+            <a:pPr>
+              <a:lnSpc>
+                <a:spcPct val="90000"/>
+              </a:lnSpc>
+            </a:pPr>
+            <a:endParaRPr/>
+          </a:p>
+        </p:txBody>
+      </p:sp>
+    </p:spTree>
+  </p:cSld>
+  <p:timing>
+    <p:tnLst>
+      <p:par>
+        <p:cTn dur="indefinite" id="5" nodeType="tmRoot" restart="never">
+          <p:childTnLst>
+            <p:seq>
+              <p:cTn id="6" nodeType="mainSeq">
+                <p:childTnLst/>
+              </p:cTn>
+              <p:prevCondLst>
+                <p:cond delay="0" evt="onPrev">
+                  <p:tgtEl>
+                    <p:sldTgt/>
+                  </p:tgtEl>
+                </p:cond>
+              </p:prevCondLst>
+              <p:nextCondLst>
+                <p:cond delay="0" evt="onNext">
+                  <p:tgtEl>
+                    <p:sldTgt/>
+                  </p:tgtEl>
+                </p:cond>
+              </p:nextCondLst>
+            </p:seq>
+          </p:childTnLst>
+        </p:cTn>
+      </p:par>
+    </p:tnLst>
+  </p:timing>
+</p:sld>
+</file>
+
+<file path=ppt/slides/slide5.xml><?xml version="1.0" encoding="utf-8"?>
+<p:sld xmlns:a="http://schemas.openxmlformats.org/drawingml/2006/main" xmlns:p="http://schemas.openxmlformats.org/presentationml/2006/main" xmlns:r="http://schemas.openxmlformats.org/officeDocument/2006/relationships">
+  <p:cSld>
+    <p:spTree>
+      <p:nvGrpSpPr>
+        <p:cNvPr id="1" name=""/>
+        <p:cNvGrpSpPr/>
+        <p:nvPr/>
+      </p:nvGrpSpPr>
+      <p:grpSpPr>
+        <a:xfrm>
+          <a:off x="0" y="0"/>
+          <a:ext cx="0" cy="0"/>
+          <a:chOff x="0" y="0"/>
+          <a:chExt cx="0" cy="0"/>
+        </a:xfrm>
+      </p:grpSpPr>
+      <p:sp>
+        <p:nvSpPr>
+          <p:cNvPr id="78" name="CustomShape 1"/>
+          <p:cNvSpPr/>
+          <p:nvPr/>
+        </p:nvSpPr>
+        <p:spPr>
+          <a:xfrm>
+            <a:off x="692640" y="402120"/>
+            <a:ext cx="8692920" cy="1460160"/>
           </a:xfrm>
           <a:prstGeom prst="rect">
             <a:avLst/>
@@ -3184,14 +3531,14 @@
       </p:sp>
       <p:sp>
         <p:nvSpPr>
-          <p:cNvPr id="76" name="CustomShape 2"/>
+          <p:cNvPr id="79" name="CustomShape 2"/>
           <p:cNvSpPr/>
           <p:nvPr/>
         </p:nvSpPr>
         <p:spPr>
           <a:xfrm>
-            <a:off x="838080" y="1825560"/>
-            <a:ext cx="10514880" cy="3791880"/>
+            <a:off x="692640" y="2012400"/>
+            <a:ext cx="8692920" cy="4179600"/>
           </a:xfrm>
           <a:prstGeom prst="rect">
             <a:avLst/>
@@ -3217,14 +3564,14 @@
               <a:t>Email your TradingStrategy.java and any associated classes to </a:t>
             </a:r>
             <a:r>
-              <a:rPr lang="en-US" sz="2800" u="sng">
+              <a:rPr lang="en-US" sz="2800">
                 <a:solidFill>
-                  <a:srgbClr val="9f025c"/>
+                  <a:srgbClr val="666666"/>
                 </a:solidFill>
                 <a:latin typeface="Steagal Light"/>
                 <a:hlinkClick r:id="rId1"/>
               </a:rPr>
-              <a:t>jsmith@scottlogic.com</a:t>
+              <a:t>tkelly@scottlogic.com</a:t>
             </a:r>
             <a:endParaRPr/>
           </a:p>
@@ -3233,8 +3580,6 @@
               <a:lnSpc>
                 <a:spcPct val="90000"/>
               </a:lnSpc>
-              <a:buFont typeface="Arial"/>
-              <a:buChar char="•"/>
             </a:pPr>
             <a:r>
               <a:rPr lang="en-US" sz="2800">
@@ -3251,6 +3596,35 @@
       </p:sp>
     </p:spTree>
   </p:cSld>
+  <p:timing>
+    <p:tnLst>
+      <p:par>
+        <p:cTn dur="indefinite" id="7" nodeType="tmRoot" restart="never">
+          <p:childTnLst>
+            <p:seq>
+              <p:cTn id="8" nodeType="mainSeq">
+                <p:childTnLst/>
+              </p:cTn>
+              <p:prevCondLst>
+                <p:cond delay="0" evt="onPrev">
+                  <p:tgtEl>
+                    <p:sldTgt/>
+                  </p:tgtEl>
+                </p:cond>
+              </p:prevCondLst>
+              <p:nextCondLst>
+                <p:cond delay="0" evt="onNext">
+                  <p:tgtEl>
+                    <p:sldTgt/>
+                  </p:tgtEl>
+                </p:cond>
+              </p:nextCondLst>
+            </p:seq>
+          </p:childTnLst>
+        </p:cTn>
+      </p:par>
+    </p:tnLst>
+  </p:timing>
 </p:sld>
 </file>
 

--- a/spec/Hackathon.pptx
+++ b/spec/Hackathon.pptx
@@ -1,24 +1,120 @@
 
 <file path=ppt/presentation.xml><?xml version="1.0" encoding="utf-8"?>
-<p:presentation xmlns:a="http://schemas.openxmlformats.org/drawingml/2006/main" xmlns:p="http://schemas.openxmlformats.org/presentationml/2006/main" xmlns:r="http://schemas.openxmlformats.org/officeDocument/2006/relationships">
+<p:presentation xmlns:a="http://schemas.openxmlformats.org/drawingml/2006/main" xmlns:r="http://schemas.openxmlformats.org/officeDocument/2006/relationships" xmlns:p="http://schemas.openxmlformats.org/presentationml/2006/main">
   <p:sldMasterIdLst>
-    <p:sldMasterId id="2147483648" r:id="rId2"/>
-    <p:sldMasterId id="2147483661" r:id="rId3"/>
+    <p:sldMasterId id="2147483648" r:id="rId1"/>
+    <p:sldMasterId id="2147483661" r:id="rId2"/>
   </p:sldMasterIdLst>
   <p:sldIdLst>
-    <p:sldId id="256" r:id="rId4"/>
-    <p:sldId id="257" r:id="rId5"/>
-    <p:sldId id="258" r:id="rId6"/>
-    <p:sldId id="259" r:id="rId7"/>
+    <p:sldId id="256" r:id="rId3"/>
+    <p:sldId id="257" r:id="rId4"/>
+    <p:sldId id="258" r:id="rId5"/>
+    <p:sldId id="259" r:id="rId6"/>
+    <p:sldId id="261" r:id="rId7"/>
     <p:sldId id="260" r:id="rId8"/>
   </p:sldIdLst>
   <p:sldSz cx="10080625" cy="7559675"/>
-  <p:notesSz cx="7559675" cy="10691812"/>
+  <p:notesSz cx="7559675" cy="10691813"/>
+  <p:defaultTextStyle>
+    <a:defPPr>
+      <a:defRPr lang="en-US"/>
+    </a:defPPr>
+    <a:lvl1pPr marL="0" algn="l" defTabSz="914400" rtl="0" eaLnBrk="1" latinLnBrk="0" hangingPunct="1">
+      <a:defRPr sz="1800" kern="1200">
+        <a:solidFill>
+          <a:schemeClr val="tx1"/>
+        </a:solidFill>
+        <a:latin typeface="+mn-lt"/>
+        <a:ea typeface="+mn-ea"/>
+        <a:cs typeface="+mn-cs"/>
+      </a:defRPr>
+    </a:lvl1pPr>
+    <a:lvl2pPr marL="457200" algn="l" defTabSz="914400" rtl="0" eaLnBrk="1" latinLnBrk="0" hangingPunct="1">
+      <a:defRPr sz="1800" kern="1200">
+        <a:solidFill>
+          <a:schemeClr val="tx1"/>
+        </a:solidFill>
+        <a:latin typeface="+mn-lt"/>
+        <a:ea typeface="+mn-ea"/>
+        <a:cs typeface="+mn-cs"/>
+      </a:defRPr>
+    </a:lvl2pPr>
+    <a:lvl3pPr marL="914400" algn="l" defTabSz="914400" rtl="0" eaLnBrk="1" latinLnBrk="0" hangingPunct="1">
+      <a:defRPr sz="1800" kern="1200">
+        <a:solidFill>
+          <a:schemeClr val="tx1"/>
+        </a:solidFill>
+        <a:latin typeface="+mn-lt"/>
+        <a:ea typeface="+mn-ea"/>
+        <a:cs typeface="+mn-cs"/>
+      </a:defRPr>
+    </a:lvl3pPr>
+    <a:lvl4pPr marL="1371600" algn="l" defTabSz="914400" rtl="0" eaLnBrk="1" latinLnBrk="0" hangingPunct="1">
+      <a:defRPr sz="1800" kern="1200">
+        <a:solidFill>
+          <a:schemeClr val="tx1"/>
+        </a:solidFill>
+        <a:latin typeface="+mn-lt"/>
+        <a:ea typeface="+mn-ea"/>
+        <a:cs typeface="+mn-cs"/>
+      </a:defRPr>
+    </a:lvl4pPr>
+    <a:lvl5pPr marL="1828800" algn="l" defTabSz="914400" rtl="0" eaLnBrk="1" latinLnBrk="0" hangingPunct="1">
+      <a:defRPr sz="1800" kern="1200">
+        <a:solidFill>
+          <a:schemeClr val="tx1"/>
+        </a:solidFill>
+        <a:latin typeface="+mn-lt"/>
+        <a:ea typeface="+mn-ea"/>
+        <a:cs typeface="+mn-cs"/>
+      </a:defRPr>
+    </a:lvl5pPr>
+    <a:lvl6pPr marL="2286000" algn="l" defTabSz="914400" rtl="0" eaLnBrk="1" latinLnBrk="0" hangingPunct="1">
+      <a:defRPr sz="1800" kern="1200">
+        <a:solidFill>
+          <a:schemeClr val="tx1"/>
+        </a:solidFill>
+        <a:latin typeface="+mn-lt"/>
+        <a:ea typeface="+mn-ea"/>
+        <a:cs typeface="+mn-cs"/>
+      </a:defRPr>
+    </a:lvl6pPr>
+    <a:lvl7pPr marL="2743200" algn="l" defTabSz="914400" rtl="0" eaLnBrk="1" latinLnBrk="0" hangingPunct="1">
+      <a:defRPr sz="1800" kern="1200">
+        <a:solidFill>
+          <a:schemeClr val="tx1"/>
+        </a:solidFill>
+        <a:latin typeface="+mn-lt"/>
+        <a:ea typeface="+mn-ea"/>
+        <a:cs typeface="+mn-cs"/>
+      </a:defRPr>
+    </a:lvl7pPr>
+    <a:lvl8pPr marL="3200400" algn="l" defTabSz="914400" rtl="0" eaLnBrk="1" latinLnBrk="0" hangingPunct="1">
+      <a:defRPr sz="1800" kern="1200">
+        <a:solidFill>
+          <a:schemeClr val="tx1"/>
+        </a:solidFill>
+        <a:latin typeface="+mn-lt"/>
+        <a:ea typeface="+mn-ea"/>
+        <a:cs typeface="+mn-cs"/>
+      </a:defRPr>
+    </a:lvl8pPr>
+    <a:lvl9pPr marL="3657600" algn="l" defTabSz="914400" rtl="0" eaLnBrk="1" latinLnBrk="0" hangingPunct="1">
+      <a:defRPr sz="1800" kern="1200">
+        <a:solidFill>
+          <a:schemeClr val="tx1"/>
+        </a:solidFill>
+        <a:latin typeface="+mn-lt"/>
+        <a:ea typeface="+mn-ea"/>
+        <a:cs typeface="+mn-cs"/>
+      </a:defRPr>
+    </a:lvl9pPr>
+  </p:defaultTextStyle>
 </p:presentation>
 </file>
 
 <file path=ppt/slideLayouts/slideLayout1.xml><?xml version="1.0" encoding="utf-8"?>
-<p:sldLayout xmlns:a="http://schemas.openxmlformats.org/drawingml/2006/main" xmlns:p="http://schemas.openxmlformats.org/presentationml/2006/main" xmlns:r="http://schemas.openxmlformats.org/officeDocument/2006/relationships" preserve="1" type="blank">
+<p:sldLayout xmlns:a="http://schemas.openxmlformats.org/drawingml/2006/main" xmlns:r="http://schemas.openxmlformats.org/officeDocument/2006/relationships" xmlns:p="http://schemas.openxmlformats.org/presentationml/2006/main" type="blank" preserve="1">
   <p:cSld name="Blank Slide">
     <p:spTree>
       <p:nvGrpSpPr>
@@ -36,11 +132,14 @@
       </p:grpSpPr>
     </p:spTree>
   </p:cSld>
+  <p:clrMapOvr>
+    <a:masterClrMapping/>
+  </p:clrMapOvr>
 </p:sldLayout>
 </file>
 
 <file path=ppt/slideLayouts/slideLayout10.xml><?xml version="1.0" encoding="utf-8"?>
-<p:sldLayout xmlns:a="http://schemas.openxmlformats.org/drawingml/2006/main" xmlns:p="http://schemas.openxmlformats.org/presentationml/2006/main" xmlns:r="http://schemas.openxmlformats.org/officeDocument/2006/relationships" preserve="1" type="objOverTx">
+<p:sldLayout xmlns:a="http://schemas.openxmlformats.org/drawingml/2006/main" xmlns:r="http://schemas.openxmlformats.org/officeDocument/2006/relationships" xmlns:p="http://schemas.openxmlformats.org/presentationml/2006/main" type="objOverTx" preserve="1">
   <p:cSld name="Title, Content over Content">
     <p:spTree>
       <p:nvGrpSpPr>
@@ -76,7 +175,8 @@
           </a:prstGeom>
         </p:spPr>
         <p:txBody>
-          <a:bodyPr anchor="ctr" bIns="0" lIns="0" rIns="0" tIns="0" wrap="none"/>
+          <a:bodyPr wrap="none" lIns="0" tIns="0" rIns="0" bIns="0" anchor="ctr"/>
+          <a:lstStyle/>
           <a:p>
             <a:pPr algn="ctr"/>
             <a:endParaRPr/>
@@ -103,7 +203,8 @@
           </a:prstGeom>
         </p:spPr>
         <p:txBody>
-          <a:bodyPr bIns="0" lIns="0" rIns="0" tIns="0" wrap="none"/>
+          <a:bodyPr wrap="none" lIns="0" tIns="0" rIns="0" bIns="0"/>
+          <a:lstStyle/>
           <a:p>
             <a:endParaRPr/>
           </a:p>
@@ -129,7 +230,8 @@
           </a:prstGeom>
         </p:spPr>
         <p:txBody>
-          <a:bodyPr bIns="0" lIns="0" rIns="0" tIns="0" wrap="none"/>
+          <a:bodyPr wrap="none" lIns="0" tIns="0" rIns="0" bIns="0"/>
+          <a:lstStyle/>
           <a:p>
             <a:endParaRPr/>
           </a:p>
@@ -137,11 +239,14 @@
       </p:sp>
     </p:spTree>
   </p:cSld>
+  <p:clrMapOvr>
+    <a:masterClrMapping/>
+  </p:clrMapOvr>
 </p:sldLayout>
 </file>
 
 <file path=ppt/slideLayouts/slideLayout11.xml><?xml version="1.0" encoding="utf-8"?>
-<p:sldLayout xmlns:a="http://schemas.openxmlformats.org/drawingml/2006/main" xmlns:p="http://schemas.openxmlformats.org/presentationml/2006/main" xmlns:r="http://schemas.openxmlformats.org/officeDocument/2006/relationships" preserve="1" type="fourObj">
+<p:sldLayout xmlns:a="http://schemas.openxmlformats.org/drawingml/2006/main" xmlns:r="http://schemas.openxmlformats.org/officeDocument/2006/relationships" xmlns:p="http://schemas.openxmlformats.org/presentationml/2006/main" type="fourObj" preserve="1">
   <p:cSld name="Title, 4 Content">
     <p:spTree>
       <p:nvGrpSpPr>
@@ -177,7 +282,8 @@
           </a:prstGeom>
         </p:spPr>
         <p:txBody>
-          <a:bodyPr anchor="ctr" bIns="0" lIns="0" rIns="0" tIns="0" wrap="none"/>
+          <a:bodyPr wrap="none" lIns="0" tIns="0" rIns="0" bIns="0" anchor="ctr"/>
+          <a:lstStyle/>
           <a:p>
             <a:pPr algn="ctr"/>
             <a:endParaRPr/>
@@ -204,7 +310,8 @@
           </a:prstGeom>
         </p:spPr>
         <p:txBody>
-          <a:bodyPr bIns="0" lIns="0" rIns="0" tIns="0" wrap="none"/>
+          <a:bodyPr wrap="none" lIns="0" tIns="0" rIns="0" bIns="0"/>
+          <a:lstStyle/>
           <a:p>
             <a:endParaRPr/>
           </a:p>
@@ -230,7 +337,8 @@
           </a:prstGeom>
         </p:spPr>
         <p:txBody>
-          <a:bodyPr bIns="0" lIns="0" rIns="0" tIns="0" wrap="none"/>
+          <a:bodyPr wrap="none" lIns="0" tIns="0" rIns="0" bIns="0"/>
+          <a:lstStyle/>
           <a:p>
             <a:endParaRPr/>
           </a:p>
@@ -256,7 +364,8 @@
           </a:prstGeom>
         </p:spPr>
         <p:txBody>
-          <a:bodyPr bIns="0" lIns="0" rIns="0" tIns="0" wrap="none"/>
+          <a:bodyPr wrap="none" lIns="0" tIns="0" rIns="0" bIns="0"/>
+          <a:lstStyle/>
           <a:p>
             <a:endParaRPr/>
           </a:p>
@@ -282,7 +391,8 @@
           </a:prstGeom>
         </p:spPr>
         <p:txBody>
-          <a:bodyPr bIns="0" lIns="0" rIns="0" tIns="0" wrap="none"/>
+          <a:bodyPr wrap="none" lIns="0" tIns="0" rIns="0" bIns="0"/>
+          <a:lstStyle/>
           <a:p>
             <a:endParaRPr/>
           </a:p>
@@ -290,11 +400,14 @@
       </p:sp>
     </p:spTree>
   </p:cSld>
+  <p:clrMapOvr>
+    <a:masterClrMapping/>
+  </p:clrMapOvr>
 </p:sldLayout>
 </file>
 
 <file path=ppt/slideLayouts/slideLayout12.xml><?xml version="1.0" encoding="utf-8"?>
-<p:sldLayout xmlns:a="http://schemas.openxmlformats.org/drawingml/2006/main" xmlns:p="http://schemas.openxmlformats.org/presentationml/2006/main" xmlns:r="http://schemas.openxmlformats.org/officeDocument/2006/relationships" preserve="1" type="blank">
+<p:sldLayout xmlns:a="http://schemas.openxmlformats.org/drawingml/2006/main" xmlns:r="http://schemas.openxmlformats.org/officeDocument/2006/relationships" xmlns:p="http://schemas.openxmlformats.org/presentationml/2006/main" type="blank" preserve="1">
   <p:cSld name="Title, 6 Content">
     <p:spTree>
       <p:nvGrpSpPr>
@@ -330,7 +443,8 @@
           </a:prstGeom>
         </p:spPr>
         <p:txBody>
-          <a:bodyPr anchor="ctr" bIns="0" lIns="0" rIns="0" tIns="0" wrap="none"/>
+          <a:bodyPr wrap="none" lIns="0" tIns="0" rIns="0" bIns="0" anchor="ctr"/>
+          <a:lstStyle/>
           <a:p>
             <a:pPr algn="ctr"/>
             <a:endParaRPr/>
@@ -357,7 +471,8 @@
           </a:prstGeom>
         </p:spPr>
         <p:txBody>
-          <a:bodyPr bIns="0" lIns="0" rIns="0" tIns="0" wrap="none"/>
+          <a:bodyPr wrap="none" lIns="0" tIns="0" rIns="0" bIns="0"/>
+          <a:lstStyle/>
           <a:p>
             <a:endParaRPr/>
           </a:p>
@@ -383,7 +498,8 @@
           </a:prstGeom>
         </p:spPr>
         <p:txBody>
-          <a:bodyPr bIns="0" lIns="0" rIns="0" tIns="0" wrap="none"/>
+          <a:bodyPr wrap="none" lIns="0" tIns="0" rIns="0" bIns="0"/>
+          <a:lstStyle/>
           <a:p>
             <a:endParaRPr/>
           </a:p>
@@ -391,11 +507,14 @@
       </p:sp>
     </p:spTree>
   </p:cSld>
+  <p:clrMapOvr>
+    <a:masterClrMapping/>
+  </p:clrMapOvr>
 </p:sldLayout>
 </file>
 
 <file path=ppt/slideLayouts/slideLayout13.xml><?xml version="1.0" encoding="utf-8"?>
-<p:sldLayout xmlns:a="http://schemas.openxmlformats.org/drawingml/2006/main" xmlns:p="http://schemas.openxmlformats.org/presentationml/2006/main" xmlns:r="http://schemas.openxmlformats.org/officeDocument/2006/relationships" preserve="1" type="blank">
+<p:sldLayout xmlns:a="http://schemas.openxmlformats.org/drawingml/2006/main" xmlns:r="http://schemas.openxmlformats.org/officeDocument/2006/relationships" xmlns:p="http://schemas.openxmlformats.org/presentationml/2006/main" type="blank" preserve="1">
   <p:cSld name="Blank Slide">
     <p:spTree>
       <p:nvGrpSpPr>
@@ -413,11 +532,14 @@
       </p:grpSpPr>
     </p:spTree>
   </p:cSld>
+  <p:clrMapOvr>
+    <a:masterClrMapping/>
+  </p:clrMapOvr>
 </p:sldLayout>
 </file>
 
 <file path=ppt/slideLayouts/slideLayout14.xml><?xml version="1.0" encoding="utf-8"?>
-<p:sldLayout xmlns:a="http://schemas.openxmlformats.org/drawingml/2006/main" xmlns:p="http://schemas.openxmlformats.org/presentationml/2006/main" xmlns:r="http://schemas.openxmlformats.org/officeDocument/2006/relationships" preserve="1" type="tx">
+<p:sldLayout xmlns:a="http://schemas.openxmlformats.org/drawingml/2006/main" xmlns:r="http://schemas.openxmlformats.org/officeDocument/2006/relationships" xmlns:p="http://schemas.openxmlformats.org/presentationml/2006/main" type="tx" preserve="1">
   <p:cSld name="Title Slide">
     <p:spTree>
       <p:nvGrpSpPr>
@@ -453,7 +575,8 @@
           </a:prstGeom>
         </p:spPr>
         <p:txBody>
-          <a:bodyPr anchor="ctr" bIns="0" lIns="0" rIns="0" tIns="0" wrap="none"/>
+          <a:bodyPr wrap="none" lIns="0" tIns="0" rIns="0" bIns="0" anchor="ctr"/>
+          <a:lstStyle/>
           <a:p>
             <a:pPr algn="ctr"/>
             <a:endParaRPr/>
@@ -480,7 +603,8 @@
           </a:prstGeom>
         </p:spPr>
         <p:txBody>
-          <a:bodyPr anchor="ctr" bIns="0" lIns="0" rIns="0" tIns="0" wrap="none"/>
+          <a:bodyPr wrap="none" lIns="0" tIns="0" rIns="0" bIns="0" anchor="ctr"/>
+          <a:lstStyle/>
           <a:p>
             <a:pPr algn="ctr"/>
             <a:endParaRPr/>
@@ -489,11 +613,14 @@
       </p:sp>
     </p:spTree>
   </p:cSld>
+  <p:clrMapOvr>
+    <a:masterClrMapping/>
+  </p:clrMapOvr>
 </p:sldLayout>
 </file>
 
 <file path=ppt/slideLayouts/slideLayout15.xml><?xml version="1.0" encoding="utf-8"?>
-<p:sldLayout xmlns:a="http://schemas.openxmlformats.org/drawingml/2006/main" xmlns:p="http://schemas.openxmlformats.org/presentationml/2006/main" xmlns:r="http://schemas.openxmlformats.org/officeDocument/2006/relationships" preserve="1" type="obj">
+<p:sldLayout xmlns:a="http://schemas.openxmlformats.org/drawingml/2006/main" xmlns:r="http://schemas.openxmlformats.org/officeDocument/2006/relationships" xmlns:p="http://schemas.openxmlformats.org/presentationml/2006/main" type="obj" preserve="1">
   <p:cSld name="Title, Content">
     <p:spTree>
       <p:nvGrpSpPr>
@@ -529,7 +656,8 @@
           </a:prstGeom>
         </p:spPr>
         <p:txBody>
-          <a:bodyPr anchor="ctr" bIns="0" lIns="0" rIns="0" tIns="0" wrap="none"/>
+          <a:bodyPr wrap="none" lIns="0" tIns="0" rIns="0" bIns="0" anchor="ctr"/>
+          <a:lstStyle/>
           <a:p>
             <a:pPr algn="ctr"/>
             <a:endParaRPr/>
@@ -556,7 +684,8 @@
           </a:prstGeom>
         </p:spPr>
         <p:txBody>
-          <a:bodyPr bIns="0" lIns="0" rIns="0" tIns="0" wrap="none"/>
+          <a:bodyPr wrap="none" lIns="0" tIns="0" rIns="0" bIns="0"/>
+          <a:lstStyle/>
           <a:p>
             <a:endParaRPr/>
           </a:p>
@@ -564,11 +693,14 @@
       </p:sp>
     </p:spTree>
   </p:cSld>
+  <p:clrMapOvr>
+    <a:masterClrMapping/>
+  </p:clrMapOvr>
 </p:sldLayout>
 </file>
 
 <file path=ppt/slideLayouts/slideLayout16.xml><?xml version="1.0" encoding="utf-8"?>
-<p:sldLayout xmlns:a="http://schemas.openxmlformats.org/drawingml/2006/main" xmlns:p="http://schemas.openxmlformats.org/presentationml/2006/main" xmlns:r="http://schemas.openxmlformats.org/officeDocument/2006/relationships" preserve="1" type="twoObj">
+<p:sldLayout xmlns:a="http://schemas.openxmlformats.org/drawingml/2006/main" xmlns:r="http://schemas.openxmlformats.org/officeDocument/2006/relationships" xmlns:p="http://schemas.openxmlformats.org/presentationml/2006/main" type="twoObj" preserve="1">
   <p:cSld name="Title, 2 Content">
     <p:spTree>
       <p:nvGrpSpPr>
@@ -604,7 +736,8 @@
           </a:prstGeom>
         </p:spPr>
         <p:txBody>
-          <a:bodyPr anchor="ctr" bIns="0" lIns="0" rIns="0" tIns="0" wrap="none"/>
+          <a:bodyPr wrap="none" lIns="0" tIns="0" rIns="0" bIns="0" anchor="ctr"/>
+          <a:lstStyle/>
           <a:p>
             <a:pPr algn="ctr"/>
             <a:endParaRPr/>
@@ -631,7 +764,8 @@
           </a:prstGeom>
         </p:spPr>
         <p:txBody>
-          <a:bodyPr bIns="0" lIns="0" rIns="0" tIns="0" wrap="none"/>
+          <a:bodyPr wrap="none" lIns="0" tIns="0" rIns="0" bIns="0"/>
+          <a:lstStyle/>
           <a:p>
             <a:endParaRPr/>
           </a:p>
@@ -657,7 +791,8 @@
           </a:prstGeom>
         </p:spPr>
         <p:txBody>
-          <a:bodyPr bIns="0" lIns="0" rIns="0" tIns="0" wrap="none"/>
+          <a:bodyPr wrap="none" lIns="0" tIns="0" rIns="0" bIns="0"/>
+          <a:lstStyle/>
           <a:p>
             <a:endParaRPr/>
           </a:p>
@@ -665,11 +800,14 @@
       </p:sp>
     </p:spTree>
   </p:cSld>
+  <p:clrMapOvr>
+    <a:masterClrMapping/>
+  </p:clrMapOvr>
 </p:sldLayout>
 </file>
 
 <file path=ppt/slideLayouts/slideLayout17.xml><?xml version="1.0" encoding="utf-8"?>
-<p:sldLayout xmlns:a="http://schemas.openxmlformats.org/drawingml/2006/main" xmlns:p="http://schemas.openxmlformats.org/presentationml/2006/main" xmlns:r="http://schemas.openxmlformats.org/officeDocument/2006/relationships" preserve="1" type="titleOnly">
+<p:sldLayout xmlns:a="http://schemas.openxmlformats.org/drawingml/2006/main" xmlns:r="http://schemas.openxmlformats.org/officeDocument/2006/relationships" xmlns:p="http://schemas.openxmlformats.org/presentationml/2006/main" type="titleOnly" preserve="1">
   <p:cSld name="Title Only">
     <p:spTree>
       <p:nvGrpSpPr>
@@ -705,7 +843,8 @@
           </a:prstGeom>
         </p:spPr>
         <p:txBody>
-          <a:bodyPr anchor="ctr" bIns="0" lIns="0" rIns="0" tIns="0" wrap="none"/>
+          <a:bodyPr wrap="none" lIns="0" tIns="0" rIns="0" bIns="0" anchor="ctr"/>
+          <a:lstStyle/>
           <a:p>
             <a:pPr algn="ctr"/>
             <a:endParaRPr/>
@@ -714,11 +853,14 @@
       </p:sp>
     </p:spTree>
   </p:cSld>
+  <p:clrMapOvr>
+    <a:masterClrMapping/>
+  </p:clrMapOvr>
 </p:sldLayout>
 </file>
 
 <file path=ppt/slideLayouts/slideLayout18.xml><?xml version="1.0" encoding="utf-8"?>
-<p:sldLayout xmlns:a="http://schemas.openxmlformats.org/drawingml/2006/main" xmlns:p="http://schemas.openxmlformats.org/presentationml/2006/main" xmlns:r="http://schemas.openxmlformats.org/officeDocument/2006/relationships" preserve="1" type="objOnly">
+<p:sldLayout xmlns:a="http://schemas.openxmlformats.org/drawingml/2006/main" xmlns:r="http://schemas.openxmlformats.org/officeDocument/2006/relationships" xmlns:p="http://schemas.openxmlformats.org/presentationml/2006/main" type="objOnly" preserve="1">
   <p:cSld name="Centered Text">
     <p:spTree>
       <p:nvGrpSpPr>
@@ -754,7 +896,8 @@
           </a:prstGeom>
         </p:spPr>
         <p:txBody>
-          <a:bodyPr anchor="ctr" bIns="0" lIns="0" rIns="0" tIns="0" wrap="none"/>
+          <a:bodyPr wrap="none" lIns="0" tIns="0" rIns="0" bIns="0" anchor="ctr"/>
+          <a:lstStyle/>
           <a:p>
             <a:pPr algn="ctr"/>
             <a:endParaRPr/>
@@ -763,11 +906,14 @@
       </p:sp>
     </p:spTree>
   </p:cSld>
+  <p:clrMapOvr>
+    <a:masterClrMapping/>
+  </p:clrMapOvr>
 </p:sldLayout>
 </file>
 
 <file path=ppt/slideLayouts/slideLayout19.xml><?xml version="1.0" encoding="utf-8"?>
-<p:sldLayout xmlns:a="http://schemas.openxmlformats.org/drawingml/2006/main" xmlns:p="http://schemas.openxmlformats.org/presentationml/2006/main" xmlns:r="http://schemas.openxmlformats.org/officeDocument/2006/relationships" preserve="1" type="twoObjAndObj">
+<p:sldLayout xmlns:a="http://schemas.openxmlformats.org/drawingml/2006/main" xmlns:r="http://schemas.openxmlformats.org/officeDocument/2006/relationships" xmlns:p="http://schemas.openxmlformats.org/presentationml/2006/main" type="twoObjAndObj" preserve="1">
   <p:cSld name="Title, 2 Content and Content">
     <p:spTree>
       <p:nvGrpSpPr>
@@ -803,7 +949,8 @@
           </a:prstGeom>
         </p:spPr>
         <p:txBody>
-          <a:bodyPr anchor="ctr" bIns="0" lIns="0" rIns="0" tIns="0" wrap="none"/>
+          <a:bodyPr wrap="none" lIns="0" tIns="0" rIns="0" bIns="0" anchor="ctr"/>
+          <a:lstStyle/>
           <a:p>
             <a:pPr algn="ctr"/>
             <a:endParaRPr/>
@@ -830,7 +977,8 @@
           </a:prstGeom>
         </p:spPr>
         <p:txBody>
-          <a:bodyPr bIns="0" lIns="0" rIns="0" tIns="0" wrap="none"/>
+          <a:bodyPr wrap="none" lIns="0" tIns="0" rIns="0" bIns="0"/>
+          <a:lstStyle/>
           <a:p>
             <a:endParaRPr/>
           </a:p>
@@ -856,7 +1004,8 @@
           </a:prstGeom>
         </p:spPr>
         <p:txBody>
-          <a:bodyPr bIns="0" lIns="0" rIns="0" tIns="0" wrap="none"/>
+          <a:bodyPr wrap="none" lIns="0" tIns="0" rIns="0" bIns="0"/>
+          <a:lstStyle/>
           <a:p>
             <a:endParaRPr/>
           </a:p>
@@ -882,7 +1031,8 @@
           </a:prstGeom>
         </p:spPr>
         <p:txBody>
-          <a:bodyPr bIns="0" lIns="0" rIns="0" tIns="0" wrap="none"/>
+          <a:bodyPr wrap="none" lIns="0" tIns="0" rIns="0" bIns="0"/>
+          <a:lstStyle/>
           <a:p>
             <a:endParaRPr/>
           </a:p>
@@ -890,11 +1040,14 @@
       </p:sp>
     </p:spTree>
   </p:cSld>
+  <p:clrMapOvr>
+    <a:masterClrMapping/>
+  </p:clrMapOvr>
 </p:sldLayout>
 </file>
 
 <file path=ppt/slideLayouts/slideLayout2.xml><?xml version="1.0" encoding="utf-8"?>
-<p:sldLayout xmlns:a="http://schemas.openxmlformats.org/drawingml/2006/main" xmlns:p="http://schemas.openxmlformats.org/presentationml/2006/main" xmlns:r="http://schemas.openxmlformats.org/officeDocument/2006/relationships" preserve="1" type="tx">
+<p:sldLayout xmlns:a="http://schemas.openxmlformats.org/drawingml/2006/main" xmlns:r="http://schemas.openxmlformats.org/officeDocument/2006/relationships" xmlns:p="http://schemas.openxmlformats.org/presentationml/2006/main" type="tx" preserve="1">
   <p:cSld name="Title Slide">
     <p:spTree>
       <p:nvGrpSpPr>
@@ -930,7 +1083,8 @@
           </a:prstGeom>
         </p:spPr>
         <p:txBody>
-          <a:bodyPr anchor="ctr" bIns="0" lIns="0" rIns="0" tIns="0" wrap="none"/>
+          <a:bodyPr wrap="none" lIns="0" tIns="0" rIns="0" bIns="0" anchor="ctr"/>
+          <a:lstStyle/>
           <a:p>
             <a:pPr algn="ctr"/>
             <a:endParaRPr/>
@@ -957,7 +1111,8 @@
           </a:prstGeom>
         </p:spPr>
         <p:txBody>
-          <a:bodyPr anchor="ctr" bIns="0" lIns="0" rIns="0" tIns="0" wrap="none"/>
+          <a:bodyPr wrap="none" lIns="0" tIns="0" rIns="0" bIns="0" anchor="ctr"/>
+          <a:lstStyle/>
           <a:p>
             <a:pPr algn="ctr"/>
             <a:endParaRPr/>
@@ -966,11 +1121,14 @@
       </p:sp>
     </p:spTree>
   </p:cSld>
+  <p:clrMapOvr>
+    <a:masterClrMapping/>
+  </p:clrMapOvr>
 </p:sldLayout>
 </file>
 
 <file path=ppt/slideLayouts/slideLayout20.xml><?xml version="1.0" encoding="utf-8"?>
-<p:sldLayout xmlns:a="http://schemas.openxmlformats.org/drawingml/2006/main" xmlns:p="http://schemas.openxmlformats.org/presentationml/2006/main" xmlns:r="http://schemas.openxmlformats.org/officeDocument/2006/relationships" preserve="1" type="objAndTwoObj">
+<p:sldLayout xmlns:a="http://schemas.openxmlformats.org/drawingml/2006/main" xmlns:r="http://schemas.openxmlformats.org/officeDocument/2006/relationships" xmlns:p="http://schemas.openxmlformats.org/presentationml/2006/main" type="objAndTwoObj" preserve="1">
   <p:cSld name="Title Content and 2 Content">
     <p:spTree>
       <p:nvGrpSpPr>
@@ -1006,7 +1164,8 @@
           </a:prstGeom>
         </p:spPr>
         <p:txBody>
-          <a:bodyPr anchor="ctr" bIns="0" lIns="0" rIns="0" tIns="0" wrap="none"/>
+          <a:bodyPr wrap="none" lIns="0" tIns="0" rIns="0" bIns="0" anchor="ctr"/>
+          <a:lstStyle/>
           <a:p>
             <a:pPr algn="ctr"/>
             <a:endParaRPr/>
@@ -1033,7 +1192,8 @@
           </a:prstGeom>
         </p:spPr>
         <p:txBody>
-          <a:bodyPr bIns="0" lIns="0" rIns="0" tIns="0" wrap="none"/>
+          <a:bodyPr wrap="none" lIns="0" tIns="0" rIns="0" bIns="0"/>
+          <a:lstStyle/>
           <a:p>
             <a:endParaRPr/>
           </a:p>
@@ -1059,7 +1219,8 @@
           </a:prstGeom>
         </p:spPr>
         <p:txBody>
-          <a:bodyPr bIns="0" lIns="0" rIns="0" tIns="0" wrap="none"/>
+          <a:bodyPr wrap="none" lIns="0" tIns="0" rIns="0" bIns="0"/>
+          <a:lstStyle/>
           <a:p>
             <a:endParaRPr/>
           </a:p>
@@ -1085,7 +1246,8 @@
           </a:prstGeom>
         </p:spPr>
         <p:txBody>
-          <a:bodyPr bIns="0" lIns="0" rIns="0" tIns="0" wrap="none"/>
+          <a:bodyPr wrap="none" lIns="0" tIns="0" rIns="0" bIns="0"/>
+          <a:lstStyle/>
           <a:p>
             <a:endParaRPr/>
           </a:p>
@@ -1093,11 +1255,14 @@
       </p:sp>
     </p:spTree>
   </p:cSld>
+  <p:clrMapOvr>
+    <a:masterClrMapping/>
+  </p:clrMapOvr>
 </p:sldLayout>
 </file>
 
 <file path=ppt/slideLayouts/slideLayout21.xml><?xml version="1.0" encoding="utf-8"?>
-<p:sldLayout xmlns:a="http://schemas.openxmlformats.org/drawingml/2006/main" xmlns:p="http://schemas.openxmlformats.org/presentationml/2006/main" xmlns:r="http://schemas.openxmlformats.org/officeDocument/2006/relationships" preserve="1" type="twoObjOverTx">
+<p:sldLayout xmlns:a="http://schemas.openxmlformats.org/drawingml/2006/main" xmlns:r="http://schemas.openxmlformats.org/officeDocument/2006/relationships" xmlns:p="http://schemas.openxmlformats.org/presentationml/2006/main" type="twoObjOverTx" preserve="1">
   <p:cSld name="Title, 2 Content over Content">
     <p:spTree>
       <p:nvGrpSpPr>
@@ -1133,7 +1298,8 @@
           </a:prstGeom>
         </p:spPr>
         <p:txBody>
-          <a:bodyPr anchor="ctr" bIns="0" lIns="0" rIns="0" tIns="0" wrap="none"/>
+          <a:bodyPr wrap="none" lIns="0" tIns="0" rIns="0" bIns="0" anchor="ctr"/>
+          <a:lstStyle/>
           <a:p>
             <a:pPr algn="ctr"/>
             <a:endParaRPr/>
@@ -1160,7 +1326,8 @@
           </a:prstGeom>
         </p:spPr>
         <p:txBody>
-          <a:bodyPr bIns="0" lIns="0" rIns="0" tIns="0" wrap="none"/>
+          <a:bodyPr wrap="none" lIns="0" tIns="0" rIns="0" bIns="0"/>
+          <a:lstStyle/>
           <a:p>
             <a:endParaRPr/>
           </a:p>
@@ -1186,7 +1353,8 @@
           </a:prstGeom>
         </p:spPr>
         <p:txBody>
-          <a:bodyPr bIns="0" lIns="0" rIns="0" tIns="0" wrap="none"/>
+          <a:bodyPr wrap="none" lIns="0" tIns="0" rIns="0" bIns="0"/>
+          <a:lstStyle/>
           <a:p>
             <a:endParaRPr/>
           </a:p>
@@ -1212,7 +1380,8 @@
           </a:prstGeom>
         </p:spPr>
         <p:txBody>
-          <a:bodyPr bIns="0" lIns="0" rIns="0" tIns="0" wrap="none"/>
+          <a:bodyPr wrap="none" lIns="0" tIns="0" rIns="0" bIns="0"/>
+          <a:lstStyle/>
           <a:p>
             <a:endParaRPr/>
           </a:p>
@@ -1220,11 +1389,14 @@
       </p:sp>
     </p:spTree>
   </p:cSld>
+  <p:clrMapOvr>
+    <a:masterClrMapping/>
+  </p:clrMapOvr>
 </p:sldLayout>
 </file>
 
 <file path=ppt/slideLayouts/slideLayout22.xml><?xml version="1.0" encoding="utf-8"?>
-<p:sldLayout xmlns:a="http://schemas.openxmlformats.org/drawingml/2006/main" xmlns:p="http://schemas.openxmlformats.org/presentationml/2006/main" xmlns:r="http://schemas.openxmlformats.org/officeDocument/2006/relationships" preserve="1" type="objOverTx">
+<p:sldLayout xmlns:a="http://schemas.openxmlformats.org/drawingml/2006/main" xmlns:r="http://schemas.openxmlformats.org/officeDocument/2006/relationships" xmlns:p="http://schemas.openxmlformats.org/presentationml/2006/main" type="objOverTx" preserve="1">
   <p:cSld name="Title, Content over Content">
     <p:spTree>
       <p:nvGrpSpPr>
@@ -1260,7 +1432,8 @@
           </a:prstGeom>
         </p:spPr>
         <p:txBody>
-          <a:bodyPr anchor="ctr" bIns="0" lIns="0" rIns="0" tIns="0" wrap="none"/>
+          <a:bodyPr wrap="none" lIns="0" tIns="0" rIns="0" bIns="0" anchor="ctr"/>
+          <a:lstStyle/>
           <a:p>
             <a:pPr algn="ctr"/>
             <a:endParaRPr/>
@@ -1287,7 +1460,8 @@
           </a:prstGeom>
         </p:spPr>
         <p:txBody>
-          <a:bodyPr bIns="0" lIns="0" rIns="0" tIns="0" wrap="none"/>
+          <a:bodyPr wrap="none" lIns="0" tIns="0" rIns="0" bIns="0"/>
+          <a:lstStyle/>
           <a:p>
             <a:endParaRPr/>
           </a:p>
@@ -1313,7 +1487,8 @@
           </a:prstGeom>
         </p:spPr>
         <p:txBody>
-          <a:bodyPr bIns="0" lIns="0" rIns="0" tIns="0" wrap="none"/>
+          <a:bodyPr wrap="none" lIns="0" tIns="0" rIns="0" bIns="0"/>
+          <a:lstStyle/>
           <a:p>
             <a:endParaRPr/>
           </a:p>
@@ -1321,11 +1496,14 @@
       </p:sp>
     </p:spTree>
   </p:cSld>
+  <p:clrMapOvr>
+    <a:masterClrMapping/>
+  </p:clrMapOvr>
 </p:sldLayout>
 </file>
 
 <file path=ppt/slideLayouts/slideLayout23.xml><?xml version="1.0" encoding="utf-8"?>
-<p:sldLayout xmlns:a="http://schemas.openxmlformats.org/drawingml/2006/main" xmlns:p="http://schemas.openxmlformats.org/presentationml/2006/main" xmlns:r="http://schemas.openxmlformats.org/officeDocument/2006/relationships" preserve="1" type="fourObj">
+<p:sldLayout xmlns:a="http://schemas.openxmlformats.org/drawingml/2006/main" xmlns:r="http://schemas.openxmlformats.org/officeDocument/2006/relationships" xmlns:p="http://schemas.openxmlformats.org/presentationml/2006/main" type="fourObj" preserve="1">
   <p:cSld name="Title, 4 Content">
     <p:spTree>
       <p:nvGrpSpPr>
@@ -1361,7 +1539,8 @@
           </a:prstGeom>
         </p:spPr>
         <p:txBody>
-          <a:bodyPr anchor="ctr" bIns="0" lIns="0" rIns="0" tIns="0" wrap="none"/>
+          <a:bodyPr wrap="none" lIns="0" tIns="0" rIns="0" bIns="0" anchor="ctr"/>
+          <a:lstStyle/>
           <a:p>
             <a:pPr algn="ctr"/>
             <a:endParaRPr/>
@@ -1388,7 +1567,8 @@
           </a:prstGeom>
         </p:spPr>
         <p:txBody>
-          <a:bodyPr bIns="0" lIns="0" rIns="0" tIns="0" wrap="none"/>
+          <a:bodyPr wrap="none" lIns="0" tIns="0" rIns="0" bIns="0"/>
+          <a:lstStyle/>
           <a:p>
             <a:endParaRPr/>
           </a:p>
@@ -1414,7 +1594,8 @@
           </a:prstGeom>
         </p:spPr>
         <p:txBody>
-          <a:bodyPr bIns="0" lIns="0" rIns="0" tIns="0" wrap="none"/>
+          <a:bodyPr wrap="none" lIns="0" tIns="0" rIns="0" bIns="0"/>
+          <a:lstStyle/>
           <a:p>
             <a:endParaRPr/>
           </a:p>
@@ -1440,7 +1621,8 @@
           </a:prstGeom>
         </p:spPr>
         <p:txBody>
-          <a:bodyPr bIns="0" lIns="0" rIns="0" tIns="0" wrap="none"/>
+          <a:bodyPr wrap="none" lIns="0" tIns="0" rIns="0" bIns="0"/>
+          <a:lstStyle/>
           <a:p>
             <a:endParaRPr/>
           </a:p>
@@ -1466,7 +1648,8 @@
           </a:prstGeom>
         </p:spPr>
         <p:txBody>
-          <a:bodyPr bIns="0" lIns="0" rIns="0" tIns="0" wrap="none"/>
+          <a:bodyPr wrap="none" lIns="0" tIns="0" rIns="0" bIns="0"/>
+          <a:lstStyle/>
           <a:p>
             <a:endParaRPr/>
           </a:p>
@@ -1474,11 +1657,14 @@
       </p:sp>
     </p:spTree>
   </p:cSld>
+  <p:clrMapOvr>
+    <a:masterClrMapping/>
+  </p:clrMapOvr>
 </p:sldLayout>
 </file>
 
 <file path=ppt/slideLayouts/slideLayout24.xml><?xml version="1.0" encoding="utf-8"?>
-<p:sldLayout xmlns:a="http://schemas.openxmlformats.org/drawingml/2006/main" xmlns:p="http://schemas.openxmlformats.org/presentationml/2006/main" xmlns:r="http://schemas.openxmlformats.org/officeDocument/2006/relationships" preserve="1" type="blank">
+<p:sldLayout xmlns:a="http://schemas.openxmlformats.org/drawingml/2006/main" xmlns:r="http://schemas.openxmlformats.org/officeDocument/2006/relationships" xmlns:p="http://schemas.openxmlformats.org/presentationml/2006/main" type="blank" preserve="1">
   <p:cSld name="Title, 6 Content">
     <p:spTree>
       <p:nvGrpSpPr>
@@ -1514,7 +1700,8 @@
           </a:prstGeom>
         </p:spPr>
         <p:txBody>
-          <a:bodyPr anchor="ctr" bIns="0" lIns="0" rIns="0" tIns="0" wrap="none"/>
+          <a:bodyPr wrap="none" lIns="0" tIns="0" rIns="0" bIns="0" anchor="ctr"/>
+          <a:lstStyle/>
           <a:p>
             <a:pPr algn="ctr"/>
             <a:endParaRPr/>
@@ -1541,7 +1728,8 @@
           </a:prstGeom>
         </p:spPr>
         <p:txBody>
-          <a:bodyPr bIns="0" lIns="0" rIns="0" tIns="0" wrap="none"/>
+          <a:bodyPr wrap="none" lIns="0" tIns="0" rIns="0" bIns="0"/>
+          <a:lstStyle/>
           <a:p>
             <a:endParaRPr/>
           </a:p>
@@ -1567,7 +1755,8 @@
           </a:prstGeom>
         </p:spPr>
         <p:txBody>
-          <a:bodyPr bIns="0" lIns="0" rIns="0" tIns="0" wrap="none"/>
+          <a:bodyPr wrap="none" lIns="0" tIns="0" rIns="0" bIns="0"/>
+          <a:lstStyle/>
           <a:p>
             <a:endParaRPr/>
           </a:p>
@@ -1575,11 +1764,14 @@
       </p:sp>
     </p:spTree>
   </p:cSld>
+  <p:clrMapOvr>
+    <a:masterClrMapping/>
+  </p:clrMapOvr>
 </p:sldLayout>
 </file>
 
 <file path=ppt/slideLayouts/slideLayout3.xml><?xml version="1.0" encoding="utf-8"?>
-<p:sldLayout xmlns:a="http://schemas.openxmlformats.org/drawingml/2006/main" xmlns:p="http://schemas.openxmlformats.org/presentationml/2006/main" xmlns:r="http://schemas.openxmlformats.org/officeDocument/2006/relationships" preserve="1" type="obj">
+<p:sldLayout xmlns:a="http://schemas.openxmlformats.org/drawingml/2006/main" xmlns:r="http://schemas.openxmlformats.org/officeDocument/2006/relationships" xmlns:p="http://schemas.openxmlformats.org/presentationml/2006/main" type="obj" preserve="1">
   <p:cSld name="Title, Content">
     <p:spTree>
       <p:nvGrpSpPr>
@@ -1615,7 +1807,8 @@
           </a:prstGeom>
         </p:spPr>
         <p:txBody>
-          <a:bodyPr anchor="ctr" bIns="0" lIns="0" rIns="0" tIns="0" wrap="none"/>
+          <a:bodyPr wrap="none" lIns="0" tIns="0" rIns="0" bIns="0" anchor="ctr"/>
+          <a:lstStyle/>
           <a:p>
             <a:pPr algn="ctr"/>
             <a:endParaRPr/>
@@ -1642,7 +1835,8 @@
           </a:prstGeom>
         </p:spPr>
         <p:txBody>
-          <a:bodyPr bIns="0" lIns="0" rIns="0" tIns="0" wrap="none"/>
+          <a:bodyPr wrap="none" lIns="0" tIns="0" rIns="0" bIns="0"/>
+          <a:lstStyle/>
           <a:p>
             <a:endParaRPr/>
           </a:p>
@@ -1650,11 +1844,14 @@
       </p:sp>
     </p:spTree>
   </p:cSld>
+  <p:clrMapOvr>
+    <a:masterClrMapping/>
+  </p:clrMapOvr>
 </p:sldLayout>
 </file>
 
 <file path=ppt/slideLayouts/slideLayout4.xml><?xml version="1.0" encoding="utf-8"?>
-<p:sldLayout xmlns:a="http://schemas.openxmlformats.org/drawingml/2006/main" xmlns:p="http://schemas.openxmlformats.org/presentationml/2006/main" xmlns:r="http://schemas.openxmlformats.org/officeDocument/2006/relationships" preserve="1" type="twoObj">
+<p:sldLayout xmlns:a="http://schemas.openxmlformats.org/drawingml/2006/main" xmlns:r="http://schemas.openxmlformats.org/officeDocument/2006/relationships" xmlns:p="http://schemas.openxmlformats.org/presentationml/2006/main" type="twoObj" preserve="1">
   <p:cSld name="Title, 2 Content">
     <p:spTree>
       <p:nvGrpSpPr>
@@ -1690,7 +1887,8 @@
           </a:prstGeom>
         </p:spPr>
         <p:txBody>
-          <a:bodyPr anchor="ctr" bIns="0" lIns="0" rIns="0" tIns="0" wrap="none"/>
+          <a:bodyPr wrap="none" lIns="0" tIns="0" rIns="0" bIns="0" anchor="ctr"/>
+          <a:lstStyle/>
           <a:p>
             <a:pPr algn="ctr"/>
             <a:endParaRPr/>
@@ -1717,7 +1915,8 @@
           </a:prstGeom>
         </p:spPr>
         <p:txBody>
-          <a:bodyPr bIns="0" lIns="0" rIns="0" tIns="0" wrap="none"/>
+          <a:bodyPr wrap="none" lIns="0" tIns="0" rIns="0" bIns="0"/>
+          <a:lstStyle/>
           <a:p>
             <a:endParaRPr/>
           </a:p>
@@ -1743,7 +1942,8 @@
           </a:prstGeom>
         </p:spPr>
         <p:txBody>
-          <a:bodyPr bIns="0" lIns="0" rIns="0" tIns="0" wrap="none"/>
+          <a:bodyPr wrap="none" lIns="0" tIns="0" rIns="0" bIns="0"/>
+          <a:lstStyle/>
           <a:p>
             <a:endParaRPr/>
           </a:p>
@@ -1751,11 +1951,14 @@
       </p:sp>
     </p:spTree>
   </p:cSld>
+  <p:clrMapOvr>
+    <a:masterClrMapping/>
+  </p:clrMapOvr>
 </p:sldLayout>
 </file>
 
 <file path=ppt/slideLayouts/slideLayout5.xml><?xml version="1.0" encoding="utf-8"?>
-<p:sldLayout xmlns:a="http://schemas.openxmlformats.org/drawingml/2006/main" xmlns:p="http://schemas.openxmlformats.org/presentationml/2006/main" xmlns:r="http://schemas.openxmlformats.org/officeDocument/2006/relationships" preserve="1" type="titleOnly">
+<p:sldLayout xmlns:a="http://schemas.openxmlformats.org/drawingml/2006/main" xmlns:r="http://schemas.openxmlformats.org/officeDocument/2006/relationships" xmlns:p="http://schemas.openxmlformats.org/presentationml/2006/main" type="titleOnly" preserve="1">
   <p:cSld name="Title Only">
     <p:spTree>
       <p:nvGrpSpPr>
@@ -1791,7 +1994,8 @@
           </a:prstGeom>
         </p:spPr>
         <p:txBody>
-          <a:bodyPr anchor="ctr" bIns="0" lIns="0" rIns="0" tIns="0" wrap="none"/>
+          <a:bodyPr wrap="none" lIns="0" tIns="0" rIns="0" bIns="0" anchor="ctr"/>
+          <a:lstStyle/>
           <a:p>
             <a:pPr algn="ctr"/>
             <a:endParaRPr/>
@@ -1800,11 +2004,14 @@
       </p:sp>
     </p:spTree>
   </p:cSld>
+  <p:clrMapOvr>
+    <a:masterClrMapping/>
+  </p:clrMapOvr>
 </p:sldLayout>
 </file>
 
 <file path=ppt/slideLayouts/slideLayout6.xml><?xml version="1.0" encoding="utf-8"?>
-<p:sldLayout xmlns:a="http://schemas.openxmlformats.org/drawingml/2006/main" xmlns:p="http://schemas.openxmlformats.org/presentationml/2006/main" xmlns:r="http://schemas.openxmlformats.org/officeDocument/2006/relationships" preserve="1" type="objOnly">
+<p:sldLayout xmlns:a="http://schemas.openxmlformats.org/drawingml/2006/main" xmlns:r="http://schemas.openxmlformats.org/officeDocument/2006/relationships" xmlns:p="http://schemas.openxmlformats.org/presentationml/2006/main" type="objOnly" preserve="1">
   <p:cSld name="Centered Text">
     <p:spTree>
       <p:nvGrpSpPr>
@@ -1840,7 +2047,8 @@
           </a:prstGeom>
         </p:spPr>
         <p:txBody>
-          <a:bodyPr anchor="ctr" bIns="0" lIns="0" rIns="0" tIns="0" wrap="none"/>
+          <a:bodyPr wrap="none" lIns="0" tIns="0" rIns="0" bIns="0" anchor="ctr"/>
+          <a:lstStyle/>
           <a:p>
             <a:pPr algn="ctr"/>
             <a:endParaRPr/>
@@ -1849,11 +2057,14 @@
       </p:sp>
     </p:spTree>
   </p:cSld>
+  <p:clrMapOvr>
+    <a:masterClrMapping/>
+  </p:clrMapOvr>
 </p:sldLayout>
 </file>
 
 <file path=ppt/slideLayouts/slideLayout7.xml><?xml version="1.0" encoding="utf-8"?>
-<p:sldLayout xmlns:a="http://schemas.openxmlformats.org/drawingml/2006/main" xmlns:p="http://schemas.openxmlformats.org/presentationml/2006/main" xmlns:r="http://schemas.openxmlformats.org/officeDocument/2006/relationships" preserve="1" type="twoObjAndObj">
+<p:sldLayout xmlns:a="http://schemas.openxmlformats.org/drawingml/2006/main" xmlns:r="http://schemas.openxmlformats.org/officeDocument/2006/relationships" xmlns:p="http://schemas.openxmlformats.org/presentationml/2006/main" type="twoObjAndObj" preserve="1">
   <p:cSld name="Title, 2 Content and Content">
     <p:spTree>
       <p:nvGrpSpPr>
@@ -1889,7 +2100,8 @@
           </a:prstGeom>
         </p:spPr>
         <p:txBody>
-          <a:bodyPr anchor="ctr" bIns="0" lIns="0" rIns="0" tIns="0" wrap="none"/>
+          <a:bodyPr wrap="none" lIns="0" tIns="0" rIns="0" bIns="0" anchor="ctr"/>
+          <a:lstStyle/>
           <a:p>
             <a:pPr algn="ctr"/>
             <a:endParaRPr/>
@@ -1916,7 +2128,8 @@
           </a:prstGeom>
         </p:spPr>
         <p:txBody>
-          <a:bodyPr bIns="0" lIns="0" rIns="0" tIns="0" wrap="none"/>
+          <a:bodyPr wrap="none" lIns="0" tIns="0" rIns="0" bIns="0"/>
+          <a:lstStyle/>
           <a:p>
             <a:endParaRPr/>
           </a:p>
@@ -1942,7 +2155,8 @@
           </a:prstGeom>
         </p:spPr>
         <p:txBody>
-          <a:bodyPr bIns="0" lIns="0" rIns="0" tIns="0" wrap="none"/>
+          <a:bodyPr wrap="none" lIns="0" tIns="0" rIns="0" bIns="0"/>
+          <a:lstStyle/>
           <a:p>
             <a:endParaRPr/>
           </a:p>
@@ -1968,7 +2182,8 @@
           </a:prstGeom>
         </p:spPr>
         <p:txBody>
-          <a:bodyPr bIns="0" lIns="0" rIns="0" tIns="0" wrap="none"/>
+          <a:bodyPr wrap="none" lIns="0" tIns="0" rIns="0" bIns="0"/>
+          <a:lstStyle/>
           <a:p>
             <a:endParaRPr/>
           </a:p>
@@ -1976,11 +2191,14 @@
       </p:sp>
     </p:spTree>
   </p:cSld>
+  <p:clrMapOvr>
+    <a:masterClrMapping/>
+  </p:clrMapOvr>
 </p:sldLayout>
 </file>
 
 <file path=ppt/slideLayouts/slideLayout8.xml><?xml version="1.0" encoding="utf-8"?>
-<p:sldLayout xmlns:a="http://schemas.openxmlformats.org/drawingml/2006/main" xmlns:p="http://schemas.openxmlformats.org/presentationml/2006/main" xmlns:r="http://schemas.openxmlformats.org/officeDocument/2006/relationships" preserve="1" type="objAndTwoObj">
+<p:sldLayout xmlns:a="http://schemas.openxmlformats.org/drawingml/2006/main" xmlns:r="http://schemas.openxmlformats.org/officeDocument/2006/relationships" xmlns:p="http://schemas.openxmlformats.org/presentationml/2006/main" type="objAndTwoObj" preserve="1">
   <p:cSld name="Title Content and 2 Content">
     <p:spTree>
       <p:nvGrpSpPr>
@@ -2016,7 +2234,8 @@
           </a:prstGeom>
         </p:spPr>
         <p:txBody>
-          <a:bodyPr anchor="ctr" bIns="0" lIns="0" rIns="0" tIns="0" wrap="none"/>
+          <a:bodyPr wrap="none" lIns="0" tIns="0" rIns="0" bIns="0" anchor="ctr"/>
+          <a:lstStyle/>
           <a:p>
             <a:pPr algn="ctr"/>
             <a:endParaRPr/>
@@ -2043,7 +2262,8 @@
           </a:prstGeom>
         </p:spPr>
         <p:txBody>
-          <a:bodyPr bIns="0" lIns="0" rIns="0" tIns="0" wrap="none"/>
+          <a:bodyPr wrap="none" lIns="0" tIns="0" rIns="0" bIns="0"/>
+          <a:lstStyle/>
           <a:p>
             <a:endParaRPr/>
           </a:p>
@@ -2069,7 +2289,8 @@
           </a:prstGeom>
         </p:spPr>
         <p:txBody>
-          <a:bodyPr bIns="0" lIns="0" rIns="0" tIns="0" wrap="none"/>
+          <a:bodyPr wrap="none" lIns="0" tIns="0" rIns="0" bIns="0"/>
+          <a:lstStyle/>
           <a:p>
             <a:endParaRPr/>
           </a:p>
@@ -2095,7 +2316,8 @@
           </a:prstGeom>
         </p:spPr>
         <p:txBody>
-          <a:bodyPr bIns="0" lIns="0" rIns="0" tIns="0" wrap="none"/>
+          <a:bodyPr wrap="none" lIns="0" tIns="0" rIns="0" bIns="0"/>
+          <a:lstStyle/>
           <a:p>
             <a:endParaRPr/>
           </a:p>
@@ -2103,11 +2325,14 @@
       </p:sp>
     </p:spTree>
   </p:cSld>
+  <p:clrMapOvr>
+    <a:masterClrMapping/>
+  </p:clrMapOvr>
 </p:sldLayout>
 </file>
 
 <file path=ppt/slideLayouts/slideLayout9.xml><?xml version="1.0" encoding="utf-8"?>
-<p:sldLayout xmlns:a="http://schemas.openxmlformats.org/drawingml/2006/main" xmlns:p="http://schemas.openxmlformats.org/presentationml/2006/main" xmlns:r="http://schemas.openxmlformats.org/officeDocument/2006/relationships" preserve="1" type="twoObjOverTx">
+<p:sldLayout xmlns:a="http://schemas.openxmlformats.org/drawingml/2006/main" xmlns:r="http://schemas.openxmlformats.org/officeDocument/2006/relationships" xmlns:p="http://schemas.openxmlformats.org/presentationml/2006/main" type="twoObjOverTx" preserve="1">
   <p:cSld name="Title, 2 Content over Content">
     <p:spTree>
       <p:nvGrpSpPr>
@@ -2143,7 +2368,8 @@
           </a:prstGeom>
         </p:spPr>
         <p:txBody>
-          <a:bodyPr anchor="ctr" bIns="0" lIns="0" rIns="0" tIns="0" wrap="none"/>
+          <a:bodyPr wrap="none" lIns="0" tIns="0" rIns="0" bIns="0" anchor="ctr"/>
+          <a:lstStyle/>
           <a:p>
             <a:pPr algn="ctr"/>
             <a:endParaRPr/>
@@ -2170,7 +2396,8 @@
           </a:prstGeom>
         </p:spPr>
         <p:txBody>
-          <a:bodyPr bIns="0" lIns="0" rIns="0" tIns="0" wrap="none"/>
+          <a:bodyPr wrap="none" lIns="0" tIns="0" rIns="0" bIns="0"/>
+          <a:lstStyle/>
           <a:p>
             <a:endParaRPr/>
           </a:p>
@@ -2196,7 +2423,8 @@
           </a:prstGeom>
         </p:spPr>
         <p:txBody>
-          <a:bodyPr bIns="0" lIns="0" rIns="0" tIns="0" wrap="none"/>
+          <a:bodyPr wrap="none" lIns="0" tIns="0" rIns="0" bIns="0"/>
+          <a:lstStyle/>
           <a:p>
             <a:endParaRPr/>
           </a:p>
@@ -2222,7 +2450,8 @@
           </a:prstGeom>
         </p:spPr>
         <p:txBody>
-          <a:bodyPr bIns="0" lIns="0" rIns="0" tIns="0" wrap="none"/>
+          <a:bodyPr wrap="none" lIns="0" tIns="0" rIns="0" bIns="0"/>
+          <a:lstStyle/>
           <a:p>
             <a:endParaRPr/>
           </a:p>
@@ -2230,17 +2459,21 @@
       </p:sp>
     </p:spTree>
   </p:cSld>
+  <p:clrMapOvr>
+    <a:masterClrMapping/>
+  </p:clrMapOvr>
 </p:sldLayout>
 </file>
 
 <file path=ppt/slideMasters/slideMaster1.xml><?xml version="1.0" encoding="utf-8"?>
-<p:sldMaster xmlns:a="http://schemas.openxmlformats.org/drawingml/2006/main" xmlns:p="http://schemas.openxmlformats.org/presentationml/2006/main" xmlns:r="http://schemas.openxmlformats.org/officeDocument/2006/relationships">
+<p:sldMaster xmlns:a="http://schemas.openxmlformats.org/drawingml/2006/main" xmlns:r="http://schemas.openxmlformats.org/officeDocument/2006/relationships" xmlns:p="http://schemas.openxmlformats.org/presentationml/2006/main">
   <p:cSld>
     <p:bg>
       <p:bgPr>
         <a:solidFill>
-          <a:srgbClr val="ffffff"/>
+          <a:srgbClr val="FFFFFF"/>
         </a:solidFill>
+        <a:effectLst/>
       </p:bgPr>
     </p:bg>
     <p:spTree>
@@ -2259,12 +2492,12 @@
       </p:grpSpPr>
       <p:pic>
         <p:nvPicPr>
-          <p:cNvPr descr="" id="0" name="Picture 6"/>
+          <p:cNvPr id="4" name="Picture 6"/>
           <p:cNvPicPr/>
           <p:nvPr/>
         </p:nvPicPr>
         <p:blipFill>
-          <a:blip r:embed="rId2"/>
+          <a:blip r:embed="rId14"/>
           <a:stretch>
             <a:fillRect/>
           </a:stretch>
@@ -2281,12 +2514,12 @@
       </p:pic>
       <p:pic>
         <p:nvPicPr>
-          <p:cNvPr descr="" id="1" name="Picture 6"/>
+          <p:cNvPr id="5" name="Picture 6"/>
           <p:cNvPicPr/>
           <p:nvPr/>
         </p:nvPicPr>
         <p:blipFill>
-          <a:blip r:embed="rId3"/>
+          <a:blip r:embed="rId15"/>
           <a:stretch>
             <a:fillRect/>
           </a:stretch>
@@ -2321,7 +2554,8 @@
           </a:prstGeom>
         </p:spPr>
         <p:txBody>
-          <a:bodyPr anchor="ctr" bIns="0" lIns="0" rIns="0" tIns="0" wrap="none"/>
+          <a:bodyPr wrap="none" lIns="0" tIns="0" rIns="0" bIns="0" anchor="ctr"/>
+          <a:lstStyle/>
           <a:p>
             <a:r>
               <a:rPr lang="en-US"/>
@@ -2351,7 +2585,8 @@
           </a:prstGeom>
         </p:spPr>
         <p:txBody>
-          <a:bodyPr bIns="0" lIns="0" rIns="0" tIns="0" wrap="none"/>
+          <a:bodyPr wrap="none" lIns="0" tIns="0" rIns="0" bIns="0"/>
+          <a:lstStyle/>
           <a:p>
             <a:pPr>
               <a:buSzPct val="45000"/>
@@ -2440,32 +2675,313 @@
       </p:sp>
     </p:spTree>
   </p:cSld>
-  <p:clrMap accent1="accent1" accent2="accent2" accent3="accent3" accent4="accent4" accent5="accent5" accent6="accent6" bg1="lt1" bg2="lt2" folHlink="folHlink" hlink="hlink" tx1="dk1" tx2="dk2"/>
+  <p:clrMap bg1="lt1" tx1="dk1" bg2="lt2" tx2="dk2" accent1="accent1" accent2="accent2" accent3="accent3" accent4="accent4" accent5="accent5" accent6="accent6" hlink="hlink" folHlink="folHlink"/>
   <p:sldLayoutIdLst>
-    <p:sldLayoutId id="2147483649" r:id="rId4"/>
-    <p:sldLayoutId id="2147483650" r:id="rId5"/>
-    <p:sldLayoutId id="2147483651" r:id="rId6"/>
-    <p:sldLayoutId id="2147483652" r:id="rId7"/>
-    <p:sldLayoutId id="2147483653" r:id="rId8"/>
-    <p:sldLayoutId id="2147483654" r:id="rId9"/>
-    <p:sldLayoutId id="2147483655" r:id="rId10"/>
-    <p:sldLayoutId id="2147483656" r:id="rId11"/>
-    <p:sldLayoutId id="2147483657" r:id="rId12"/>
-    <p:sldLayoutId id="2147483658" r:id="rId13"/>
-    <p:sldLayoutId id="2147483659" r:id="rId14"/>
-    <p:sldLayoutId id="2147483660" r:id="rId15"/>
+    <p:sldLayoutId id="2147483649" r:id="rId1"/>
+    <p:sldLayoutId id="2147483650" r:id="rId2"/>
+    <p:sldLayoutId id="2147483651" r:id="rId3"/>
+    <p:sldLayoutId id="2147483652" r:id="rId4"/>
+    <p:sldLayoutId id="2147483653" r:id="rId5"/>
+    <p:sldLayoutId id="2147483654" r:id="rId6"/>
+    <p:sldLayoutId id="2147483655" r:id="rId7"/>
+    <p:sldLayoutId id="2147483656" r:id="rId8"/>
+    <p:sldLayoutId id="2147483657" r:id="rId9"/>
+    <p:sldLayoutId id="2147483658" r:id="rId10"/>
+    <p:sldLayoutId id="2147483659" r:id="rId11"/>
+    <p:sldLayoutId id="2147483660" r:id="rId12"/>
   </p:sldLayoutIdLst>
+  <p:txStyles>
+    <p:titleStyle>
+      <a:lvl1pPr algn="l" defTabSz="914400" rtl="0" eaLnBrk="1" latinLnBrk="0" hangingPunct="1">
+        <a:lnSpc>
+          <a:spcPct val="90000"/>
+        </a:lnSpc>
+        <a:spcBef>
+          <a:spcPct val="0"/>
+        </a:spcBef>
+        <a:buNone/>
+        <a:defRPr sz="4400" kern="1200">
+          <a:solidFill>
+            <a:schemeClr val="tx1"/>
+          </a:solidFill>
+          <a:latin typeface="+mj-lt"/>
+          <a:ea typeface="+mj-ea"/>
+          <a:cs typeface="+mj-cs"/>
+        </a:defRPr>
+      </a:lvl1pPr>
+    </p:titleStyle>
+    <p:bodyStyle>
+      <a:lvl1pPr marL="228600" indent="-228600" algn="l" defTabSz="914400" rtl="0" eaLnBrk="1" latinLnBrk="0" hangingPunct="1">
+        <a:lnSpc>
+          <a:spcPct val="90000"/>
+        </a:lnSpc>
+        <a:spcBef>
+          <a:spcPts val="1000"/>
+        </a:spcBef>
+        <a:buFont typeface="Arial" panose="020B0604020202020204" pitchFamily="34" charset="0"/>
+        <a:buChar char="•"/>
+        <a:defRPr sz="2800" kern="1200">
+          <a:solidFill>
+            <a:schemeClr val="tx1"/>
+          </a:solidFill>
+          <a:latin typeface="+mn-lt"/>
+          <a:ea typeface="+mn-ea"/>
+          <a:cs typeface="+mn-cs"/>
+        </a:defRPr>
+      </a:lvl1pPr>
+      <a:lvl2pPr marL="685800" indent="-228600" algn="l" defTabSz="914400" rtl="0" eaLnBrk="1" latinLnBrk="0" hangingPunct="1">
+        <a:lnSpc>
+          <a:spcPct val="90000"/>
+        </a:lnSpc>
+        <a:spcBef>
+          <a:spcPts val="500"/>
+        </a:spcBef>
+        <a:buFont typeface="Arial" panose="020B0604020202020204" pitchFamily="34" charset="0"/>
+        <a:buChar char="•"/>
+        <a:defRPr sz="2400" kern="1200">
+          <a:solidFill>
+            <a:schemeClr val="tx1"/>
+          </a:solidFill>
+          <a:latin typeface="+mn-lt"/>
+          <a:ea typeface="+mn-ea"/>
+          <a:cs typeface="+mn-cs"/>
+        </a:defRPr>
+      </a:lvl2pPr>
+      <a:lvl3pPr marL="1143000" indent="-228600" algn="l" defTabSz="914400" rtl="0" eaLnBrk="1" latinLnBrk="0" hangingPunct="1">
+        <a:lnSpc>
+          <a:spcPct val="90000"/>
+        </a:lnSpc>
+        <a:spcBef>
+          <a:spcPts val="500"/>
+        </a:spcBef>
+        <a:buFont typeface="Arial" panose="020B0604020202020204" pitchFamily="34" charset="0"/>
+        <a:buChar char="•"/>
+        <a:defRPr sz="2000" kern="1200">
+          <a:solidFill>
+            <a:schemeClr val="tx1"/>
+          </a:solidFill>
+          <a:latin typeface="+mn-lt"/>
+          <a:ea typeface="+mn-ea"/>
+          <a:cs typeface="+mn-cs"/>
+        </a:defRPr>
+      </a:lvl3pPr>
+      <a:lvl4pPr marL="1600200" indent="-228600" algn="l" defTabSz="914400" rtl="0" eaLnBrk="1" latinLnBrk="0" hangingPunct="1">
+        <a:lnSpc>
+          <a:spcPct val="90000"/>
+        </a:lnSpc>
+        <a:spcBef>
+          <a:spcPts val="500"/>
+        </a:spcBef>
+        <a:buFont typeface="Arial" panose="020B0604020202020204" pitchFamily="34" charset="0"/>
+        <a:buChar char="•"/>
+        <a:defRPr sz="1800" kern="1200">
+          <a:solidFill>
+            <a:schemeClr val="tx1"/>
+          </a:solidFill>
+          <a:latin typeface="+mn-lt"/>
+          <a:ea typeface="+mn-ea"/>
+          <a:cs typeface="+mn-cs"/>
+        </a:defRPr>
+      </a:lvl4pPr>
+      <a:lvl5pPr marL="2057400" indent="-228600" algn="l" defTabSz="914400" rtl="0" eaLnBrk="1" latinLnBrk="0" hangingPunct="1">
+        <a:lnSpc>
+          <a:spcPct val="90000"/>
+        </a:lnSpc>
+        <a:spcBef>
+          <a:spcPts val="500"/>
+        </a:spcBef>
+        <a:buFont typeface="Arial" panose="020B0604020202020204" pitchFamily="34" charset="0"/>
+        <a:buChar char="•"/>
+        <a:defRPr sz="1800" kern="1200">
+          <a:solidFill>
+            <a:schemeClr val="tx1"/>
+          </a:solidFill>
+          <a:latin typeface="+mn-lt"/>
+          <a:ea typeface="+mn-ea"/>
+          <a:cs typeface="+mn-cs"/>
+        </a:defRPr>
+      </a:lvl5pPr>
+      <a:lvl6pPr marL="2514600" indent="-228600" algn="l" defTabSz="914400" rtl="0" eaLnBrk="1" latinLnBrk="0" hangingPunct="1">
+        <a:lnSpc>
+          <a:spcPct val="90000"/>
+        </a:lnSpc>
+        <a:spcBef>
+          <a:spcPts val="500"/>
+        </a:spcBef>
+        <a:buFont typeface="Arial" panose="020B0604020202020204" pitchFamily="34" charset="0"/>
+        <a:buChar char="•"/>
+        <a:defRPr sz="1800" kern="1200">
+          <a:solidFill>
+            <a:schemeClr val="tx1"/>
+          </a:solidFill>
+          <a:latin typeface="+mn-lt"/>
+          <a:ea typeface="+mn-ea"/>
+          <a:cs typeface="+mn-cs"/>
+        </a:defRPr>
+      </a:lvl6pPr>
+      <a:lvl7pPr marL="2971800" indent="-228600" algn="l" defTabSz="914400" rtl="0" eaLnBrk="1" latinLnBrk="0" hangingPunct="1">
+        <a:lnSpc>
+          <a:spcPct val="90000"/>
+        </a:lnSpc>
+        <a:spcBef>
+          <a:spcPts val="500"/>
+        </a:spcBef>
+        <a:buFont typeface="Arial" panose="020B0604020202020204" pitchFamily="34" charset="0"/>
+        <a:buChar char="•"/>
+        <a:defRPr sz="1800" kern="1200">
+          <a:solidFill>
+            <a:schemeClr val="tx1"/>
+          </a:solidFill>
+          <a:latin typeface="+mn-lt"/>
+          <a:ea typeface="+mn-ea"/>
+          <a:cs typeface="+mn-cs"/>
+        </a:defRPr>
+      </a:lvl7pPr>
+      <a:lvl8pPr marL="3429000" indent="-228600" algn="l" defTabSz="914400" rtl="0" eaLnBrk="1" latinLnBrk="0" hangingPunct="1">
+        <a:lnSpc>
+          <a:spcPct val="90000"/>
+        </a:lnSpc>
+        <a:spcBef>
+          <a:spcPts val="500"/>
+        </a:spcBef>
+        <a:buFont typeface="Arial" panose="020B0604020202020204" pitchFamily="34" charset="0"/>
+        <a:buChar char="•"/>
+        <a:defRPr sz="1800" kern="1200">
+          <a:solidFill>
+            <a:schemeClr val="tx1"/>
+          </a:solidFill>
+          <a:latin typeface="+mn-lt"/>
+          <a:ea typeface="+mn-ea"/>
+          <a:cs typeface="+mn-cs"/>
+        </a:defRPr>
+      </a:lvl8pPr>
+      <a:lvl9pPr marL="3886200" indent="-228600" algn="l" defTabSz="914400" rtl="0" eaLnBrk="1" latinLnBrk="0" hangingPunct="1">
+        <a:lnSpc>
+          <a:spcPct val="90000"/>
+        </a:lnSpc>
+        <a:spcBef>
+          <a:spcPts val="500"/>
+        </a:spcBef>
+        <a:buFont typeface="Arial" panose="020B0604020202020204" pitchFamily="34" charset="0"/>
+        <a:buChar char="•"/>
+        <a:defRPr sz="1800" kern="1200">
+          <a:solidFill>
+            <a:schemeClr val="tx1"/>
+          </a:solidFill>
+          <a:latin typeface="+mn-lt"/>
+          <a:ea typeface="+mn-ea"/>
+          <a:cs typeface="+mn-cs"/>
+        </a:defRPr>
+      </a:lvl9pPr>
+    </p:bodyStyle>
+    <p:otherStyle>
+      <a:defPPr>
+        <a:defRPr lang="en-US"/>
+      </a:defPPr>
+      <a:lvl1pPr marL="0" algn="l" defTabSz="914400" rtl="0" eaLnBrk="1" latinLnBrk="0" hangingPunct="1">
+        <a:defRPr sz="1800" kern="1200">
+          <a:solidFill>
+            <a:schemeClr val="tx1"/>
+          </a:solidFill>
+          <a:latin typeface="+mn-lt"/>
+          <a:ea typeface="+mn-ea"/>
+          <a:cs typeface="+mn-cs"/>
+        </a:defRPr>
+      </a:lvl1pPr>
+      <a:lvl2pPr marL="457200" algn="l" defTabSz="914400" rtl="0" eaLnBrk="1" latinLnBrk="0" hangingPunct="1">
+        <a:defRPr sz="1800" kern="1200">
+          <a:solidFill>
+            <a:schemeClr val="tx1"/>
+          </a:solidFill>
+          <a:latin typeface="+mn-lt"/>
+          <a:ea typeface="+mn-ea"/>
+          <a:cs typeface="+mn-cs"/>
+        </a:defRPr>
+      </a:lvl2pPr>
+      <a:lvl3pPr marL="914400" algn="l" defTabSz="914400" rtl="0" eaLnBrk="1" latinLnBrk="0" hangingPunct="1">
+        <a:defRPr sz="1800" kern="1200">
+          <a:solidFill>
+            <a:schemeClr val="tx1"/>
+          </a:solidFill>
+          <a:latin typeface="+mn-lt"/>
+          <a:ea typeface="+mn-ea"/>
+          <a:cs typeface="+mn-cs"/>
+        </a:defRPr>
+      </a:lvl3pPr>
+      <a:lvl4pPr marL="1371600" algn="l" defTabSz="914400" rtl="0" eaLnBrk="1" latinLnBrk="0" hangingPunct="1">
+        <a:defRPr sz="1800" kern="1200">
+          <a:solidFill>
+            <a:schemeClr val="tx1"/>
+          </a:solidFill>
+          <a:latin typeface="+mn-lt"/>
+          <a:ea typeface="+mn-ea"/>
+          <a:cs typeface="+mn-cs"/>
+        </a:defRPr>
+      </a:lvl4pPr>
+      <a:lvl5pPr marL="1828800" algn="l" defTabSz="914400" rtl="0" eaLnBrk="1" latinLnBrk="0" hangingPunct="1">
+        <a:defRPr sz="1800" kern="1200">
+          <a:solidFill>
+            <a:schemeClr val="tx1"/>
+          </a:solidFill>
+          <a:latin typeface="+mn-lt"/>
+          <a:ea typeface="+mn-ea"/>
+          <a:cs typeface="+mn-cs"/>
+        </a:defRPr>
+      </a:lvl5pPr>
+      <a:lvl6pPr marL="2286000" algn="l" defTabSz="914400" rtl="0" eaLnBrk="1" latinLnBrk="0" hangingPunct="1">
+        <a:defRPr sz="1800" kern="1200">
+          <a:solidFill>
+            <a:schemeClr val="tx1"/>
+          </a:solidFill>
+          <a:latin typeface="+mn-lt"/>
+          <a:ea typeface="+mn-ea"/>
+          <a:cs typeface="+mn-cs"/>
+        </a:defRPr>
+      </a:lvl6pPr>
+      <a:lvl7pPr marL="2743200" algn="l" defTabSz="914400" rtl="0" eaLnBrk="1" latinLnBrk="0" hangingPunct="1">
+        <a:defRPr sz="1800" kern="1200">
+          <a:solidFill>
+            <a:schemeClr val="tx1"/>
+          </a:solidFill>
+          <a:latin typeface="+mn-lt"/>
+          <a:ea typeface="+mn-ea"/>
+          <a:cs typeface="+mn-cs"/>
+        </a:defRPr>
+      </a:lvl7pPr>
+      <a:lvl8pPr marL="3200400" algn="l" defTabSz="914400" rtl="0" eaLnBrk="1" latinLnBrk="0" hangingPunct="1">
+        <a:defRPr sz="1800" kern="1200">
+          <a:solidFill>
+            <a:schemeClr val="tx1"/>
+          </a:solidFill>
+          <a:latin typeface="+mn-lt"/>
+          <a:ea typeface="+mn-ea"/>
+          <a:cs typeface="+mn-cs"/>
+        </a:defRPr>
+      </a:lvl8pPr>
+      <a:lvl9pPr marL="3657600" algn="l" defTabSz="914400" rtl="0" eaLnBrk="1" latinLnBrk="0" hangingPunct="1">
+        <a:defRPr sz="1800" kern="1200">
+          <a:solidFill>
+            <a:schemeClr val="tx1"/>
+          </a:solidFill>
+          <a:latin typeface="+mn-lt"/>
+          <a:ea typeface="+mn-ea"/>
+          <a:cs typeface="+mn-cs"/>
+        </a:defRPr>
+      </a:lvl9pPr>
+    </p:otherStyle>
+  </p:txStyles>
 </p:sldMaster>
 </file>
 
 <file path=ppt/slideMasters/slideMaster2.xml><?xml version="1.0" encoding="utf-8"?>
-<p:sldMaster xmlns:a="http://schemas.openxmlformats.org/drawingml/2006/main" xmlns:p="http://schemas.openxmlformats.org/presentationml/2006/main" xmlns:r="http://schemas.openxmlformats.org/officeDocument/2006/relationships">
+<p:sldMaster xmlns:a="http://schemas.openxmlformats.org/drawingml/2006/main" xmlns:r="http://schemas.openxmlformats.org/officeDocument/2006/relationships" xmlns:p="http://schemas.openxmlformats.org/presentationml/2006/main">
   <p:cSld>
     <p:bg>
       <p:bgPr>
         <a:solidFill>
-          <a:srgbClr val="ffffff"/>
+          <a:srgbClr val="FFFFFF"/>
         </a:solidFill>
+        <a:effectLst/>
       </p:bgPr>
     </p:bg>
     <p:spTree>
@@ -2484,12 +3000,12 @@
       </p:grpSpPr>
       <p:pic>
         <p:nvPicPr>
-          <p:cNvPr descr="" id="36" name="Picture 6"/>
+          <p:cNvPr id="36" name="Picture 6"/>
           <p:cNvPicPr/>
           <p:nvPr/>
         </p:nvPicPr>
         <p:blipFill>
-          <a:blip r:embed="rId2"/>
+          <a:blip r:embed="rId14"/>
           <a:stretch>
             <a:fillRect/>
           </a:stretch>
@@ -2524,7 +3040,8 @@
           </a:prstGeom>
         </p:spPr>
         <p:txBody>
-          <a:bodyPr anchor="ctr" bIns="0" lIns="0" rIns="0" tIns="0" wrap="none"/>
+          <a:bodyPr wrap="none" lIns="0" tIns="0" rIns="0" bIns="0" anchor="ctr"/>
+          <a:lstStyle/>
           <a:p>
             <a:pPr algn="ctr"/>
             <a:r>
@@ -2555,7 +3072,8 @@
           </a:prstGeom>
         </p:spPr>
         <p:txBody>
-          <a:bodyPr bIns="0" lIns="0" rIns="0" tIns="0" wrap="none"/>
+          <a:bodyPr wrap="none" lIns="0" tIns="0" rIns="0" bIns="0"/>
+          <a:lstStyle/>
           <a:p>
             <a:pPr>
               <a:buSzPct val="45000"/>
@@ -2644,32 +3162,313 @@
       </p:sp>
     </p:spTree>
   </p:cSld>
-  <p:clrMap accent1="accent1" accent2="accent2" accent3="accent3" accent4="accent4" accent5="accent5" accent6="accent6" bg1="lt1" bg2="lt2" folHlink="folHlink" hlink="hlink" tx1="dk1" tx2="dk2"/>
+  <p:clrMap bg1="lt1" tx1="dk1" bg2="lt2" tx2="dk2" accent1="accent1" accent2="accent2" accent3="accent3" accent4="accent4" accent5="accent5" accent6="accent6" hlink="hlink" folHlink="folHlink"/>
   <p:sldLayoutIdLst>
-    <p:sldLayoutId id="2147483662" r:id="rId3"/>
-    <p:sldLayoutId id="2147483663" r:id="rId4"/>
-    <p:sldLayoutId id="2147483664" r:id="rId5"/>
-    <p:sldLayoutId id="2147483665" r:id="rId6"/>
-    <p:sldLayoutId id="2147483666" r:id="rId7"/>
-    <p:sldLayoutId id="2147483667" r:id="rId8"/>
-    <p:sldLayoutId id="2147483668" r:id="rId9"/>
-    <p:sldLayoutId id="2147483669" r:id="rId10"/>
-    <p:sldLayoutId id="2147483670" r:id="rId11"/>
-    <p:sldLayoutId id="2147483671" r:id="rId12"/>
-    <p:sldLayoutId id="2147483672" r:id="rId13"/>
-    <p:sldLayoutId id="2147483673" r:id="rId14"/>
+    <p:sldLayoutId id="2147483662" r:id="rId1"/>
+    <p:sldLayoutId id="2147483663" r:id="rId2"/>
+    <p:sldLayoutId id="2147483664" r:id="rId3"/>
+    <p:sldLayoutId id="2147483665" r:id="rId4"/>
+    <p:sldLayoutId id="2147483666" r:id="rId5"/>
+    <p:sldLayoutId id="2147483667" r:id="rId6"/>
+    <p:sldLayoutId id="2147483668" r:id="rId7"/>
+    <p:sldLayoutId id="2147483669" r:id="rId8"/>
+    <p:sldLayoutId id="2147483670" r:id="rId9"/>
+    <p:sldLayoutId id="2147483671" r:id="rId10"/>
+    <p:sldLayoutId id="2147483672" r:id="rId11"/>
+    <p:sldLayoutId id="2147483673" r:id="rId12"/>
   </p:sldLayoutIdLst>
+  <p:txStyles>
+    <p:titleStyle>
+      <a:lvl1pPr algn="l" defTabSz="914400" rtl="0" eaLnBrk="1" latinLnBrk="0" hangingPunct="1">
+        <a:lnSpc>
+          <a:spcPct val="90000"/>
+        </a:lnSpc>
+        <a:spcBef>
+          <a:spcPct val="0"/>
+        </a:spcBef>
+        <a:buNone/>
+        <a:defRPr sz="4400" kern="1200">
+          <a:solidFill>
+            <a:schemeClr val="tx1"/>
+          </a:solidFill>
+          <a:latin typeface="+mj-lt"/>
+          <a:ea typeface="+mj-ea"/>
+          <a:cs typeface="+mj-cs"/>
+        </a:defRPr>
+      </a:lvl1pPr>
+    </p:titleStyle>
+    <p:bodyStyle>
+      <a:lvl1pPr marL="228600" indent="-228600" algn="l" defTabSz="914400" rtl="0" eaLnBrk="1" latinLnBrk="0" hangingPunct="1">
+        <a:lnSpc>
+          <a:spcPct val="90000"/>
+        </a:lnSpc>
+        <a:spcBef>
+          <a:spcPts val="1000"/>
+        </a:spcBef>
+        <a:buFont typeface="Arial" panose="020B0604020202020204" pitchFamily="34" charset="0"/>
+        <a:buChar char="•"/>
+        <a:defRPr sz="2800" kern="1200">
+          <a:solidFill>
+            <a:schemeClr val="tx1"/>
+          </a:solidFill>
+          <a:latin typeface="+mn-lt"/>
+          <a:ea typeface="+mn-ea"/>
+          <a:cs typeface="+mn-cs"/>
+        </a:defRPr>
+      </a:lvl1pPr>
+      <a:lvl2pPr marL="685800" indent="-228600" algn="l" defTabSz="914400" rtl="0" eaLnBrk="1" latinLnBrk="0" hangingPunct="1">
+        <a:lnSpc>
+          <a:spcPct val="90000"/>
+        </a:lnSpc>
+        <a:spcBef>
+          <a:spcPts val="500"/>
+        </a:spcBef>
+        <a:buFont typeface="Arial" panose="020B0604020202020204" pitchFamily="34" charset="0"/>
+        <a:buChar char="•"/>
+        <a:defRPr sz="2400" kern="1200">
+          <a:solidFill>
+            <a:schemeClr val="tx1"/>
+          </a:solidFill>
+          <a:latin typeface="+mn-lt"/>
+          <a:ea typeface="+mn-ea"/>
+          <a:cs typeface="+mn-cs"/>
+        </a:defRPr>
+      </a:lvl2pPr>
+      <a:lvl3pPr marL="1143000" indent="-228600" algn="l" defTabSz="914400" rtl="0" eaLnBrk="1" latinLnBrk="0" hangingPunct="1">
+        <a:lnSpc>
+          <a:spcPct val="90000"/>
+        </a:lnSpc>
+        <a:spcBef>
+          <a:spcPts val="500"/>
+        </a:spcBef>
+        <a:buFont typeface="Arial" panose="020B0604020202020204" pitchFamily="34" charset="0"/>
+        <a:buChar char="•"/>
+        <a:defRPr sz="2000" kern="1200">
+          <a:solidFill>
+            <a:schemeClr val="tx1"/>
+          </a:solidFill>
+          <a:latin typeface="+mn-lt"/>
+          <a:ea typeface="+mn-ea"/>
+          <a:cs typeface="+mn-cs"/>
+        </a:defRPr>
+      </a:lvl3pPr>
+      <a:lvl4pPr marL="1600200" indent="-228600" algn="l" defTabSz="914400" rtl="0" eaLnBrk="1" latinLnBrk="0" hangingPunct="1">
+        <a:lnSpc>
+          <a:spcPct val="90000"/>
+        </a:lnSpc>
+        <a:spcBef>
+          <a:spcPts val="500"/>
+        </a:spcBef>
+        <a:buFont typeface="Arial" panose="020B0604020202020204" pitchFamily="34" charset="0"/>
+        <a:buChar char="•"/>
+        <a:defRPr sz="1800" kern="1200">
+          <a:solidFill>
+            <a:schemeClr val="tx1"/>
+          </a:solidFill>
+          <a:latin typeface="+mn-lt"/>
+          <a:ea typeface="+mn-ea"/>
+          <a:cs typeface="+mn-cs"/>
+        </a:defRPr>
+      </a:lvl4pPr>
+      <a:lvl5pPr marL="2057400" indent="-228600" algn="l" defTabSz="914400" rtl="0" eaLnBrk="1" latinLnBrk="0" hangingPunct="1">
+        <a:lnSpc>
+          <a:spcPct val="90000"/>
+        </a:lnSpc>
+        <a:spcBef>
+          <a:spcPts val="500"/>
+        </a:spcBef>
+        <a:buFont typeface="Arial" panose="020B0604020202020204" pitchFamily="34" charset="0"/>
+        <a:buChar char="•"/>
+        <a:defRPr sz="1800" kern="1200">
+          <a:solidFill>
+            <a:schemeClr val="tx1"/>
+          </a:solidFill>
+          <a:latin typeface="+mn-lt"/>
+          <a:ea typeface="+mn-ea"/>
+          <a:cs typeface="+mn-cs"/>
+        </a:defRPr>
+      </a:lvl5pPr>
+      <a:lvl6pPr marL="2514600" indent="-228600" algn="l" defTabSz="914400" rtl="0" eaLnBrk="1" latinLnBrk="0" hangingPunct="1">
+        <a:lnSpc>
+          <a:spcPct val="90000"/>
+        </a:lnSpc>
+        <a:spcBef>
+          <a:spcPts val="500"/>
+        </a:spcBef>
+        <a:buFont typeface="Arial" panose="020B0604020202020204" pitchFamily="34" charset="0"/>
+        <a:buChar char="•"/>
+        <a:defRPr sz="1800" kern="1200">
+          <a:solidFill>
+            <a:schemeClr val="tx1"/>
+          </a:solidFill>
+          <a:latin typeface="+mn-lt"/>
+          <a:ea typeface="+mn-ea"/>
+          <a:cs typeface="+mn-cs"/>
+        </a:defRPr>
+      </a:lvl6pPr>
+      <a:lvl7pPr marL="2971800" indent="-228600" algn="l" defTabSz="914400" rtl="0" eaLnBrk="1" latinLnBrk="0" hangingPunct="1">
+        <a:lnSpc>
+          <a:spcPct val="90000"/>
+        </a:lnSpc>
+        <a:spcBef>
+          <a:spcPts val="500"/>
+        </a:spcBef>
+        <a:buFont typeface="Arial" panose="020B0604020202020204" pitchFamily="34" charset="0"/>
+        <a:buChar char="•"/>
+        <a:defRPr sz="1800" kern="1200">
+          <a:solidFill>
+            <a:schemeClr val="tx1"/>
+          </a:solidFill>
+          <a:latin typeface="+mn-lt"/>
+          <a:ea typeface="+mn-ea"/>
+          <a:cs typeface="+mn-cs"/>
+        </a:defRPr>
+      </a:lvl7pPr>
+      <a:lvl8pPr marL="3429000" indent="-228600" algn="l" defTabSz="914400" rtl="0" eaLnBrk="1" latinLnBrk="0" hangingPunct="1">
+        <a:lnSpc>
+          <a:spcPct val="90000"/>
+        </a:lnSpc>
+        <a:spcBef>
+          <a:spcPts val="500"/>
+        </a:spcBef>
+        <a:buFont typeface="Arial" panose="020B0604020202020204" pitchFamily="34" charset="0"/>
+        <a:buChar char="•"/>
+        <a:defRPr sz="1800" kern="1200">
+          <a:solidFill>
+            <a:schemeClr val="tx1"/>
+          </a:solidFill>
+          <a:latin typeface="+mn-lt"/>
+          <a:ea typeface="+mn-ea"/>
+          <a:cs typeface="+mn-cs"/>
+        </a:defRPr>
+      </a:lvl8pPr>
+      <a:lvl9pPr marL="3886200" indent="-228600" algn="l" defTabSz="914400" rtl="0" eaLnBrk="1" latinLnBrk="0" hangingPunct="1">
+        <a:lnSpc>
+          <a:spcPct val="90000"/>
+        </a:lnSpc>
+        <a:spcBef>
+          <a:spcPts val="500"/>
+        </a:spcBef>
+        <a:buFont typeface="Arial" panose="020B0604020202020204" pitchFamily="34" charset="0"/>
+        <a:buChar char="•"/>
+        <a:defRPr sz="1800" kern="1200">
+          <a:solidFill>
+            <a:schemeClr val="tx1"/>
+          </a:solidFill>
+          <a:latin typeface="+mn-lt"/>
+          <a:ea typeface="+mn-ea"/>
+          <a:cs typeface="+mn-cs"/>
+        </a:defRPr>
+      </a:lvl9pPr>
+    </p:bodyStyle>
+    <p:otherStyle>
+      <a:defPPr>
+        <a:defRPr lang="en-US"/>
+      </a:defPPr>
+      <a:lvl1pPr marL="0" algn="l" defTabSz="914400" rtl="0" eaLnBrk="1" latinLnBrk="0" hangingPunct="1">
+        <a:defRPr sz="1800" kern="1200">
+          <a:solidFill>
+            <a:schemeClr val="tx1"/>
+          </a:solidFill>
+          <a:latin typeface="+mn-lt"/>
+          <a:ea typeface="+mn-ea"/>
+          <a:cs typeface="+mn-cs"/>
+        </a:defRPr>
+      </a:lvl1pPr>
+      <a:lvl2pPr marL="457200" algn="l" defTabSz="914400" rtl="0" eaLnBrk="1" latinLnBrk="0" hangingPunct="1">
+        <a:defRPr sz="1800" kern="1200">
+          <a:solidFill>
+            <a:schemeClr val="tx1"/>
+          </a:solidFill>
+          <a:latin typeface="+mn-lt"/>
+          <a:ea typeface="+mn-ea"/>
+          <a:cs typeface="+mn-cs"/>
+        </a:defRPr>
+      </a:lvl2pPr>
+      <a:lvl3pPr marL="914400" algn="l" defTabSz="914400" rtl="0" eaLnBrk="1" latinLnBrk="0" hangingPunct="1">
+        <a:defRPr sz="1800" kern="1200">
+          <a:solidFill>
+            <a:schemeClr val="tx1"/>
+          </a:solidFill>
+          <a:latin typeface="+mn-lt"/>
+          <a:ea typeface="+mn-ea"/>
+          <a:cs typeface="+mn-cs"/>
+        </a:defRPr>
+      </a:lvl3pPr>
+      <a:lvl4pPr marL="1371600" algn="l" defTabSz="914400" rtl="0" eaLnBrk="1" latinLnBrk="0" hangingPunct="1">
+        <a:defRPr sz="1800" kern="1200">
+          <a:solidFill>
+            <a:schemeClr val="tx1"/>
+          </a:solidFill>
+          <a:latin typeface="+mn-lt"/>
+          <a:ea typeface="+mn-ea"/>
+          <a:cs typeface="+mn-cs"/>
+        </a:defRPr>
+      </a:lvl4pPr>
+      <a:lvl5pPr marL="1828800" algn="l" defTabSz="914400" rtl="0" eaLnBrk="1" latinLnBrk="0" hangingPunct="1">
+        <a:defRPr sz="1800" kern="1200">
+          <a:solidFill>
+            <a:schemeClr val="tx1"/>
+          </a:solidFill>
+          <a:latin typeface="+mn-lt"/>
+          <a:ea typeface="+mn-ea"/>
+          <a:cs typeface="+mn-cs"/>
+        </a:defRPr>
+      </a:lvl5pPr>
+      <a:lvl6pPr marL="2286000" algn="l" defTabSz="914400" rtl="0" eaLnBrk="1" latinLnBrk="0" hangingPunct="1">
+        <a:defRPr sz="1800" kern="1200">
+          <a:solidFill>
+            <a:schemeClr val="tx1"/>
+          </a:solidFill>
+          <a:latin typeface="+mn-lt"/>
+          <a:ea typeface="+mn-ea"/>
+          <a:cs typeface="+mn-cs"/>
+        </a:defRPr>
+      </a:lvl6pPr>
+      <a:lvl7pPr marL="2743200" algn="l" defTabSz="914400" rtl="0" eaLnBrk="1" latinLnBrk="0" hangingPunct="1">
+        <a:defRPr sz="1800" kern="1200">
+          <a:solidFill>
+            <a:schemeClr val="tx1"/>
+          </a:solidFill>
+          <a:latin typeface="+mn-lt"/>
+          <a:ea typeface="+mn-ea"/>
+          <a:cs typeface="+mn-cs"/>
+        </a:defRPr>
+      </a:lvl7pPr>
+      <a:lvl8pPr marL="3200400" algn="l" defTabSz="914400" rtl="0" eaLnBrk="1" latinLnBrk="0" hangingPunct="1">
+        <a:defRPr sz="1800" kern="1200">
+          <a:solidFill>
+            <a:schemeClr val="tx1"/>
+          </a:solidFill>
+          <a:latin typeface="+mn-lt"/>
+          <a:ea typeface="+mn-ea"/>
+          <a:cs typeface="+mn-cs"/>
+        </a:defRPr>
+      </a:lvl8pPr>
+      <a:lvl9pPr marL="3657600" algn="l" defTabSz="914400" rtl="0" eaLnBrk="1" latinLnBrk="0" hangingPunct="1">
+        <a:defRPr sz="1800" kern="1200">
+          <a:solidFill>
+            <a:schemeClr val="tx1"/>
+          </a:solidFill>
+          <a:latin typeface="+mn-lt"/>
+          <a:ea typeface="+mn-ea"/>
+          <a:cs typeface="+mn-cs"/>
+        </a:defRPr>
+      </a:lvl9pPr>
+    </p:otherStyle>
+  </p:txStyles>
 </p:sldMaster>
 </file>
 
 <file path=ppt/slides/slide1.xml><?xml version="1.0" encoding="utf-8"?>
-<p:sld xmlns:a="http://schemas.openxmlformats.org/drawingml/2006/main" xmlns:p="http://schemas.openxmlformats.org/presentationml/2006/main" xmlns:r="http://schemas.openxmlformats.org/officeDocument/2006/relationships">
+<p:sld xmlns:a="http://schemas.openxmlformats.org/drawingml/2006/main" xmlns:r="http://schemas.openxmlformats.org/officeDocument/2006/relationships" xmlns:p="http://schemas.openxmlformats.org/presentationml/2006/main">
   <p:cSld>
     <p:bg>
       <p:bgPr>
         <a:solidFill>
-          <a:srgbClr val="ffffff"/>
+          <a:srgbClr val="FFFFFF"/>
         </a:solidFill>
+        <a:effectLst/>
       </p:bgPr>
     </p:bg>
     <p:spTree>
@@ -2688,11 +3487,14 @@
       </p:grpSpPr>
     </p:spTree>
   </p:cSld>
+  <p:clrMapOvr>
+    <a:masterClrMapping/>
+  </p:clrMapOvr>
 </p:sld>
 </file>
 
 <file path=ppt/slides/slide2.xml><?xml version="1.0" encoding="utf-8"?>
-<p:sld xmlns:a="http://schemas.openxmlformats.org/drawingml/2006/main" xmlns:p="http://schemas.openxmlformats.org/presentationml/2006/main" xmlns:r="http://schemas.openxmlformats.org/officeDocument/2006/relationships">
+<p:sld xmlns:a="http://schemas.openxmlformats.org/drawingml/2006/main" xmlns:r="http://schemas.openxmlformats.org/officeDocument/2006/relationships" xmlns:p="http://schemas.openxmlformats.org/presentationml/2006/main">
   <p:cSld>
     <p:spTree>
       <p:nvGrpSpPr>
@@ -2724,7 +3526,8 @@
           </a:prstGeom>
         </p:spPr>
         <p:txBody>
-          <a:bodyPr anchor="ctr" bIns="45000" lIns="90000" rIns="90000" tIns="45000"/>
+          <a:bodyPr lIns="90000" tIns="45000" rIns="90000" bIns="45000" anchor="ctr"/>
+          <a:lstStyle/>
           <a:p>
             <a:pPr>
               <a:lnSpc>
@@ -2760,7 +3563,8 @@
           </a:prstGeom>
         </p:spPr>
         <p:txBody>
-          <a:bodyPr bIns="45000" lIns="90000" rIns="90000" tIns="45000"/>
+          <a:bodyPr lIns="90000" tIns="45000" rIns="90000" bIns="45000"/>
+          <a:lstStyle/>
           <a:p>
             <a:pPr>
               <a:lnSpc>
@@ -2860,24 +3664,31 @@
       </p:sp>
     </p:spTree>
   </p:cSld>
+  <p:clrMapOvr>
+    <a:masterClrMapping/>
+  </p:clrMapOvr>
   <p:timing>
     <p:tnLst>
       <p:par>
-        <p:cTn dur="indefinite" id="1" nodeType="tmRoot" restart="never">
+        <p:cTn id="1" dur="indefinite" restart="never" nodeType="tmRoot">
           <p:childTnLst>
             <p:seq>
               <p:cTn id="2" nodeType="mainSeq">
-                <p:childTnLst/>
+                <p:childTnLst>
+                  <p:par>
+                    <p:cTn id="3"/>
+                  </p:par>
+                </p:childTnLst>
               </p:cTn>
               <p:prevCondLst>
-                <p:cond delay="0" evt="onPrev">
+                <p:cond evt="onPrev" delay="0">
                   <p:tgtEl>
                     <p:sldTgt/>
                   </p:tgtEl>
                 </p:cond>
               </p:prevCondLst>
               <p:nextCondLst>
-                <p:cond delay="0" evt="onNext">
+                <p:cond evt="onNext" delay="0">
                   <p:tgtEl>
                     <p:sldTgt/>
                   </p:tgtEl>
@@ -2893,7 +3704,7 @@
 </file>
 
 <file path=ppt/slides/slide3.xml><?xml version="1.0" encoding="utf-8"?>
-<p:sld xmlns:a="http://schemas.openxmlformats.org/drawingml/2006/main" xmlns:p="http://schemas.openxmlformats.org/presentationml/2006/main" xmlns:r="http://schemas.openxmlformats.org/officeDocument/2006/relationships">
+<p:sld xmlns:a="http://schemas.openxmlformats.org/drawingml/2006/main" xmlns:r="http://schemas.openxmlformats.org/officeDocument/2006/relationships" xmlns:p="http://schemas.openxmlformats.org/presentationml/2006/main">
   <p:cSld>
     <p:spTree>
       <p:nvGrpSpPr>
@@ -2925,7 +3736,8 @@
           </a:prstGeom>
         </p:spPr>
         <p:txBody>
-          <a:bodyPr anchor="ctr" bIns="45000" lIns="90000" rIns="90000" tIns="45000"/>
+          <a:bodyPr lIns="90000" tIns="45000" rIns="90000" bIns="45000" anchor="ctr"/>
+          <a:lstStyle/>
           <a:p>
             <a:pPr>
               <a:lnSpc>
@@ -2961,7 +3773,8 @@
           </a:prstGeom>
         </p:spPr>
         <p:txBody>
-          <a:bodyPr bIns="45000" lIns="90000" rIns="90000" tIns="45000"/>
+          <a:bodyPr lIns="90000" tIns="45000" rIns="90000" bIns="45000"/>
+          <a:lstStyle/>
           <a:p>
             <a:pPr>
               <a:lnSpc>
@@ -2991,7 +3804,7 @@
                   <a:srgbClr val="666666"/>
                 </a:solidFill>
                 <a:latin typeface="Steagal Light"/>
-                <a:hlinkClick r:id="rId1"/>
+                <a:hlinkClick r:id="rId2"/>
               </a:rPr>
               <a:t>https://github.com/ScottLogic/scott-logic-hackathon</a:t>
             </a:r>
@@ -3017,12 +3830,12 @@
       </p:sp>
       <p:pic>
         <p:nvPicPr>
-          <p:cNvPr descr="" id="75" name=""/>
+          <p:cNvPr id="75" name="Picture 74"/>
           <p:cNvPicPr/>
           <p:nvPr/>
         </p:nvPicPr>
         <p:blipFill>
-          <a:blip r:embed="rId2"/>
+          <a:blip r:embed="rId3"/>
           <a:stretch>
             <a:fillRect/>
           </a:stretch>
@@ -3039,24 +3852,31 @@
       </p:pic>
     </p:spTree>
   </p:cSld>
+  <p:clrMapOvr>
+    <a:masterClrMapping/>
+  </p:clrMapOvr>
   <p:timing>
     <p:tnLst>
       <p:par>
-        <p:cTn dur="indefinite" id="3" nodeType="tmRoot" restart="never">
+        <p:cTn id="1" dur="indefinite" restart="never" nodeType="tmRoot">
           <p:childTnLst>
             <p:seq>
-              <p:cTn id="4" nodeType="mainSeq">
-                <p:childTnLst/>
+              <p:cTn id="2" nodeType="mainSeq">
+                <p:childTnLst>
+                  <p:par>
+                    <p:cTn id="3"/>
+                  </p:par>
+                </p:childTnLst>
               </p:cTn>
               <p:prevCondLst>
-                <p:cond delay="0" evt="onPrev">
+                <p:cond evt="onPrev" delay="0">
                   <p:tgtEl>
                     <p:sldTgt/>
                   </p:tgtEl>
                 </p:cond>
               </p:prevCondLst>
               <p:nextCondLst>
-                <p:cond delay="0" evt="onNext">
+                <p:cond evt="onNext" delay="0">
                   <p:tgtEl>
                     <p:sldTgt/>
                   </p:tgtEl>
@@ -3072,7 +3892,7 @@
 </file>
 
 <file path=ppt/slides/slide4.xml><?xml version="1.0" encoding="utf-8"?>
-<p:sld xmlns:a="http://schemas.openxmlformats.org/drawingml/2006/main" xmlns:p="http://schemas.openxmlformats.org/presentationml/2006/main" xmlns:r="http://schemas.openxmlformats.org/officeDocument/2006/relationships">
+<p:sld xmlns:a="http://schemas.openxmlformats.org/drawingml/2006/main" xmlns:r="http://schemas.openxmlformats.org/officeDocument/2006/relationships" xmlns:p="http://schemas.openxmlformats.org/presentationml/2006/main">
   <p:cSld>
     <p:spTree>
       <p:nvGrpSpPr>
@@ -3104,7 +3924,8 @@
           </a:prstGeom>
         </p:spPr>
         <p:txBody>
-          <a:bodyPr anchor="ctr" bIns="45000" lIns="90000" rIns="90000" tIns="45000"/>
+          <a:bodyPr lIns="90000" tIns="45000" rIns="90000" bIns="45000" anchor="ctr"/>
+          <a:lstStyle/>
           <a:p>
             <a:pPr>
               <a:lnSpc>
@@ -3140,7 +3961,8 @@
           </a:prstGeom>
         </p:spPr>
         <p:txBody>
-          <a:bodyPr bIns="45000" lIns="90000" rIns="90000" tIns="45000"/>
+          <a:bodyPr lIns="90000" tIns="45000" rIns="90000" bIns="45000"/>
+          <a:lstStyle/>
           <a:p>
             <a:pPr>
               <a:lnSpc>
@@ -3196,8 +4018,24 @@
                 </a:solidFill>
                 <a:latin typeface="Courier New"/>
               </a:rPr>
-              <a:t>    </a:t>
-            </a:r>
+              <a:t>    DailyOutput output;</a:t>
+            </a:r>
+            <a:endParaRPr/>
+          </a:p>
+          <a:p>
+            <a:pPr>
+              <a:lnSpc>
+                <a:spcPct val="90000"/>
+              </a:lnSpc>
+            </a:pPr>
+            <a:endParaRPr/>
+          </a:p>
+          <a:p>
+            <a:pPr>
+              <a:lnSpc>
+                <a:spcPct val="90000"/>
+              </a:lnSpc>
+            </a:pPr>
             <a:r>
               <a:rPr lang="en-US" sz="1600">
                 <a:solidFill>
@@ -3205,16 +4043,8 @@
                 </a:solidFill>
                 <a:latin typeface="Courier New"/>
               </a:rPr>
-              <a:t>DailyOutput output;</a:t>
-            </a:r>
-            <a:endParaRPr/>
-          </a:p>
-          <a:p>
-            <a:pPr>
-              <a:lnSpc>
-                <a:spcPct val="90000"/>
-              </a:lnSpc>
-            </a:pPr>
+              <a:t>    //Alternate between “buy all” and “sell all”</a:t>
+            </a:r>
             <a:endParaRPr/>
           </a:p>
           <a:p>
@@ -3230,8 +4060,16 @@
                 </a:solidFill>
                 <a:latin typeface="Courier New"/>
               </a:rPr>
-              <a:t>    </a:t>
-            </a:r>
+              <a:t>    if (input.getDay() % 2 == 0) {</a:t>
+            </a:r>
+            <a:endParaRPr/>
+          </a:p>
+          <a:p>
+            <a:pPr>
+              <a:lnSpc>
+                <a:spcPct val="90000"/>
+              </a:lnSpc>
+            </a:pPr>
             <a:r>
               <a:rPr lang="en-US" sz="1600">
                 <a:solidFill>
@@ -3239,7 +4077,7 @@
                 </a:solidFill>
                 <a:latin typeface="Courier New"/>
               </a:rPr>
-              <a:t>//Alternate between “buy all” and “sell all”</a:t>
+              <a:t>        output = tradingManager.buyMaxNumberOfShares(input);</a:t>
             </a:r>
             <a:endParaRPr/>
           </a:p>
@@ -3256,8 +4094,16 @@
                 </a:solidFill>
                 <a:latin typeface="Courier New"/>
               </a:rPr>
-              <a:t>    </a:t>
-            </a:r>
+              <a:t>    } else {</a:t>
+            </a:r>
+            <a:endParaRPr/>
+          </a:p>
+          <a:p>
+            <a:pPr>
+              <a:lnSpc>
+                <a:spcPct val="90000"/>
+              </a:lnSpc>
+            </a:pPr>
             <a:r>
               <a:rPr lang="en-US" sz="1600">
                 <a:solidFill>
@@ -3265,7 +4111,7 @@
                 </a:solidFill>
                 <a:latin typeface="Courier New"/>
               </a:rPr>
-              <a:t>if (input.getDay() % 2 == 0) {</a:t>
+              <a:t>        output = tradingManager.sellAllShares(input);</a:t>
             </a:r>
             <a:endParaRPr/>
           </a:p>
@@ -3282,8 +4128,24 @@
                 </a:solidFill>
                 <a:latin typeface="Courier New"/>
               </a:rPr>
-              <a:t>        </a:t>
-            </a:r>
+              <a:t>    }</a:t>
+            </a:r>
+            <a:endParaRPr/>
+          </a:p>
+          <a:p>
+            <a:pPr>
+              <a:lnSpc>
+                <a:spcPct val="90000"/>
+              </a:lnSpc>
+            </a:pPr>
+            <a:endParaRPr/>
+          </a:p>
+          <a:p>
+            <a:pPr>
+              <a:lnSpc>
+                <a:spcPct val="90000"/>
+              </a:lnSpc>
+            </a:pPr>
             <a:r>
               <a:rPr lang="en-US" sz="1600">
                 <a:solidFill>
@@ -3291,7 +4153,7 @@
                 </a:solidFill>
                 <a:latin typeface="Courier New"/>
               </a:rPr>
-              <a:t>output = tradingManager.buyMaxNumberOfShares(input);</a:t>
+              <a:t>    return output;</a:t>
             </a:r>
             <a:endParaRPr/>
           </a:p>
@@ -3301,67 +4163,6 @@
                 <a:spcPct val="90000"/>
               </a:lnSpc>
             </a:pPr>
-            <a:r>
-              <a:rPr lang="en-US" sz="1600">
-                <a:solidFill>
-                  <a:srgbClr val="666666"/>
-                </a:solidFill>
-                <a:latin typeface="Courier New"/>
-              </a:rPr>
-              <a:t>    </a:t>
-            </a:r>
-            <a:r>
-              <a:rPr lang="en-US" sz="1600">
-                <a:solidFill>
-                  <a:srgbClr val="666666"/>
-                </a:solidFill>
-                <a:latin typeface="Courier New"/>
-              </a:rPr>
-              <a:t>} else {</a:t>
-            </a:r>
-            <a:endParaRPr/>
-          </a:p>
-          <a:p>
-            <a:pPr>
-              <a:lnSpc>
-                <a:spcPct val="90000"/>
-              </a:lnSpc>
-            </a:pPr>
-            <a:r>
-              <a:rPr lang="en-US" sz="1600">
-                <a:solidFill>
-                  <a:srgbClr val="666666"/>
-                </a:solidFill>
-                <a:latin typeface="Courier New"/>
-              </a:rPr>
-              <a:t>        </a:t>
-            </a:r>
-            <a:r>
-              <a:rPr lang="en-US" sz="1600">
-                <a:solidFill>
-                  <a:srgbClr val="666666"/>
-                </a:solidFill>
-                <a:latin typeface="Courier New"/>
-              </a:rPr>
-              <a:t>output = tradingManager.sellAllShares(input);</a:t>
-            </a:r>
-            <a:endParaRPr/>
-          </a:p>
-          <a:p>
-            <a:pPr>
-              <a:lnSpc>
-                <a:spcPct val="90000"/>
-              </a:lnSpc>
-            </a:pPr>
-            <a:r>
-              <a:rPr lang="en-US" sz="1600">
-                <a:solidFill>
-                  <a:srgbClr val="666666"/>
-                </a:solidFill>
-                <a:latin typeface="Courier New"/>
-              </a:rPr>
-              <a:t>    </a:t>
-            </a:r>
             <a:r>
               <a:rPr lang="en-US" sz="1600">
                 <a:solidFill>
@@ -3387,81 +4188,37 @@
                 <a:spcPct val="90000"/>
               </a:lnSpc>
             </a:pPr>
-            <a:r>
-              <a:rPr lang="en-US" sz="1600">
-                <a:solidFill>
-                  <a:srgbClr val="666666"/>
-                </a:solidFill>
-                <a:latin typeface="Courier New"/>
-              </a:rPr>
-              <a:t>    </a:t>
-            </a:r>
-            <a:r>
-              <a:rPr lang="en-US" sz="1600">
-                <a:solidFill>
-                  <a:srgbClr val="666666"/>
-                </a:solidFill>
-                <a:latin typeface="Courier New"/>
-              </a:rPr>
-              <a:t>return output;</a:t>
-            </a:r>
-            <a:endParaRPr/>
-          </a:p>
-          <a:p>
-            <a:pPr>
-              <a:lnSpc>
-                <a:spcPct val="90000"/>
-              </a:lnSpc>
-            </a:pPr>
-            <a:r>
-              <a:rPr lang="en-US" sz="1600">
-                <a:solidFill>
-                  <a:srgbClr val="666666"/>
-                </a:solidFill>
-                <a:latin typeface="Courier New"/>
-              </a:rPr>
-              <a:t>}</a:t>
-            </a:r>
-            <a:endParaRPr/>
-          </a:p>
-          <a:p>
-            <a:pPr>
-              <a:lnSpc>
-                <a:spcPct val="90000"/>
-              </a:lnSpc>
-            </a:pPr>
-            <a:endParaRPr/>
-          </a:p>
-          <a:p>
-            <a:pPr>
-              <a:lnSpc>
-                <a:spcPct val="90000"/>
-              </a:lnSpc>
-            </a:pPr>
             <a:endParaRPr/>
           </a:p>
         </p:txBody>
       </p:sp>
     </p:spTree>
   </p:cSld>
+  <p:clrMapOvr>
+    <a:masterClrMapping/>
+  </p:clrMapOvr>
   <p:timing>
     <p:tnLst>
       <p:par>
-        <p:cTn dur="indefinite" id="5" nodeType="tmRoot" restart="never">
+        <p:cTn id="1" dur="indefinite" restart="never" nodeType="tmRoot">
           <p:childTnLst>
             <p:seq>
-              <p:cTn id="6" nodeType="mainSeq">
-                <p:childTnLst/>
+              <p:cTn id="2" nodeType="mainSeq">
+                <p:childTnLst>
+                  <p:par>
+                    <p:cTn id="3"/>
+                  </p:par>
+                </p:childTnLst>
               </p:cTn>
               <p:prevCondLst>
-                <p:cond delay="0" evt="onPrev">
+                <p:cond evt="onPrev" delay="0">
                   <p:tgtEl>
                     <p:sldTgt/>
                   </p:tgtEl>
                 </p:cond>
               </p:prevCondLst>
               <p:nextCondLst>
-                <p:cond delay="0" evt="onNext">
+                <p:cond evt="onNext" delay="0">
                   <p:tgtEl>
                     <p:sldTgt/>
                   </p:tgtEl>
@@ -3477,7 +4234,7 @@
 </file>
 
 <file path=ppt/slides/slide5.xml><?xml version="1.0" encoding="utf-8"?>
-<p:sld xmlns:a="http://schemas.openxmlformats.org/drawingml/2006/main" xmlns:p="http://schemas.openxmlformats.org/presentationml/2006/main" xmlns:r="http://schemas.openxmlformats.org/officeDocument/2006/relationships">
+<p:sld xmlns:a="http://schemas.openxmlformats.org/drawingml/2006/main" xmlns:r="http://schemas.openxmlformats.org/officeDocument/2006/relationships" xmlns:p="http://schemas.openxmlformats.org/presentationml/2006/main">
   <p:cSld>
     <p:spTree>
       <p:nvGrpSpPr>
@@ -3495,7 +4252,7 @@
       </p:grpSpPr>
       <p:sp>
         <p:nvSpPr>
-          <p:cNvPr id="78" name="CustomShape 1"/>
+          <p:cNvPr id="5" name="CustomShape 1"/>
           <p:cNvSpPr/>
           <p:nvPr/>
         </p:nvSpPr>
@@ -3509,7 +4266,8 @@
           </a:prstGeom>
         </p:spPr>
         <p:txBody>
-          <a:bodyPr anchor="ctr" bIns="45000" lIns="90000" rIns="90000" tIns="45000"/>
+          <a:bodyPr lIns="90000" tIns="45000" rIns="90000" bIns="45000" anchor="ctr"/>
+          <a:lstStyle/>
           <a:p>
             <a:pPr>
               <a:lnSpc>
@@ -3517,7 +4275,297 @@
               </a:lnSpc>
             </a:pPr>
             <a:r>
-              <a:rPr lang="en-US" sz="4400">
+              <a:rPr lang="en-US" sz="4400" dirty="0" smtClean="0">
+                <a:solidFill>
+                  <a:srgbClr val="666666"/>
+                </a:solidFill>
+                <a:latin typeface="Steagal Light"/>
+              </a:rPr>
+              <a:t>Schedule</a:t>
+            </a:r>
+            <a:endParaRPr dirty="0"/>
+          </a:p>
+        </p:txBody>
+      </p:sp>
+      <p:sp>
+        <p:nvSpPr>
+          <p:cNvPr id="6" name="CustomShape 2"/>
+          <p:cNvSpPr/>
+          <p:nvPr/>
+        </p:nvSpPr>
+        <p:spPr>
+          <a:xfrm>
+            <a:off x="692640" y="2012400"/>
+            <a:ext cx="8692920" cy="4179600"/>
+          </a:xfrm>
+          <a:prstGeom prst="rect">
+            <a:avLst/>
+          </a:prstGeom>
+        </p:spPr>
+        <p:txBody>
+          <a:bodyPr lIns="90000" tIns="45000" rIns="90000" bIns="45000"/>
+          <a:lstStyle/>
+          <a:p>
+            <a:pPr>
+              <a:lnSpc>
+                <a:spcPct val="90000"/>
+              </a:lnSpc>
+              <a:buFont typeface="Arial"/>
+              <a:buChar char="•"/>
+            </a:pPr>
+            <a:r>
+              <a:rPr lang="en-GB" sz="2800" dirty="0">
+                <a:solidFill>
+                  <a:srgbClr val="666666"/>
+                </a:solidFill>
+                <a:latin typeface="Steagal Light"/>
+              </a:rPr>
+              <a:t> </a:t>
+            </a:r>
+            <a:r>
+              <a:rPr lang="en-GB" sz="2800" dirty="0" smtClean="0">
+                <a:solidFill>
+                  <a:srgbClr val="666666"/>
+                </a:solidFill>
+                <a:latin typeface="Steagal Light"/>
+              </a:rPr>
+              <a:t>4:00 – Kick off!</a:t>
+            </a:r>
+          </a:p>
+          <a:p>
+            <a:pPr>
+              <a:lnSpc>
+                <a:spcPct val="90000"/>
+              </a:lnSpc>
+              <a:buFont typeface="Arial"/>
+              <a:buChar char="•"/>
+            </a:pPr>
+            <a:endParaRPr lang="en-GB" sz="2800" dirty="0" smtClean="0">
+              <a:solidFill>
+                <a:srgbClr val="666666"/>
+              </a:solidFill>
+              <a:latin typeface="Steagal Light"/>
+            </a:endParaRPr>
+          </a:p>
+          <a:p>
+            <a:pPr>
+              <a:lnSpc>
+                <a:spcPct val="90000"/>
+              </a:lnSpc>
+              <a:buFont typeface="Arial"/>
+              <a:buChar char="•"/>
+            </a:pPr>
+            <a:r>
+              <a:rPr lang="en-GB" sz="2800" dirty="0" smtClean="0">
+                <a:solidFill>
+                  <a:srgbClr val="666666"/>
+                </a:solidFill>
+                <a:latin typeface="Steagal Light"/>
+              </a:rPr>
+              <a:t> 4:15 – Start Coding</a:t>
+            </a:r>
+          </a:p>
+          <a:p>
+            <a:pPr>
+              <a:lnSpc>
+                <a:spcPct val="90000"/>
+              </a:lnSpc>
+              <a:buFont typeface="Arial"/>
+              <a:buChar char="•"/>
+            </a:pPr>
+            <a:endParaRPr lang="en-GB" sz="2800" dirty="0" smtClean="0">
+              <a:solidFill>
+                <a:srgbClr val="666666"/>
+              </a:solidFill>
+              <a:latin typeface="Steagal Light"/>
+            </a:endParaRPr>
+          </a:p>
+          <a:p>
+            <a:pPr>
+              <a:lnSpc>
+                <a:spcPct val="90000"/>
+              </a:lnSpc>
+              <a:buFont typeface="Arial"/>
+              <a:buChar char="•"/>
+            </a:pPr>
+            <a:r>
+              <a:rPr lang="en-GB" sz="2800" dirty="0">
+                <a:solidFill>
+                  <a:srgbClr val="666666"/>
+                </a:solidFill>
+                <a:latin typeface="Steagal Light"/>
+              </a:rPr>
+              <a:t> </a:t>
+            </a:r>
+            <a:r>
+              <a:rPr lang="en-GB" sz="2800" dirty="0" smtClean="0">
+                <a:solidFill>
+                  <a:srgbClr val="666666"/>
+                </a:solidFill>
+                <a:latin typeface="Steagal Light"/>
+              </a:rPr>
+              <a:t>6:15 – Hand in answers to Challenges</a:t>
+            </a:r>
+          </a:p>
+          <a:p>
+            <a:pPr>
+              <a:lnSpc>
+                <a:spcPct val="90000"/>
+              </a:lnSpc>
+              <a:buFont typeface="Arial"/>
+              <a:buChar char="•"/>
+            </a:pPr>
+            <a:endParaRPr lang="en-GB" sz="2800" dirty="0" smtClean="0">
+              <a:solidFill>
+                <a:srgbClr val="666666"/>
+              </a:solidFill>
+              <a:latin typeface="Steagal Light"/>
+            </a:endParaRPr>
+          </a:p>
+          <a:p>
+            <a:pPr>
+              <a:lnSpc>
+                <a:spcPct val="90000"/>
+              </a:lnSpc>
+              <a:buFont typeface="Arial"/>
+              <a:buChar char="•"/>
+            </a:pPr>
+            <a:r>
+              <a:rPr lang="en-GB" sz="2800" dirty="0">
+                <a:solidFill>
+                  <a:srgbClr val="666666"/>
+                </a:solidFill>
+                <a:latin typeface="Steagal Light"/>
+              </a:rPr>
+              <a:t> </a:t>
+            </a:r>
+            <a:r>
+              <a:rPr lang="en-GB" sz="2800" dirty="0" smtClean="0">
+                <a:solidFill>
+                  <a:srgbClr val="666666"/>
+                </a:solidFill>
+                <a:latin typeface="Steagal Light"/>
+              </a:rPr>
+              <a:t>6:45 – Hand </a:t>
+            </a:r>
+            <a:r>
+              <a:rPr lang="en-GB" sz="2800" smtClean="0">
+                <a:solidFill>
+                  <a:srgbClr val="666666"/>
+                </a:solidFill>
+                <a:latin typeface="Steagal Light"/>
+              </a:rPr>
+              <a:t>in Code</a:t>
+            </a:r>
+          </a:p>
+          <a:p>
+            <a:pPr>
+              <a:lnSpc>
+                <a:spcPct val="90000"/>
+              </a:lnSpc>
+              <a:buFont typeface="Arial"/>
+              <a:buChar char="•"/>
+            </a:pPr>
+            <a:endParaRPr lang="en-GB" sz="2800" dirty="0" smtClean="0">
+              <a:solidFill>
+                <a:srgbClr val="666666"/>
+              </a:solidFill>
+              <a:latin typeface="Steagal Light"/>
+            </a:endParaRPr>
+          </a:p>
+          <a:p>
+            <a:pPr>
+              <a:lnSpc>
+                <a:spcPct val="90000"/>
+              </a:lnSpc>
+              <a:buFont typeface="Arial"/>
+              <a:buChar char="•"/>
+            </a:pPr>
+            <a:r>
+              <a:rPr lang="en-GB" sz="2800" dirty="0">
+                <a:solidFill>
+                  <a:srgbClr val="666666"/>
+                </a:solidFill>
+                <a:latin typeface="Steagal Light"/>
+              </a:rPr>
+              <a:t> </a:t>
+            </a:r>
+            <a:r>
+              <a:rPr lang="en-GB" sz="2800" dirty="0" smtClean="0">
+                <a:solidFill>
+                  <a:srgbClr val="666666"/>
+                </a:solidFill>
+                <a:latin typeface="Steagal Light"/>
+              </a:rPr>
+              <a:t>7:00 – Judging and Prizes</a:t>
+            </a:r>
+            <a:endParaRPr dirty="0"/>
+          </a:p>
+        </p:txBody>
+      </p:sp>
+    </p:spTree>
+    <p:extLst>
+      <p:ext uri="{BB962C8B-B14F-4D97-AF65-F5344CB8AC3E}">
+        <p14:creationId xmlns:p14="http://schemas.microsoft.com/office/powerpoint/2010/main" val="2386903395"/>
+      </p:ext>
+    </p:extLst>
+  </p:cSld>
+  <p:clrMapOvr>
+    <a:masterClrMapping/>
+  </p:clrMapOvr>
+  <p:timing>
+    <p:tnLst>
+      <p:par>
+        <p:cTn id="1" dur="indefinite" restart="never" nodeType="tmRoot"/>
+      </p:par>
+    </p:tnLst>
+  </p:timing>
+</p:sld>
+</file>
+
+<file path=ppt/slides/slide6.xml><?xml version="1.0" encoding="utf-8"?>
+<p:sld xmlns:a="http://schemas.openxmlformats.org/drawingml/2006/main" xmlns:r="http://schemas.openxmlformats.org/officeDocument/2006/relationships" xmlns:p="http://schemas.openxmlformats.org/presentationml/2006/main">
+  <p:cSld>
+    <p:spTree>
+      <p:nvGrpSpPr>
+        <p:cNvPr id="1" name=""/>
+        <p:cNvGrpSpPr/>
+        <p:nvPr/>
+      </p:nvGrpSpPr>
+      <p:grpSpPr>
+        <a:xfrm>
+          <a:off x="0" y="0"/>
+          <a:ext cx="0" cy="0"/>
+          <a:chOff x="0" y="0"/>
+          <a:chExt cx="0" cy="0"/>
+        </a:xfrm>
+      </p:grpSpPr>
+      <p:sp>
+        <p:nvSpPr>
+          <p:cNvPr id="78" name="CustomShape 1"/>
+          <p:cNvSpPr/>
+          <p:nvPr/>
+        </p:nvSpPr>
+        <p:spPr>
+          <a:xfrm>
+            <a:off x="692640" y="402120"/>
+            <a:ext cx="8692920" cy="1460160"/>
+          </a:xfrm>
+          <a:prstGeom prst="rect">
+            <a:avLst/>
+          </a:prstGeom>
+        </p:spPr>
+        <p:txBody>
+          <a:bodyPr lIns="90000" tIns="45000" rIns="90000" bIns="45000" anchor="ctr"/>
+          <a:lstStyle/>
+          <a:p>
+            <a:pPr>
+              <a:lnSpc>
+                <a:spcPct val="90000"/>
+              </a:lnSpc>
+            </a:pPr>
+            <a:r>
+              <a:rPr lang="en-US" sz="4400" dirty="0">
                 <a:solidFill>
                   <a:srgbClr val="666666"/>
                 </a:solidFill>
@@ -3525,7 +4573,7 @@
               </a:rPr>
               <a:t>Submitting your solution</a:t>
             </a:r>
-            <a:endParaRPr/>
+            <a:endParaRPr dirty="0"/>
           </a:p>
         </p:txBody>
       </p:sp>
@@ -3545,7 +4593,8 @@
           </a:prstGeom>
         </p:spPr>
         <p:txBody>
-          <a:bodyPr bIns="45000" lIns="90000" rIns="90000" tIns="45000"/>
+          <a:bodyPr lIns="90000" tIns="45000" rIns="90000" bIns="45000"/>
+          <a:lstStyle/>
           <a:p>
             <a:pPr>
               <a:lnSpc>
@@ -3555,7 +4604,7 @@
               <a:buChar char="•"/>
             </a:pPr>
             <a:r>
-              <a:rPr lang="en-US" sz="2800">
+              <a:rPr lang="en-US" sz="2800" dirty="0">
                 <a:solidFill>
                   <a:srgbClr val="666666"/>
                 </a:solidFill>
@@ -3564,16 +4613,16 @@
               <a:t>Email your TradingStrategy.java and any associated classes to </a:t>
             </a:r>
             <a:r>
-              <a:rPr lang="en-US" sz="2800">
+              <a:rPr lang="en-US" sz="2800" dirty="0">
                 <a:solidFill>
                   <a:srgbClr val="666666"/>
                 </a:solidFill>
                 <a:latin typeface="Steagal Light"/>
-                <a:hlinkClick r:id="rId1"/>
+                <a:hlinkClick r:id="rId2"/>
               </a:rPr>
               <a:t>tkelly@scottlogic.com</a:t>
             </a:r>
-            <a:endParaRPr/>
+            <a:endParaRPr dirty="0"/>
           </a:p>
           <a:p>
             <a:pPr>
@@ -3582,38 +4631,63 @@
               </a:lnSpc>
             </a:pPr>
             <a:r>
-              <a:rPr lang="en-US" sz="2800">
+              <a:rPr lang="en-US" sz="2800" dirty="0">
                 <a:solidFill>
                   <a:srgbClr val="666666"/>
                 </a:solidFill>
                 <a:latin typeface="Steagal Light"/>
               </a:rPr>
-              <a:t>Keep any additional classes within the same package as TradingStrategy.</a:t>
-            </a:r>
-            <a:endParaRPr/>
+              <a:t>Keep any additional classes within the same package as </a:t>
+            </a:r>
+            <a:r>
+              <a:rPr lang="en-US" sz="2800" dirty="0" err="1">
+                <a:solidFill>
+                  <a:srgbClr val="666666"/>
+                </a:solidFill>
+                <a:latin typeface="Steagal Light"/>
+              </a:rPr>
+              <a:t>TradingStrategy</a:t>
+            </a:r>
+            <a:r>
+              <a:rPr lang="en-US" sz="2800" dirty="0">
+                <a:solidFill>
+                  <a:srgbClr val="666666"/>
+                </a:solidFill>
+                <a:latin typeface="Steagal Light"/>
+              </a:rPr>
+              <a:t>.</a:t>
+            </a:r>
+            <a:endParaRPr dirty="0"/>
           </a:p>
         </p:txBody>
       </p:sp>
     </p:spTree>
   </p:cSld>
+  <p:clrMapOvr>
+    <a:masterClrMapping/>
+  </p:clrMapOvr>
   <p:timing>
     <p:tnLst>
       <p:par>
-        <p:cTn dur="indefinite" id="7" nodeType="tmRoot" restart="never">
+        <p:cTn id="1" dur="indefinite" restart="never" nodeType="tmRoot">
           <p:childTnLst>
             <p:seq>
-              <p:cTn id="8" nodeType="mainSeq">
-                <p:childTnLst/>
+              <p:cTn id="2" nodeType="mainSeq">
+                <p:childTnLst>
+                  <p:par>
+                    <p:cTn id="3"/>
+                  </p:par>
+                </p:childTnLst>
               </p:cTn>
               <p:prevCondLst>
-                <p:cond delay="0" evt="onPrev">
+                <p:cond evt="onPrev" delay="0">
                   <p:tgtEl>
                     <p:sldTgt/>
                   </p:tgtEl>
                 </p:cond>
               </p:prevCondLst>
               <p:nextCondLst>
-                <p:cond delay="0" evt="onNext">
+                <p:cond evt="onNext" delay="0">
                   <p:tgtEl>
                     <p:sldTgt/>
                   </p:tgtEl>
@@ -3848,6 +4922,8 @@
       </a:bgFillStyleLst>
     </a:fmtScheme>
   </a:themeElements>
+  <a:objectDefaults/>
+  <a:extraClrSchemeLst/>
 </a:theme>
 </file>
 
@@ -4071,5 +5147,7 @@
       </a:bgFillStyleLst>
     </a:fmtScheme>
   </a:themeElements>
+  <a:objectDefaults/>
+  <a:extraClrSchemeLst/>
 </a:theme>
 </file>
--- a/spec/Hackathon.pptx
+++ b/spec/Hackathon.pptx
@@ -110,6 +110,11 @@
       </a:defRPr>
     </a:lvl9pPr>
   </p:defaultTextStyle>
+  <p:extLst>
+    <p:ext uri="{EFAFB233-063F-42B5-8137-9DF3F51BA10A}">
+      <p15:sldGuideLst xmlns:p15="http://schemas.microsoft.com/office/powerpoint/2012/main"/>
+    </p:ext>
+  </p:extLst>
 </p:presentation>
 </file>
 
@@ -3570,95 +3575,125 @@
               <a:lnSpc>
                 <a:spcPct val="90000"/>
               </a:lnSpc>
-              <a:buFont typeface="Arial"/>
-              <a:buChar char="•"/>
             </a:pPr>
             <a:r>
-              <a:rPr lang="en-US" sz="2800">
+              <a:rPr lang="en-US" sz="2800" dirty="0">
                 <a:solidFill>
                   <a:srgbClr val="666666"/>
                 </a:solidFill>
                 <a:latin typeface="Steagal Light"/>
               </a:rPr>
-              <a:t>Beat the stock market!</a:t>
-            </a:r>
-            <a:endParaRPr/>
+              <a:t>Beat the stock market</a:t>
+            </a:r>
+            <a:r>
+              <a:rPr lang="en-US" sz="2800" dirty="0" smtClean="0">
+                <a:solidFill>
+                  <a:srgbClr val="666666"/>
+                </a:solidFill>
+                <a:latin typeface="Steagal Light"/>
+              </a:rPr>
+              <a:t>!</a:t>
+            </a:r>
           </a:p>
           <a:p>
             <a:pPr>
               <a:lnSpc>
                 <a:spcPct val="90000"/>
               </a:lnSpc>
-              <a:buFont typeface="Arial"/>
-              <a:buChar char="•"/>
             </a:pPr>
-            <a:r>
-              <a:rPr lang="en-US" sz="2800">
-                <a:solidFill>
-                  <a:srgbClr val="666666"/>
-                </a:solidFill>
-                <a:latin typeface="Steagal Light"/>
-              </a:rPr>
-              <a:t>Given daily share prices for a company over 12 months, write an algorithm to maximise profit by buying and selling shares.</a:t>
-            </a:r>
-            <a:endParaRPr/>
+            <a:endParaRPr dirty="0"/>
           </a:p>
           <a:p>
             <a:pPr>
               <a:lnSpc>
                 <a:spcPct val="90000"/>
               </a:lnSpc>
-              <a:buFont typeface="Arial"/>
-              <a:buChar char="•"/>
             </a:pPr>
             <a:r>
-              <a:rPr lang="en-US" sz="2800">
+              <a:rPr lang="en-US" sz="2800" dirty="0" smtClean="0">
                 <a:solidFill>
                   <a:srgbClr val="666666"/>
                 </a:solidFill>
                 <a:latin typeface="Steagal Light"/>
               </a:rPr>
-              <a:t>Practice on three test companies, then we’ll run your algorithms on three unseen companies.</a:t>
-            </a:r>
-            <a:endParaRPr/>
+              <a:t>Write an algorithm to buy and sell shares for maximum profit.</a:t>
+            </a:r>
           </a:p>
           <a:p>
             <a:pPr>
               <a:lnSpc>
                 <a:spcPct val="90000"/>
               </a:lnSpc>
-              <a:buFont typeface="Arial"/>
-              <a:buChar char="•"/>
             </a:pPr>
-            <a:r>
-              <a:rPr lang="en-US" sz="2800">
-                <a:solidFill>
-                  <a:srgbClr val="666666"/>
-                </a:solidFill>
-                <a:latin typeface="Steagal Light"/>
-              </a:rPr>
-              <a:t>Increase your starting cash by solving Challenges.</a:t>
-            </a:r>
-            <a:endParaRPr/>
+            <a:endParaRPr dirty="0"/>
           </a:p>
           <a:p>
             <a:pPr>
               <a:lnSpc>
                 <a:spcPct val="90000"/>
               </a:lnSpc>
-              <a:buFont typeface="Arial"/>
-              <a:buChar char="•"/>
             </a:pPr>
             <a:r>
+              <a:rPr lang="en-US" sz="2800" dirty="0" smtClean="0">
+                <a:solidFill>
+                  <a:srgbClr val="666666"/>
+                </a:solidFill>
+                <a:latin typeface="Steagal Light"/>
+              </a:rPr>
+              <a:t>Increase </a:t>
+            </a:r>
+            <a:r>
+              <a:rPr lang="en-US" sz="2800" dirty="0">
+                <a:solidFill>
+                  <a:srgbClr val="666666"/>
+                </a:solidFill>
+                <a:latin typeface="Steagal Light"/>
+              </a:rPr>
+              <a:t>your starting cash by solving </a:t>
+            </a:r>
+            <a:r>
               <a:rPr lang="en-US" sz="2800">
                 <a:solidFill>
                   <a:srgbClr val="666666"/>
                 </a:solidFill>
                 <a:latin typeface="Steagal Light"/>
               </a:rPr>
+              <a:t>Challenges</a:t>
+            </a:r>
+            <a:r>
+              <a:rPr lang="en-US" sz="2800" smtClean="0">
+                <a:solidFill>
+                  <a:srgbClr val="666666"/>
+                </a:solidFill>
+                <a:latin typeface="Steagal Light"/>
+              </a:rPr>
+              <a:t>.</a:t>
+            </a:r>
+          </a:p>
+          <a:p>
+            <a:pPr>
+              <a:lnSpc>
+                <a:spcPct val="90000"/>
+              </a:lnSpc>
+            </a:pPr>
+            <a:endParaRPr dirty="0"/>
+          </a:p>
+          <a:p>
+            <a:pPr>
+              <a:lnSpc>
+                <a:spcPct val="90000"/>
+              </a:lnSpc>
+            </a:pPr>
+            <a:r>
+              <a:rPr lang="en-US" sz="2800" dirty="0">
+                <a:solidFill>
+                  <a:srgbClr val="666666"/>
+                </a:solidFill>
+                <a:latin typeface="Steagal Light"/>
+              </a:rPr>
               <a:t>Highest total cash wins!</a:t>
             </a:r>
-            <a:endParaRPr/>
+            <a:endParaRPr dirty="0"/>
           </a:p>
         </p:txBody>
       </p:sp>
@@ -3766,7 +3801,7 @@
         <p:spPr>
           <a:xfrm>
             <a:off x="692640" y="2012400"/>
-            <a:ext cx="9287280" cy="4179600"/>
+            <a:ext cx="7102394" cy="1101992"/>
           </a:xfrm>
           <a:prstGeom prst="rect">
             <a:avLst/>
@@ -3782,7 +3817,7 @@
               </a:lnSpc>
             </a:pPr>
             <a:r>
-              <a:rPr lang="en-US" sz="2800">
+              <a:rPr lang="en-US" sz="2800" dirty="0">
                 <a:solidFill>
                   <a:srgbClr val="666666"/>
                 </a:solidFill>
@@ -3790,7 +3825,7 @@
               </a:rPr>
               <a:t>Install from instructions on </a:t>
             </a:r>
-            <a:endParaRPr/>
+            <a:endParaRPr dirty="0"/>
           </a:p>
           <a:p>
             <a:pPr>
@@ -3799,16 +3834,51 @@
               </a:lnSpc>
             </a:pPr>
             <a:r>
-              <a:rPr lang="en-US" sz="2800" u="sng">
+              <a:rPr lang="en-US" sz="2800" u="sng" dirty="0">
                 <a:solidFill>
                   <a:srgbClr val="666666"/>
                 </a:solidFill>
                 <a:latin typeface="Steagal Light"/>
                 <a:hlinkClick r:id="rId2"/>
               </a:rPr>
-              <a:t>https://github.com/ScottLogic/scott-logic-hackathon</a:t>
-            </a:r>
-            <a:endParaRPr/>
+              <a:t>https://</a:t>
+            </a:r>
+            <a:r>
+              <a:rPr lang="en-US" sz="2800" u="sng" dirty="0" smtClean="0">
+                <a:solidFill>
+                  <a:srgbClr val="666666"/>
+                </a:solidFill>
+                <a:latin typeface="Steagal Light"/>
+                <a:hlinkClick r:id="rId2"/>
+              </a:rPr>
+              <a:t>github.com/</a:t>
+            </a:r>
+            <a:r>
+              <a:rPr lang="en-GB" sz="2800" u="sng" dirty="0" err="1" smtClean="0">
+                <a:solidFill>
+                  <a:srgbClr val="666666"/>
+                </a:solidFill>
+                <a:latin typeface="Steagal Light"/>
+                <a:hlinkClick r:id="rId2"/>
+              </a:rPr>
+              <a:t>tpkelly</a:t>
+            </a:r>
+            <a:r>
+              <a:rPr lang="en-GB" sz="2800" u="sng" dirty="0" smtClean="0">
+                <a:solidFill>
+                  <a:srgbClr val="666666"/>
+                </a:solidFill>
+                <a:latin typeface="Steagal Light"/>
+                <a:hlinkClick r:id="rId2"/>
+              </a:rPr>
+              <a:t>/Hackathon</a:t>
+            </a:r>
+            <a:endParaRPr lang="en-GB" sz="2800" u="sng" dirty="0" smtClean="0">
+              <a:solidFill>
+                <a:srgbClr val="666666"/>
+              </a:solidFill>
+              <a:latin typeface="Steagal Light"/>
+            </a:endParaRPr>
           </a:p>
           <a:p>
             <a:pPr>
@@ -3816,7 +3886,7 @@
                 <a:spcPct val="90000"/>
               </a:lnSpc>
             </a:pPr>
-            <a:endParaRPr/>
+            <a:endParaRPr dirty="0"/>
           </a:p>
           <a:p>
             <a:pPr>
@@ -3824,32 +3894,249 @@
                 <a:spcPct val="90000"/>
               </a:lnSpc>
             </a:pPr>
-            <a:endParaRPr/>
+            <a:endParaRPr dirty="0"/>
+          </a:p>
+          <a:p>
+            <a:pPr>
+              <a:lnSpc>
+                <a:spcPct val="90000"/>
+              </a:lnSpc>
+            </a:pPr>
+            <a:endParaRPr dirty="0"/>
           </a:p>
         </p:txBody>
       </p:sp>
       <p:pic>
         <p:nvPicPr>
-          <p:cNvPr id="75" name="Picture 74"/>
-          <p:cNvPicPr/>
+          <p:cNvPr id="1030" name="Picture 6" descr="Tomcat Home"/>
+          <p:cNvPicPr>
+            <a:picLocks noChangeAspect="1" noChangeArrowheads="1"/>
+          </p:cNvPicPr>
           <p:nvPr/>
         </p:nvPicPr>
         <p:blipFill>
-          <a:blip r:embed="rId3"/>
+          <a:blip r:embed="rId3">
+            <a:extLst>
+              <a:ext uri="{28A0092B-C50C-407E-A947-70E740481C1C}">
+                <a14:useLocalDpi xmlns:a14="http://schemas.microsoft.com/office/drawing/2010/main" val="0"/>
+              </a:ext>
+            </a:extLst>
+          </a:blip>
+          <a:srcRect/>
           <a:stretch>
             <a:fillRect/>
           </a:stretch>
         </p:blipFill>
-        <p:spPr>
-          <a:xfrm>
-            <a:off x="2110320" y="2972880"/>
-            <a:ext cx="5593680" cy="3075120"/>
-          </a:xfrm>
-          <a:prstGeom prst="rect">
-            <a:avLst/>
-          </a:prstGeom>
+        <p:spPr bwMode="auto">
+          <a:xfrm>
+            <a:off x="6196783" y="3509705"/>
+            <a:ext cx="1228725" cy="876300"/>
+          </a:xfrm>
+          <a:prstGeom prst="rect">
+            <a:avLst/>
+          </a:prstGeom>
+          <a:noFill/>
+          <a:extLst>
+            <a:ext uri="{909E8E84-426E-40DD-AFC4-6F175D3DCCD1}">
+              <a14:hiddenFill xmlns:a14="http://schemas.microsoft.com/office/drawing/2010/main">
+                <a:solidFill>
+                  <a:srgbClr val="FFFFFF"/>
+                </a:solidFill>
+              </a14:hiddenFill>
+            </a:ext>
+          </a:extLst>
         </p:spPr>
       </p:pic>
+      <p:pic>
+        <p:nvPicPr>
+          <p:cNvPr id="1032" name="Picture 8" descr="The Apache Software Foundation"/>
+          <p:cNvPicPr>
+            <a:picLocks noChangeAspect="1" noChangeArrowheads="1"/>
+          </p:cNvPicPr>
+          <p:nvPr/>
+        </p:nvPicPr>
+        <p:blipFill>
+          <a:blip r:embed="rId4" cstate="print">
+            <a:extLst>
+              <a:ext uri="{28A0092B-C50C-407E-A947-70E740481C1C}">
+                <a14:useLocalDpi xmlns:a14="http://schemas.microsoft.com/office/drawing/2010/main" val="0"/>
+              </a:ext>
+            </a:extLst>
+          </a:blip>
+          <a:srcRect/>
+          <a:stretch>
+            <a:fillRect/>
+          </a:stretch>
+        </p:blipFill>
+        <p:spPr bwMode="auto">
+          <a:xfrm>
+            <a:off x="6196783" y="4477268"/>
+            <a:ext cx="1455942" cy="455239"/>
+          </a:xfrm>
+          <a:prstGeom prst="rect">
+            <a:avLst/>
+          </a:prstGeom>
+          <a:noFill/>
+          <a:extLst>
+            <a:ext uri="{909E8E84-426E-40DD-AFC4-6F175D3DCCD1}">
+              <a14:hiddenFill xmlns:a14="http://schemas.microsoft.com/office/drawing/2010/main">
+                <a:solidFill>
+                  <a:srgbClr val="FFFFFF"/>
+                </a:solidFill>
+              </a14:hiddenFill>
+            </a:ext>
+          </a:extLst>
+        </p:spPr>
+      </p:pic>
+      <p:grpSp>
+        <p:nvGrpSpPr>
+          <p:cNvPr id="4" name="Group 3"/>
+          <p:cNvGrpSpPr/>
+          <p:nvPr/>
+        </p:nvGrpSpPr>
+        <p:grpSpPr>
+          <a:xfrm>
+            <a:off x="1487358" y="4058002"/>
+            <a:ext cx="2263943" cy="1243837"/>
+            <a:chOff x="1659373" y="3623627"/>
+            <a:chExt cx="2263943" cy="1243837"/>
+          </a:xfrm>
+        </p:grpSpPr>
+        <p:pic>
+          <p:nvPicPr>
+            <p:cNvPr id="1028" name="Picture 4" descr="Eclipse IDE for Java EE Developers"/>
+            <p:cNvPicPr>
+              <a:picLocks noChangeAspect="1" noChangeArrowheads="1"/>
+            </p:cNvPicPr>
+            <p:nvPr/>
+          </p:nvPicPr>
+          <p:blipFill>
+            <a:blip r:embed="rId5">
+              <a:extLst>
+                <a:ext uri="{28A0092B-C50C-407E-A947-70E740481C1C}">
+                  <a14:useLocalDpi xmlns:a14="http://schemas.microsoft.com/office/drawing/2010/main" val="0"/>
+                </a:ext>
+              </a:extLst>
+            </a:blip>
+            <a:srcRect/>
+            <a:stretch>
+              <a:fillRect/>
+            </a:stretch>
+          </p:blipFill>
+          <p:spPr bwMode="auto">
+            <a:xfrm>
+              <a:off x="2791345" y="3623627"/>
+              <a:ext cx="780621" cy="780621"/>
+            </a:xfrm>
+            <a:prstGeom prst="rect">
+              <a:avLst/>
+            </a:prstGeom>
+            <a:noFill/>
+            <a:extLst>
+              <a:ext uri="{909E8E84-426E-40DD-AFC4-6F175D3DCCD1}">
+                <a14:hiddenFill xmlns:a14="http://schemas.microsoft.com/office/drawing/2010/main">
+                  <a:solidFill>
+                    <a:srgbClr val="FFFFFF"/>
+                  </a:solidFill>
+                </a14:hiddenFill>
+              </a:ext>
+            </a:extLst>
+          </p:spPr>
+        </p:pic>
+        <p:pic>
+          <p:nvPicPr>
+            <p:cNvPr id="2" name="Picture 1"/>
+            <p:cNvPicPr>
+              <a:picLocks noChangeAspect="1"/>
+            </p:cNvPicPr>
+            <p:nvPr/>
+          </p:nvPicPr>
+          <p:blipFill>
+            <a:blip r:embed="rId6"/>
+            <a:stretch>
+              <a:fillRect/>
+            </a:stretch>
+          </p:blipFill>
+          <p:spPr>
+            <a:xfrm>
+              <a:off x="1828223" y="3623627"/>
+              <a:ext cx="885825" cy="828675"/>
+            </a:xfrm>
+            <a:prstGeom prst="rect">
+              <a:avLst/>
+            </a:prstGeom>
+          </p:spPr>
+        </p:pic>
+        <p:sp>
+          <p:nvSpPr>
+            <p:cNvPr id="3" name="TextBox 2"/>
+            <p:cNvSpPr txBox="1"/>
+            <p:nvPr/>
+          </p:nvSpPr>
+          <p:spPr>
+            <a:xfrm>
+              <a:off x="1659373" y="4498132"/>
+              <a:ext cx="2263943" cy="369332"/>
+            </a:xfrm>
+            <a:prstGeom prst="rect">
+              <a:avLst/>
+            </a:prstGeom>
+            <a:noFill/>
+          </p:spPr>
+          <p:txBody>
+            <a:bodyPr wrap="square" rtlCol="0">
+              <a:spAutoFit/>
+            </a:bodyPr>
+            <a:lstStyle/>
+            <a:p>
+              <a:pPr algn="ctr"/>
+              <a:r>
+                <a:rPr lang="en-GB" dirty="0" smtClean="0"/>
+                <a:t>Eclipse for Java EE</a:t>
+              </a:r>
+              <a:endParaRPr lang="en-US" dirty="0"/>
+            </a:p>
+          </p:txBody>
+        </p:sp>
+      </p:grpSp>
+      <p:sp>
+        <p:nvSpPr>
+          <p:cNvPr id="5" name="TextBox 4"/>
+          <p:cNvSpPr txBox="1"/>
+          <p:nvPr/>
+        </p:nvSpPr>
+        <p:spPr>
+          <a:xfrm>
+            <a:off x="5906239" y="4932507"/>
+            <a:ext cx="2037030" cy="646331"/>
+          </a:xfrm>
+          <a:prstGeom prst="rect">
+            <a:avLst/>
+          </a:prstGeom>
+          <a:noFill/>
+        </p:spPr>
+        <p:txBody>
+          <a:bodyPr wrap="square" rtlCol="0">
+            <a:spAutoFit/>
+          </a:bodyPr>
+          <a:lstStyle/>
+          <a:p>
+            <a:pPr algn="ctr"/>
+            <a:r>
+              <a:rPr lang="en-GB" dirty="0" smtClean="0"/>
+              <a:t>Apache Tomcat</a:t>
+            </a:r>
+          </a:p>
+          <a:p>
+            <a:pPr algn="ctr"/>
+            <a:r>
+              <a:rPr lang="en-GB" dirty="0" smtClean="0"/>
+              <a:t>(optional)</a:t>
+            </a:r>
+            <a:endParaRPr lang="en-US" dirty="0"/>
+          </a:p>
+        </p:txBody>
+      </p:sp>
     </p:spTree>
   </p:cSld>
   <p:clrMapOvr>
@@ -3970,15 +4257,33 @@
               </a:lnSpc>
             </a:pPr>
             <a:r>
-              <a:rPr lang="en-US" sz="2800">
+              <a:rPr lang="en-US" sz="2800" dirty="0">
                 <a:solidFill>
                   <a:srgbClr val="666666"/>
                 </a:solidFill>
                 <a:latin typeface="Steagal Light"/>
               </a:rPr>
-              <a:t>Work in src/trading/TradingStrategy.java</a:t>
-            </a:r>
-            <a:endParaRPr/>
+              <a:t>Work in </a:t>
+            </a:r>
+            <a:r>
+              <a:rPr lang="en-US" sz="2800" dirty="0" err="1">
+                <a:solidFill>
+                  <a:srgbClr val="666666"/>
+                </a:solidFill>
+                <a:latin typeface="Steagal Light"/>
+              </a:rPr>
+              <a:t>src</a:t>
+            </a:r>
+            <a:r>
+              <a:rPr lang="en-US" sz="2800" dirty="0">
+                <a:solidFill>
+                  <a:srgbClr val="666666"/>
+                </a:solidFill>
+                <a:latin typeface="Steagal Light"/>
+              </a:rPr>
+              <a:t>/trading/TradingStrategy.java</a:t>
+            </a:r>
+            <a:endParaRPr dirty="0"/>
           </a:p>
           <a:p>
             <a:pPr>
@@ -3986,7 +4291,7 @@
                 <a:spcPct val="90000"/>
               </a:lnSpc>
             </a:pPr>
-            <a:endParaRPr/>
+            <a:endParaRPr dirty="0"/>
           </a:p>
           <a:p>
             <a:pPr>
@@ -3995,15 +4300,71 @@
               </a:lnSpc>
             </a:pPr>
             <a:r>
-              <a:rPr lang="en-US" sz="1600">
-                <a:solidFill>
-                  <a:srgbClr val="666666"/>
+              <a:rPr lang="en-US" sz="1600" b="1" dirty="0">
+                <a:solidFill>
+                  <a:schemeClr val="accent4">
+                    <a:lumMod val="60000"/>
+                    <a:lumOff val="40000"/>
+                  </a:schemeClr>
                 </a:solidFill>
                 <a:latin typeface="Courier New"/>
               </a:rPr>
-              <a:t>public DailyOutput makeDailyTrade(DailyInput input) throws … {</a:t>
-            </a:r>
-            <a:endParaRPr/>
+              <a:t>public void </a:t>
+            </a:r>
+            <a:r>
+              <a:rPr lang="en-US" sz="1600" b="1" dirty="0" err="1">
+                <a:solidFill>
+                  <a:srgbClr val="666666"/>
+                </a:solidFill>
+                <a:latin typeface="Courier New"/>
+              </a:rPr>
+              <a:t>makeDailyTrade</a:t>
+            </a:r>
+            <a:r>
+              <a:rPr lang="en-US" sz="1600" b="1" dirty="0">
+                <a:solidFill>
+                  <a:srgbClr val="666666"/>
+                </a:solidFill>
+                <a:latin typeface="Courier New"/>
+              </a:rPr>
+              <a:t>(</a:t>
+            </a:r>
+            <a:r>
+              <a:rPr lang="en-US" sz="1600" b="1" dirty="0" err="1">
+                <a:solidFill>
+                  <a:srgbClr val="666666"/>
+                </a:solidFill>
+                <a:latin typeface="Courier New"/>
+              </a:rPr>
+              <a:t>DailyTrades</a:t>
+            </a:r>
+            <a:r>
+              <a:rPr lang="en-US" sz="1600" b="1" dirty="0">
+                <a:solidFill>
+                  <a:srgbClr val="666666"/>
+                </a:solidFill>
+                <a:latin typeface="Courier New"/>
+              </a:rPr>
+              <a:t> trades) </a:t>
+            </a:r>
+            <a:r>
+              <a:rPr lang="en-US" sz="1600" b="1" dirty="0">
+                <a:solidFill>
+                  <a:srgbClr val="0099FF"/>
+                </a:solidFill>
+                <a:latin typeface="Courier New"/>
+              </a:rPr>
+              <a:t>throws </a:t>
+            </a:r>
+            <a:r>
+              <a:rPr lang="en-US" sz="1600" b="1" dirty="0" smtClean="0">
+                <a:solidFill>
+                  <a:srgbClr val="666666"/>
+                </a:solidFill>
+                <a:latin typeface="Courier New"/>
+              </a:rPr>
+              <a:t>… {</a:t>
+            </a:r>
           </a:p>
           <a:p>
             <a:pPr>
@@ -4011,16 +4372,12 @@
                 <a:spcPct val="90000"/>
               </a:lnSpc>
             </a:pPr>
-            <a:r>
-              <a:rPr lang="en-US" sz="1600">
-                <a:solidFill>
-                  <a:srgbClr val="666666"/>
-                </a:solidFill>
-                <a:latin typeface="Courier New"/>
-              </a:rPr>
-              <a:t>    DailyOutput output;</a:t>
-            </a:r>
-            <a:endParaRPr/>
+            <a:endParaRPr lang="en-US" sz="1600" b="1" dirty="0">
+              <a:solidFill>
+                <a:srgbClr val="666666"/>
+              </a:solidFill>
+              <a:latin typeface="Courier New"/>
+            </a:endParaRPr>
           </a:p>
           <a:p>
             <a:pPr>
@@ -4028,7 +4385,21 @@
                 <a:spcPct val="90000"/>
               </a:lnSpc>
             </a:pPr>
-            <a:endParaRPr/>
+            <a:r>
+              <a:rPr lang="en-GB" sz="1600" b="1" dirty="0" smtClean="0">
+                <a:solidFill>
+                  <a:schemeClr val="accent3"/>
+                </a:solidFill>
+                <a:latin typeface="Courier New"/>
+              </a:rPr>
+              <a:t>  // Alternate between “buy all” and “sell all”</a:t>
+            </a:r>
+            <a:endParaRPr lang="en-US" sz="1600" b="1" dirty="0">
+              <a:solidFill>
+                <a:schemeClr val="accent3"/>
+              </a:solidFill>
+              <a:latin typeface="Courier New"/>
+            </a:endParaRPr>
           </a:p>
           <a:p>
             <a:pPr>
@@ -4037,15 +4408,77 @@
               </a:lnSpc>
             </a:pPr>
             <a:r>
-              <a:rPr lang="en-US" sz="1600">
+              <a:rPr lang="en-US" sz="1600" b="1" dirty="0" smtClean="0">
                 <a:solidFill>
                   <a:srgbClr val="666666"/>
                 </a:solidFill>
                 <a:latin typeface="Courier New"/>
               </a:rPr>
-              <a:t>    //Alternate between “buy all” and “sell all”</a:t>
-            </a:r>
-            <a:endParaRPr/>
+              <a:t>  </a:t>
+            </a:r>
+            <a:r>
+              <a:rPr lang="en-US" sz="1600" b="1" dirty="0" smtClean="0">
+                <a:solidFill>
+                  <a:srgbClr val="0099FF"/>
+                </a:solidFill>
+                <a:latin typeface="Courier New"/>
+              </a:rPr>
+              <a:t>for </a:t>
+            </a:r>
+            <a:r>
+              <a:rPr lang="en-US" sz="1600" b="1" dirty="0">
+                <a:solidFill>
+                  <a:srgbClr val="666666"/>
+                </a:solidFill>
+                <a:latin typeface="Courier New"/>
+              </a:rPr>
+              <a:t>(</a:t>
+            </a:r>
+            <a:r>
+              <a:rPr lang="en-US" sz="1600" b="1" dirty="0" err="1">
+                <a:solidFill>
+                  <a:srgbClr val="666666"/>
+                </a:solidFill>
+                <a:latin typeface="Courier New"/>
+              </a:rPr>
+              <a:t>DailyInput</a:t>
+            </a:r>
+            <a:r>
+              <a:rPr lang="en-US" sz="1600" b="1" dirty="0">
+                <a:solidFill>
+                  <a:srgbClr val="666666"/>
+                </a:solidFill>
+                <a:latin typeface="Courier New"/>
+              </a:rPr>
+              <a:t> input : </a:t>
+            </a:r>
+            <a:r>
+              <a:rPr lang="en-US" sz="1600" b="1" dirty="0" err="1">
+                <a:solidFill>
+                  <a:srgbClr val="666666"/>
+                </a:solidFill>
+                <a:latin typeface="Courier New"/>
+              </a:rPr>
+              <a:t>trades.getTrades</a:t>
+            </a:r>
+            <a:r>
+              <a:rPr lang="en-US" sz="1600" b="1" dirty="0">
+                <a:solidFill>
+                  <a:srgbClr val="666666"/>
+                </a:solidFill>
+                <a:latin typeface="Courier New"/>
+              </a:rPr>
+              <a:t>()) </a:t>
+            </a:r>
+            <a:r>
+              <a:rPr lang="en-US" sz="1600" b="1" dirty="0" smtClean="0">
+                <a:solidFill>
+                  <a:srgbClr val="666666"/>
+                </a:solidFill>
+                <a:latin typeface="Courier New"/>
+              </a:rPr>
+              <a:t>{</a:t>
+            </a:r>
           </a:p>
           <a:p>
             <a:pPr>
@@ -4053,16 +4486,12 @@
                 <a:spcPct val="90000"/>
               </a:lnSpc>
             </a:pPr>
-            <a:r>
-              <a:rPr lang="en-US" sz="1600">
-                <a:solidFill>
-                  <a:srgbClr val="666666"/>
-                </a:solidFill>
-                <a:latin typeface="Courier New"/>
-              </a:rPr>
-              <a:t>    if (input.getDay() % 2 == 0) {</a:t>
-            </a:r>
-            <a:endParaRPr/>
+            <a:endParaRPr lang="en-US" sz="1600" b="1" dirty="0">
+              <a:solidFill>
+                <a:srgbClr val="666666"/>
+              </a:solidFill>
+              <a:latin typeface="Courier New"/>
+            </a:endParaRPr>
           </a:p>
           <a:p>
             <a:pPr>
@@ -4071,15 +4500,101 @@
               </a:lnSpc>
             </a:pPr>
             <a:r>
-              <a:rPr lang="en-US" sz="1600">
+              <a:rPr lang="en-US" sz="1600" b="1" dirty="0" smtClean="0">
                 <a:solidFill>
                   <a:srgbClr val="666666"/>
                 </a:solidFill>
                 <a:latin typeface="Courier New"/>
               </a:rPr>
-              <a:t>        output = tradingManager.buyMaxNumberOfShares(input);</a:t>
-            </a:r>
-            <a:endParaRPr/>
+              <a:t>    </a:t>
+            </a:r>
+            <a:r>
+              <a:rPr lang="en-US" sz="1600" b="1" dirty="0" smtClean="0">
+                <a:solidFill>
+                  <a:srgbClr val="0099FF"/>
+                </a:solidFill>
+                <a:latin typeface="Courier New"/>
+              </a:rPr>
+              <a:t>if </a:t>
+            </a:r>
+            <a:r>
+              <a:rPr lang="en-US" sz="1600" b="1" dirty="0" smtClean="0">
+                <a:solidFill>
+                  <a:srgbClr val="666666"/>
+                </a:solidFill>
+                <a:latin typeface="Courier New"/>
+              </a:rPr>
+              <a:t>(</a:t>
+            </a:r>
+            <a:r>
+              <a:rPr lang="en-US" sz="1600" b="1" dirty="0" err="1" smtClean="0">
+                <a:solidFill>
+                  <a:srgbClr val="666666"/>
+                </a:solidFill>
+                <a:latin typeface="Courier New"/>
+              </a:rPr>
+              <a:t>input.getDay</a:t>
+            </a:r>
+            <a:r>
+              <a:rPr lang="en-US" sz="1600" b="1" dirty="0">
+                <a:solidFill>
+                  <a:srgbClr val="666666"/>
+                </a:solidFill>
+                <a:latin typeface="Courier New"/>
+              </a:rPr>
+              <a:t>() % </a:t>
+            </a:r>
+            <a:r>
+              <a:rPr lang="en-US" sz="1600" b="1" dirty="0">
+                <a:solidFill>
+                  <a:schemeClr val="accent6">
+                    <a:lumMod val="60000"/>
+                    <a:lumOff val="40000"/>
+                  </a:schemeClr>
+                </a:solidFill>
+                <a:latin typeface="Courier New"/>
+              </a:rPr>
+              <a:t>2</a:t>
+            </a:r>
+            <a:r>
+              <a:rPr lang="en-US" sz="1600" b="1" dirty="0">
+                <a:solidFill>
+                  <a:srgbClr val="666666"/>
+                </a:solidFill>
+                <a:latin typeface="Courier New"/>
+              </a:rPr>
+              <a:t> == </a:t>
+            </a:r>
+            <a:r>
+              <a:rPr lang="en-US" sz="1600" b="1" dirty="0" smtClean="0">
+                <a:solidFill>
+                  <a:schemeClr val="accent6">
+                    <a:lumMod val="60000"/>
+                    <a:lumOff val="40000"/>
+                  </a:schemeClr>
+                </a:solidFill>
+                <a:latin typeface="Courier New"/>
+              </a:rPr>
+              <a:t>0</a:t>
+            </a:r>
+            <a:r>
+              <a:rPr lang="en-US" sz="1600" b="1" dirty="0" smtClean="0">
+                <a:solidFill>
+                  <a:srgbClr val="666666"/>
+                </a:solidFill>
+                <a:latin typeface="Courier New"/>
+              </a:rPr>
+              <a:t>) </a:t>
+            </a:r>
+            <a:r>
+              <a:rPr lang="en-US" sz="1600" b="1" dirty="0">
+                <a:solidFill>
+                  <a:srgbClr val="666666"/>
+                </a:solidFill>
+                <a:latin typeface="Courier New"/>
+              </a:rPr>
+              <a:t>{</a:t>
+            </a:r>
           </a:p>
           <a:p>
             <a:pPr>
@@ -4088,15 +4603,41 @@
               </a:lnSpc>
             </a:pPr>
             <a:r>
-              <a:rPr lang="en-US" sz="1600">
+              <a:rPr lang="en-US" sz="1600" b="1" dirty="0" smtClean="0">
                 <a:solidFill>
                   <a:srgbClr val="666666"/>
                 </a:solidFill>
                 <a:latin typeface="Courier New"/>
               </a:rPr>
-              <a:t>    } else {</a:t>
-            </a:r>
-            <a:endParaRPr/>
+              <a:t>      </a:t>
+            </a:r>
+            <a:r>
+              <a:rPr lang="en-US" sz="1600" b="1" dirty="0" err="1" smtClean="0">
+                <a:solidFill>
+                  <a:srgbClr val="666666"/>
+                </a:solidFill>
+                <a:latin typeface="Courier New"/>
+              </a:rPr>
+              <a:t>tradingManager.buyMaxNumberOfShares</a:t>
+            </a:r>
+            <a:r>
+              <a:rPr lang="en-US" sz="1600" b="1" dirty="0" smtClean="0">
+                <a:solidFill>
+                  <a:srgbClr val="666666"/>
+                </a:solidFill>
+                <a:latin typeface="Courier New"/>
+              </a:rPr>
+              <a:t>(input</a:t>
+            </a:r>
+            <a:r>
+              <a:rPr lang="en-US" sz="1600" b="1" dirty="0">
+                <a:solidFill>
+                  <a:srgbClr val="666666"/>
+                </a:solidFill>
+                <a:latin typeface="Courier New"/>
+              </a:rPr>
+              <a:t>);</a:t>
+            </a:r>
           </a:p>
           <a:p>
             <a:pPr>
@@ -4105,15 +4646,32 @@
               </a:lnSpc>
             </a:pPr>
             <a:r>
-              <a:rPr lang="en-US" sz="1600">
+              <a:rPr lang="en-US" sz="1600" b="1" dirty="0" smtClean="0">
                 <a:solidFill>
                   <a:srgbClr val="666666"/>
                 </a:solidFill>
                 <a:latin typeface="Courier New"/>
               </a:rPr>
-              <a:t>        output = tradingManager.sellAllShares(input);</a:t>
-            </a:r>
-            <a:endParaRPr/>
+              <a:t>    } </a:t>
+            </a:r>
+            <a:r>
+              <a:rPr lang="en-US" sz="1600" b="1" dirty="0">
+                <a:solidFill>
+                  <a:srgbClr val="0099FF"/>
+                </a:solidFill>
+                <a:latin typeface="Courier New"/>
+              </a:rPr>
+              <a:t>else </a:t>
+            </a:r>
+            <a:r>
+              <a:rPr lang="en-US" sz="1600" b="1" dirty="0">
+                <a:solidFill>
+                  <a:srgbClr val="666666"/>
+                </a:solidFill>
+                <a:latin typeface="Courier New"/>
+              </a:rPr>
+              <a:t>{</a:t>
+            </a:r>
           </a:p>
           <a:p>
             <a:pPr>
@@ -4122,15 +4680,41 @@
               </a:lnSpc>
             </a:pPr>
             <a:r>
-              <a:rPr lang="en-US" sz="1600">
+              <a:rPr lang="en-US" sz="1600" b="1" dirty="0" smtClean="0">
                 <a:solidFill>
                   <a:srgbClr val="666666"/>
                 </a:solidFill>
                 <a:latin typeface="Courier New"/>
               </a:rPr>
-              <a:t>    }</a:t>
-            </a:r>
-            <a:endParaRPr/>
+              <a:t>      </a:t>
+            </a:r>
+            <a:r>
+              <a:rPr lang="en-US" sz="1600" b="1" dirty="0" err="1" smtClean="0">
+                <a:solidFill>
+                  <a:srgbClr val="666666"/>
+                </a:solidFill>
+                <a:latin typeface="Courier New"/>
+              </a:rPr>
+              <a:t>tradingManager.sellAllShares</a:t>
+            </a:r>
+            <a:r>
+              <a:rPr lang="en-US" sz="1600" b="1" dirty="0" smtClean="0">
+                <a:solidFill>
+                  <a:srgbClr val="666666"/>
+                </a:solidFill>
+                <a:latin typeface="Courier New"/>
+              </a:rPr>
+              <a:t>(input</a:t>
+            </a:r>
+            <a:r>
+              <a:rPr lang="en-US" sz="1600" b="1" dirty="0">
+                <a:solidFill>
+                  <a:srgbClr val="666666"/>
+                </a:solidFill>
+                <a:latin typeface="Courier New"/>
+              </a:rPr>
+              <a:t>);</a:t>
+            </a:r>
           </a:p>
           <a:p>
             <a:pPr>
@@ -4138,7 +4722,21 @@
                 <a:spcPct val="90000"/>
               </a:lnSpc>
             </a:pPr>
-            <a:endParaRPr/>
+            <a:r>
+              <a:rPr lang="en-US" sz="1600" b="1" dirty="0" smtClean="0">
+                <a:solidFill>
+                  <a:srgbClr val="666666"/>
+                </a:solidFill>
+                <a:latin typeface="Courier New"/>
+              </a:rPr>
+              <a:t>    }</a:t>
+            </a:r>
+            <a:endParaRPr lang="en-US" sz="1600" b="1" dirty="0">
+              <a:solidFill>
+                <a:srgbClr val="666666"/>
+              </a:solidFill>
+              <a:latin typeface="Courier New"/>
+            </a:endParaRPr>
           </a:p>
           <a:p>
             <a:pPr>
@@ -4147,15 +4745,20 @@
               </a:lnSpc>
             </a:pPr>
             <a:r>
-              <a:rPr lang="en-US" sz="1600">
+              <a:rPr lang="en-GB" sz="1600" b="1" dirty="0" smtClean="0">
                 <a:solidFill>
                   <a:srgbClr val="666666"/>
                 </a:solidFill>
                 <a:latin typeface="Courier New"/>
               </a:rPr>
-              <a:t>    return output;</a:t>
-            </a:r>
-            <a:endParaRPr/>
+              <a:t>  }</a:t>
+            </a:r>
+            <a:endParaRPr lang="en-US" sz="1600" b="1" dirty="0">
+              <a:solidFill>
+                <a:srgbClr val="666666"/>
+              </a:solidFill>
+              <a:latin typeface="Courier New"/>
+            </a:endParaRPr>
           </a:p>
           <a:p>
             <a:pPr>
@@ -4164,7 +4767,7 @@
               </a:lnSpc>
             </a:pPr>
             <a:r>
-              <a:rPr lang="en-US" sz="1600">
+              <a:rPr lang="en-US" sz="1600" b="1" dirty="0" smtClean="0">
                 <a:solidFill>
                   <a:srgbClr val="666666"/>
                 </a:solidFill>
@@ -4172,7 +4775,7 @@
               </a:rPr>
               <a:t>}</a:t>
             </a:r>
-            <a:endParaRPr/>
+            <a:endParaRPr b="1" dirty="0"/>
           </a:p>
           <a:p>
             <a:pPr>
@@ -4180,15 +4783,7 @@
                 <a:spcPct val="90000"/>
               </a:lnSpc>
             </a:pPr>
-            <a:endParaRPr/>
-          </a:p>
-          <a:p>
-            <a:pPr>
-              <a:lnSpc>
-                <a:spcPct val="90000"/>
-              </a:lnSpc>
-            </a:pPr>
-            <a:endParaRPr/>
+            <a:endParaRPr dirty="0"/>
           </a:p>
         </p:txBody>
       </p:sp>
@@ -4600,8 +5195,6 @@
               <a:lnSpc>
                 <a:spcPct val="90000"/>
               </a:lnSpc>
-              <a:buFont typeface="Arial"/>
-              <a:buChar char="•"/>
             </a:pPr>
             <a:r>
               <a:rPr lang="en-US" sz="2800" dirty="0">
@@ -4613,7 +5206,7 @@
               <a:t>Email your TradingStrategy.java and any associated classes to </a:t>
             </a:r>
             <a:r>
-              <a:rPr lang="en-US" sz="2800" dirty="0">
+              <a:rPr lang="en-US" sz="2800" dirty="0" smtClean="0">
                 <a:solidFill>
                   <a:srgbClr val="666666"/>
                 </a:solidFill>
@@ -4622,6 +5215,19 @@
               </a:rPr>
               <a:t>tkelly@scottlogic.com</a:t>
             </a:r>
+            <a:endParaRPr lang="en-US" sz="2800" dirty="0" smtClean="0">
+              <a:solidFill>
+                <a:srgbClr val="666666"/>
+              </a:solidFill>
+              <a:latin typeface="Steagal Light"/>
+            </a:endParaRPr>
+          </a:p>
+          <a:p>
+            <a:pPr>
+              <a:lnSpc>
+                <a:spcPct val="90000"/>
+              </a:lnSpc>
+            </a:pPr>
             <a:endParaRPr dirty="0"/>
           </a:p>
           <a:p>

--- a/spec/Hackathon.pptx
+++ b/spec/Hackathon.pptx
@@ -10,9 +10,10 @@
     <p:sldId id="257" r:id="rId4"/>
     <p:sldId id="258" r:id="rId5"/>
     <p:sldId id="259" r:id="rId6"/>
-    <p:sldId id="262" r:id="rId7"/>
-    <p:sldId id="261" r:id="rId8"/>
-    <p:sldId id="260" r:id="rId9"/>
+    <p:sldId id="263" r:id="rId7"/>
+    <p:sldId id="262" r:id="rId8"/>
+    <p:sldId id="261" r:id="rId9"/>
+    <p:sldId id="260" r:id="rId10"/>
   </p:sldIdLst>
   <p:sldSz cx="10080625" cy="7559675"/>
   <p:notesSz cx="7559675" cy="10691813"/>
@@ -4317,7 +4318,7 @@
                 </a:solidFill>
                 <a:latin typeface="Steagal Light"/>
               </a:rPr>
-              <a:t>cli/</a:t>
+              <a:t>Hackathon/</a:t>
             </a:r>
             <a:r>
               <a:rPr lang="en-US" sz="2800" dirty="0" err="1" smtClean="0">
@@ -4905,23 +4906,42 @@
       </p:grpSpPr>
       <p:sp>
         <p:nvSpPr>
-          <p:cNvPr id="2" name="Title 1"/>
-          <p:cNvSpPr>
-            <a:spLocks noGrp="1"/>
-          </p:cNvSpPr>
-          <p:nvPr>
-            <p:ph type="title"/>
-          </p:nvPr>
+          <p:cNvPr id="5" name="Title 1"/>
+          <p:cNvSpPr txBox="1">
+            <a:spLocks/>
+          </p:cNvSpPr>
+          <p:nvPr/>
         </p:nvSpPr>
         <p:spPr>
           <a:xfrm>
             <a:off x="702815" y="500489"/>
             <a:ext cx="9071640" cy="1262520"/>
           </a:xfrm>
-        </p:spPr>
-        <p:txBody>
-          <a:bodyPr/>
-          <a:lstStyle/>
+          <a:prstGeom prst="rect">
+            <a:avLst/>
+          </a:prstGeom>
+        </p:spPr>
+        <p:txBody>
+          <a:bodyPr wrap="none" lIns="0" tIns="0" rIns="0" bIns="0" anchor="ctr"/>
+          <a:lstStyle>
+            <a:lvl1pPr algn="l" defTabSz="914400" rtl="0" eaLnBrk="1" latinLnBrk="0" hangingPunct="1">
+              <a:lnSpc>
+                <a:spcPct val="90000"/>
+              </a:lnSpc>
+              <a:spcBef>
+                <a:spcPct val="0"/>
+              </a:spcBef>
+              <a:buNone/>
+              <a:defRPr sz="4400" kern="1200">
+                <a:solidFill>
+                  <a:schemeClr val="tx1"/>
+                </a:solidFill>
+                <a:latin typeface="+mj-lt"/>
+                <a:ea typeface="+mj-ea"/>
+                <a:cs typeface="+mj-cs"/>
+              </a:defRPr>
+            </a:lvl1pPr>
+          </a:lstStyle>
           <a:p>
             <a:r>
               <a:rPr lang="en-GB" dirty="0" smtClean="0">
@@ -4930,7 +4950,7 @@
                 </a:solidFill>
                 <a:latin typeface="Steagal Light"/>
               </a:rPr>
-              <a:t>Graphic your solution</a:t>
+              <a:t>Additional Funds</a:t>
             </a:r>
             <a:endParaRPr lang="en-US" dirty="0">
               <a:solidFill>
@@ -4941,40 +4961,16 @@
           </a:p>
         </p:txBody>
       </p:sp>
-      <p:pic>
-        <p:nvPicPr>
-          <p:cNvPr id="4" name="Picture 3"/>
-          <p:cNvPicPr>
-            <a:picLocks noChangeAspect="1"/>
-          </p:cNvPicPr>
-          <p:nvPr/>
-        </p:nvPicPr>
-        <p:blipFill>
-          <a:blip r:embed="rId2"/>
-          <a:stretch>
-            <a:fillRect/>
-          </a:stretch>
-        </p:blipFill>
-        <p:spPr>
-          <a:xfrm>
-            <a:off x="1633468" y="2891917"/>
-            <a:ext cx="6610024" cy="3261563"/>
-          </a:xfrm>
-          <a:prstGeom prst="rect">
-            <a:avLst/>
-          </a:prstGeom>
-        </p:spPr>
-      </p:pic>
-      <p:sp>
-        <p:nvSpPr>
-          <p:cNvPr id="9" name="TextBox 8"/>
+      <p:sp>
+        <p:nvSpPr>
+          <p:cNvPr id="6" name="TextBox 5"/>
           <p:cNvSpPr txBox="1"/>
           <p:nvPr/>
         </p:nvSpPr>
         <p:spPr>
           <a:xfrm>
             <a:off x="621333" y="1991755"/>
-            <a:ext cx="8977751" cy="1231106"/>
+            <a:ext cx="8977751" cy="2677656"/>
           </a:xfrm>
           <a:prstGeom prst="rect">
             <a:avLst/>
@@ -4988,42 +4984,100 @@
           <a:lstStyle/>
           <a:p>
             <a:r>
-              <a:rPr lang="en-GB" sz="2800" dirty="0">
+              <a:rPr lang="en-GB" sz="2400" dirty="0" smtClean="0">
                 <a:solidFill>
                   <a:srgbClr val="858585"/>
                 </a:solidFill>
                 <a:latin typeface="Steagal Light"/>
               </a:rPr>
-              <a:t>(Optional): Use the hackathon-</a:t>
-            </a:r>
-            <a:r>
-              <a:rPr lang="en-GB" sz="2800" dirty="0" err="1">
+              <a:t>Go </a:t>
+            </a:r>
+            <a:r>
+              <a:rPr lang="en-GB" sz="2400" dirty="0">
                 <a:solidFill>
                   <a:srgbClr val="858585"/>
                 </a:solidFill>
                 <a:latin typeface="Steagal Light"/>
               </a:rPr>
-              <a:t>webapp</a:t>
-            </a:r>
-            <a:r>
-              <a:rPr lang="en-GB" sz="2800" dirty="0">
+              <a:t>to </a:t>
+            </a:r>
+            <a:r>
+              <a:rPr lang="en-GB" sz="2400" dirty="0">
                 <a:solidFill>
                   <a:srgbClr val="858585"/>
                 </a:solidFill>
                 <a:latin typeface="Steagal Light"/>
-              </a:rPr>
-              <a:t> project to check how your algorithm performs over the year.</a:t>
-            </a:r>
-          </a:p>
-          <a:p>
-            <a:endParaRPr lang="en-US" dirty="0"/>
+                <a:hlinkClick r:id="rId2"/>
+              </a:rPr>
+              <a:t>http://additional-funds.herokuapp.com</a:t>
+            </a:r>
+            <a:r>
+              <a:rPr lang="en-GB" sz="2400" dirty="0" smtClean="0">
+                <a:solidFill>
+                  <a:srgbClr val="858585"/>
+                </a:solidFill>
+                <a:latin typeface="Steagal Light"/>
+                <a:hlinkClick r:id="rId2"/>
+              </a:rPr>
+              <a:t>/</a:t>
+            </a:r>
+            <a:endParaRPr lang="en-GB" sz="2400" dirty="0" smtClean="0">
+              <a:solidFill>
+                <a:srgbClr val="858585"/>
+              </a:solidFill>
+              <a:latin typeface="Steagal Light"/>
+            </a:endParaRPr>
+          </a:p>
+          <a:p>
+            <a:endParaRPr lang="en-GB" sz="2400" dirty="0">
+              <a:solidFill>
+                <a:srgbClr val="858585"/>
+              </a:solidFill>
+              <a:latin typeface="Steagal Light"/>
+            </a:endParaRPr>
+          </a:p>
+          <a:p>
+            <a:r>
+              <a:rPr lang="en-GB" sz="2400" dirty="0" smtClean="0">
+                <a:solidFill>
+                  <a:srgbClr val="858585"/>
+                </a:solidFill>
+                <a:latin typeface="Steagal Light"/>
+              </a:rPr>
+              <a:t>Multiple submissions are allowed, but only the final will be counted.</a:t>
+            </a:r>
+          </a:p>
+          <a:p>
+            <a:endParaRPr lang="en-GB" sz="2400" dirty="0">
+              <a:solidFill>
+                <a:srgbClr val="858585"/>
+              </a:solidFill>
+              <a:latin typeface="Steagal Light"/>
+            </a:endParaRPr>
+          </a:p>
+          <a:p>
+            <a:r>
+              <a:rPr lang="en-GB" sz="2400" dirty="0" smtClean="0">
+                <a:solidFill>
+                  <a:srgbClr val="858585"/>
+                </a:solidFill>
+                <a:latin typeface="Steagal Light"/>
+              </a:rPr>
+              <a:t>Any money earned is added to the starting funds for your trading algorithm.</a:t>
+            </a:r>
+            <a:endParaRPr lang="en-GB" sz="2400" dirty="0">
+              <a:solidFill>
+                <a:srgbClr val="858585"/>
+              </a:solidFill>
+              <a:latin typeface="Steagal Light"/>
+            </a:endParaRPr>
           </a:p>
         </p:txBody>
       </p:sp>
     </p:spTree>
     <p:extLst>
       <p:ext uri="{BB962C8B-B14F-4D97-AF65-F5344CB8AC3E}">
-        <p14:creationId xmlns:p14="http://schemas.microsoft.com/office/powerpoint/2010/main" val="3748748103"/>
+        <p14:creationId xmlns:p14="http://schemas.microsoft.com/office/powerpoint/2010/main" val="220124470"/>
       </p:ext>
     </p:extLst>
   </p:cSld>
@@ -5052,6 +5106,194 @@
       </p:grpSpPr>
       <p:sp>
         <p:nvSpPr>
+          <p:cNvPr id="2" name="Title 1"/>
+          <p:cNvSpPr>
+            <a:spLocks noGrp="1"/>
+          </p:cNvSpPr>
+          <p:nvPr>
+            <p:ph type="title"/>
+          </p:nvPr>
+        </p:nvSpPr>
+        <p:spPr>
+          <a:xfrm>
+            <a:off x="702815" y="500489"/>
+            <a:ext cx="9071640" cy="1262520"/>
+          </a:xfrm>
+        </p:spPr>
+        <p:txBody>
+          <a:bodyPr/>
+          <a:lstStyle/>
+          <a:p>
+            <a:r>
+              <a:rPr lang="en-GB" dirty="0" smtClean="0">
+                <a:solidFill>
+                  <a:srgbClr val="858585"/>
+                </a:solidFill>
+                <a:latin typeface="Steagal Light"/>
+              </a:rPr>
+              <a:t>Graphing your solution</a:t>
+            </a:r>
+            <a:endParaRPr lang="en-US" dirty="0">
+              <a:solidFill>
+                <a:srgbClr val="858585"/>
+              </a:solidFill>
+              <a:latin typeface="Steagal Light"/>
+            </a:endParaRPr>
+          </a:p>
+        </p:txBody>
+      </p:sp>
+      <p:sp>
+        <p:nvSpPr>
+          <p:cNvPr id="9" name="TextBox 8"/>
+          <p:cNvSpPr txBox="1"/>
+          <p:nvPr/>
+        </p:nvSpPr>
+        <p:spPr>
+          <a:xfrm>
+            <a:off x="621333" y="1991755"/>
+            <a:ext cx="8977751" cy="3385542"/>
+          </a:xfrm>
+          <a:prstGeom prst="rect">
+            <a:avLst/>
+          </a:prstGeom>
+          <a:noFill/>
+        </p:spPr>
+        <p:txBody>
+          <a:bodyPr wrap="square" rtlCol="0">
+            <a:spAutoFit/>
+          </a:bodyPr>
+          <a:lstStyle/>
+          <a:p>
+            <a:r>
+              <a:rPr lang="en-GB" sz="2800" dirty="0">
+                <a:solidFill>
+                  <a:srgbClr val="858585"/>
+                </a:solidFill>
+                <a:latin typeface="Steagal Light"/>
+              </a:rPr>
+              <a:t>(Optional): Use the hackathon-</a:t>
+            </a:r>
+            <a:r>
+              <a:rPr lang="en-GB" sz="2800" dirty="0" err="1">
+                <a:solidFill>
+                  <a:srgbClr val="858585"/>
+                </a:solidFill>
+                <a:latin typeface="Steagal Light"/>
+              </a:rPr>
+              <a:t>webapp</a:t>
+            </a:r>
+            <a:r>
+              <a:rPr lang="en-GB" sz="2800" dirty="0">
+                <a:solidFill>
+                  <a:srgbClr val="858585"/>
+                </a:solidFill>
+                <a:latin typeface="Steagal Light"/>
+              </a:rPr>
+              <a:t> project to check how your algorithm performs over the year</a:t>
+            </a:r>
+            <a:r>
+              <a:rPr lang="en-GB" sz="2800" dirty="0" smtClean="0">
+                <a:solidFill>
+                  <a:srgbClr val="858585"/>
+                </a:solidFill>
+                <a:latin typeface="Steagal Light"/>
+              </a:rPr>
+              <a:t>.</a:t>
+            </a:r>
+          </a:p>
+          <a:p>
+            <a:endParaRPr lang="en-GB" sz="2800" dirty="0">
+              <a:solidFill>
+                <a:srgbClr val="858585"/>
+              </a:solidFill>
+              <a:latin typeface="Steagal Light"/>
+            </a:endParaRPr>
+          </a:p>
+          <a:p>
+            <a:r>
+              <a:rPr lang="en-GB" sz="2800" dirty="0" smtClean="0">
+                <a:solidFill>
+                  <a:srgbClr val="858585"/>
+                </a:solidFill>
+                <a:latin typeface="Steagal Light"/>
+              </a:rPr>
+              <a:t>Project Explorer &gt; New &gt; Other &gt; Server &gt; [Version of locally installed Tomcat server] &gt; Finish</a:t>
+            </a:r>
+          </a:p>
+          <a:p>
+            <a:endParaRPr lang="en-GB" sz="2800" dirty="0">
+              <a:solidFill>
+                <a:srgbClr val="858585"/>
+              </a:solidFill>
+              <a:latin typeface="Steagal Light"/>
+            </a:endParaRPr>
+          </a:p>
+          <a:p>
+            <a:r>
+              <a:rPr lang="en-GB" sz="2800" dirty="0" smtClean="0">
+                <a:solidFill>
+                  <a:srgbClr val="858585"/>
+                </a:solidFill>
+                <a:latin typeface="Steagal Light"/>
+              </a:rPr>
+              <a:t>hackathon-</a:t>
+            </a:r>
+            <a:r>
+              <a:rPr lang="en-GB" sz="2800" dirty="0" err="1" smtClean="0">
+                <a:solidFill>
+                  <a:srgbClr val="858585"/>
+                </a:solidFill>
+                <a:latin typeface="Steagal Light"/>
+              </a:rPr>
+              <a:t>webapp</a:t>
+            </a:r>
+            <a:r>
+              <a:rPr lang="en-GB" sz="2800" dirty="0" smtClean="0">
+                <a:solidFill>
+                  <a:srgbClr val="858585"/>
+                </a:solidFill>
+                <a:latin typeface="Steagal Light"/>
+              </a:rPr>
+              <a:t> &gt; Run as &gt; Run on Server</a:t>
+            </a:r>
+          </a:p>
+          <a:p>
+            <a:endParaRPr lang="en-US" dirty="0"/>
+          </a:p>
+        </p:txBody>
+      </p:sp>
+    </p:spTree>
+    <p:extLst>
+      <p:ext uri="{BB962C8B-B14F-4D97-AF65-F5344CB8AC3E}">
+        <p14:creationId xmlns:p14="http://schemas.microsoft.com/office/powerpoint/2010/main" val="3748748103"/>
+      </p:ext>
+    </p:extLst>
+  </p:cSld>
+  <p:clrMapOvr>
+    <a:masterClrMapping/>
+  </p:clrMapOvr>
+</p:sld>
+</file>
+
+<file path=ppt/slides/slide7.xml><?xml version="1.0" encoding="utf-8"?>
+<p:sld xmlns:a="http://schemas.openxmlformats.org/drawingml/2006/main" xmlns:r="http://schemas.openxmlformats.org/officeDocument/2006/relationships" xmlns:p="http://schemas.openxmlformats.org/presentationml/2006/main">
+  <p:cSld>
+    <p:spTree>
+      <p:nvGrpSpPr>
+        <p:cNvPr id="1" name=""/>
+        <p:cNvGrpSpPr/>
+        <p:nvPr/>
+      </p:nvGrpSpPr>
+      <p:grpSpPr>
+        <a:xfrm>
+          <a:off x="0" y="0"/>
+          <a:ext cx="0" cy="0"/>
+          <a:chOff x="0" y="0"/>
+          <a:chExt cx="0" cy="0"/>
+        </a:xfrm>
+      </p:grpSpPr>
+      <p:sp>
+        <p:nvSpPr>
           <p:cNvPr id="5" name="CustomShape 1"/>
           <p:cNvSpPr/>
           <p:nvPr/>
@@ -5118,7 +5360,7 @@
               <a:buChar char="•"/>
             </a:pPr>
             <a:r>
-              <a:rPr lang="en-GB" sz="2800" dirty="0">
+              <a:rPr lang="en-GB" sz="2400" dirty="0">
                 <a:solidFill>
                   <a:srgbClr val="858585"/>
                 </a:solidFill>
@@ -5127,13 +5369,13 @@
               <a:t> </a:t>
             </a:r>
             <a:r>
-              <a:rPr lang="en-GB" sz="2800" dirty="0" smtClean="0">
+              <a:rPr lang="en-GB" sz="2400" dirty="0" smtClean="0">
                 <a:solidFill>
                   <a:srgbClr val="858585"/>
                 </a:solidFill>
                 <a:latin typeface="Steagal Light"/>
               </a:rPr>
-              <a:t>4:00 – Kick off!</a:t>
+              <a:t>1:15 – Kick off!</a:t>
             </a:r>
           </a:p>
           <a:p>
@@ -5144,7 +5386,7 @@
               <a:buFont typeface="Arial"/>
               <a:buChar char="•"/>
             </a:pPr>
-            <a:endParaRPr lang="en-GB" sz="2800" dirty="0" smtClean="0">
+            <a:endParaRPr lang="en-GB" sz="2400" dirty="0" smtClean="0">
               <a:solidFill>
                 <a:srgbClr val="858585"/>
               </a:solidFill>
@@ -5160,13 +5402,13 @@
               <a:buChar char="•"/>
             </a:pPr>
             <a:r>
-              <a:rPr lang="en-GB" sz="2800" dirty="0" smtClean="0">
+              <a:rPr lang="en-GB" sz="2400" dirty="0" smtClean="0">
                 <a:solidFill>
                   <a:srgbClr val="858585"/>
                 </a:solidFill>
                 <a:latin typeface="Steagal Light"/>
               </a:rPr>
-              <a:t> 4:15 – Start Coding</a:t>
+              <a:t> 1:30 – Start Coding</a:t>
             </a:r>
           </a:p>
           <a:p>
@@ -5177,7 +5419,7 @@
               <a:buFont typeface="Arial"/>
               <a:buChar char="•"/>
             </a:pPr>
-            <a:endParaRPr lang="en-GB" sz="2800" dirty="0" smtClean="0">
+            <a:endParaRPr lang="en-GB" sz="2400" dirty="0" smtClean="0">
               <a:solidFill>
                 <a:srgbClr val="858585"/>
               </a:solidFill>
@@ -5193,7 +5435,7 @@
               <a:buChar char="•"/>
             </a:pPr>
             <a:r>
-              <a:rPr lang="en-GB" sz="2800" dirty="0">
+              <a:rPr lang="en-GB" sz="2400" dirty="0">
                 <a:solidFill>
                   <a:srgbClr val="858585"/>
                 </a:solidFill>
@@ -5202,13 +5444,13 @@
               <a:t> </a:t>
             </a:r>
             <a:r>
-              <a:rPr lang="en-GB" sz="2800" dirty="0" smtClean="0">
+              <a:rPr lang="en-GB" sz="2400" dirty="0" smtClean="0">
                 <a:solidFill>
                   <a:srgbClr val="858585"/>
                 </a:solidFill>
                 <a:latin typeface="Steagal Light"/>
               </a:rPr>
-              <a:t>6:15 – Hand in answers to Challenges</a:t>
+              <a:t>3:30 – Final submission of Challenges</a:t>
             </a:r>
           </a:p>
           <a:p>
@@ -5219,7 +5461,7 @@
               <a:buFont typeface="Arial"/>
               <a:buChar char="•"/>
             </a:pPr>
-            <a:endParaRPr lang="en-GB" sz="2800" dirty="0" smtClean="0">
+            <a:endParaRPr lang="en-GB" sz="2400" dirty="0" smtClean="0">
               <a:solidFill>
                 <a:srgbClr val="858585"/>
               </a:solidFill>
@@ -5235,7 +5477,7 @@
               <a:buChar char="•"/>
             </a:pPr>
             <a:r>
-              <a:rPr lang="en-GB" sz="2800" dirty="0">
+              <a:rPr lang="en-GB" sz="2400" dirty="0">
                 <a:solidFill>
                   <a:srgbClr val="858585"/>
                 </a:solidFill>
@@ -5244,13 +5486,13 @@
               <a:t> </a:t>
             </a:r>
             <a:r>
-              <a:rPr lang="en-GB" sz="2800" dirty="0" smtClean="0">
+              <a:rPr lang="en-GB" sz="2400" dirty="0" smtClean="0">
                 <a:solidFill>
                   <a:srgbClr val="858585"/>
                 </a:solidFill>
                 <a:latin typeface="Steagal Light"/>
               </a:rPr>
-              <a:t>6:45 – Hand in Code</a:t>
+              <a:t>3:45 – Email code</a:t>
             </a:r>
           </a:p>
           <a:p>
@@ -5261,7 +5503,7 @@
               <a:buFont typeface="Arial"/>
               <a:buChar char="•"/>
             </a:pPr>
-            <a:endParaRPr lang="en-GB" sz="2800" dirty="0" smtClean="0">
+            <a:endParaRPr lang="en-GB" sz="2400" dirty="0" smtClean="0">
               <a:solidFill>
                 <a:srgbClr val="858585"/>
               </a:solidFill>
@@ -5277,7 +5519,7 @@
               <a:buChar char="•"/>
             </a:pPr>
             <a:r>
-              <a:rPr lang="en-GB" sz="2800" dirty="0">
+              <a:rPr lang="en-GB" sz="2400" dirty="0">
                 <a:solidFill>
                   <a:srgbClr val="858585"/>
                 </a:solidFill>
@@ -5286,15 +5528,48 @@
               <a:t> </a:t>
             </a:r>
             <a:r>
-              <a:rPr lang="en-GB" sz="2800" dirty="0" smtClean="0">
+              <a:rPr lang="en-GB" sz="2400" dirty="0" smtClean="0">
                 <a:solidFill>
                   <a:srgbClr val="858585"/>
                 </a:solidFill>
                 <a:latin typeface="Steagal Light"/>
               </a:rPr>
-              <a:t>7:00 – Judging and Prizes</a:t>
-            </a:r>
-            <a:endParaRPr dirty="0">
+              <a:t>4:00 – Judging and Prizes</a:t>
+            </a:r>
+          </a:p>
+          <a:p>
+            <a:pPr>
+              <a:lnSpc>
+                <a:spcPct val="90000"/>
+              </a:lnSpc>
+              <a:buFont typeface="Arial"/>
+              <a:buChar char="•"/>
+            </a:pPr>
+            <a:endParaRPr lang="en-GB" sz="2400" dirty="0">
+              <a:solidFill>
+                <a:srgbClr val="858585"/>
+              </a:solidFill>
+              <a:latin typeface="Steagal Light"/>
+            </a:endParaRPr>
+          </a:p>
+          <a:p>
+            <a:pPr>
+              <a:lnSpc>
+                <a:spcPct val="90000"/>
+              </a:lnSpc>
+              <a:buFont typeface="Arial"/>
+              <a:buChar char="•"/>
+            </a:pPr>
+            <a:r>
+              <a:rPr lang="en-GB" sz="2400" dirty="0" smtClean="0">
+                <a:solidFill>
+                  <a:srgbClr val="858585"/>
+                </a:solidFill>
+                <a:latin typeface="Steagal Light"/>
+              </a:rPr>
+              <a:t> 4:15 – To the bar!</a:t>
+            </a:r>
+            <a:endParaRPr sz="2400" dirty="0">
               <a:solidFill>
                 <a:srgbClr val="858585"/>
               </a:solidFill>
@@ -5322,7 +5597,7 @@
 </p:sld>
 </file>
 
-<file path=ppt/slides/slide7.xml><?xml version="1.0" encoding="utf-8"?>
+<file path=ppt/slides/slide8.xml><?xml version="1.0" encoding="utf-8"?>
 <p:sld xmlns:a="http://schemas.openxmlformats.org/drawingml/2006/main" xmlns:r="http://schemas.openxmlformats.org/officeDocument/2006/relationships" xmlns:p="http://schemas.openxmlformats.org/presentationml/2006/main">
   <p:cSld>
     <p:spTree>
